--- a/WeCalendar/WeCalendar概要書.pptx
+++ b/WeCalendar/WeCalendar概要書.pptx
@@ -11,6 +11,11 @@
     <p:sldId id="259" r:id="rId5"/>
     <p:sldId id="260" r:id="rId6"/>
     <p:sldId id="261" r:id="rId7"/>
+    <p:sldId id="265" r:id="rId8"/>
+    <p:sldId id="262" r:id="rId9"/>
+    <p:sldId id="263" r:id="rId10"/>
+    <p:sldId id="264" r:id="rId11"/>
+    <p:sldId id="266" r:id="rId12"/>
   </p:sldIdLst>
   <p:sldSz cx="12192000" cy="6858000"/>
   <p:notesSz cx="6858000" cy="9144000"/>
@@ -4774,12 +4779,12 @@
     <dgm:cxn modelId="{65E40F5D-7CC5-4932-AB14-DDFBFD5B00AA}" srcId="{E5BE78B4-39DA-49C8-8C98-41C6146C04C2}" destId="{4E658A62-A463-4095-9A1B-7042A45FEB2D}" srcOrd="0" destOrd="0" parTransId="{31A95073-A8D8-48B0-B8C1-2328E14833B8}" sibTransId="{49393459-85F5-450D-B07B-8C6E779ECA53}"/>
     <dgm:cxn modelId="{5375F9A6-76A9-4D02-949B-6289B99A8AD8}" srcId="{97E49EDC-5F79-4581-87E5-F5DDDE6F833B}" destId="{A281D517-3BFB-4143-A433-6F5545A5ADD5}" srcOrd="0" destOrd="0" parTransId="{B19806B6-A5A5-49E7-BF55-D4AE79BF9046}" sibTransId="{E2BC60BC-8BF3-4CD2-AA52-5272E35002CE}"/>
     <dgm:cxn modelId="{E9032FA4-036C-432B-89AE-E3DD93678AB8}" type="presOf" srcId="{A57AA49B-636D-4A5E-AE05-92C3A1A0400E}" destId="{872B534D-5614-4C31-A25D-DCBE8D470826}" srcOrd="0" destOrd="0" presId="urn:microsoft.com/office/officeart/2005/8/layout/orgChart1"/>
+    <dgm:cxn modelId="{7255566E-7314-44B0-A3AB-ED90C525AE75}" type="presOf" srcId="{C076EB9F-8D13-432D-8021-14034330B990}" destId="{9DD6E05C-83C6-4075-80F9-6E38DF5C8ECC}" srcOrd="0" destOrd="0" presId="urn:microsoft.com/office/officeart/2005/8/layout/orgChart1"/>
     <dgm:cxn modelId="{CED05CDF-9777-4FAD-844C-66C4CF14A3D9}" srcId="{97E49EDC-5F79-4581-87E5-F5DDDE6F833B}" destId="{C5AED306-FCF2-404B-8632-E9D40A286779}" srcOrd="1" destOrd="0" parTransId="{FF4C7F2C-7A2D-46F2-BF52-F3B222FFC604}" sibTransId="{766DCCED-5DF5-4FBA-A05C-A6D856F27039}"/>
-    <dgm:cxn modelId="{7255566E-7314-44B0-A3AB-ED90C525AE75}" type="presOf" srcId="{C076EB9F-8D13-432D-8021-14034330B990}" destId="{9DD6E05C-83C6-4075-80F9-6E38DF5C8ECC}" srcOrd="0" destOrd="0" presId="urn:microsoft.com/office/officeart/2005/8/layout/orgChart1"/>
     <dgm:cxn modelId="{F9E9B3BD-AEFF-47B4-97D6-CD69BD5F9AE2}" type="presOf" srcId="{582FDE7E-6967-4905-8807-C98C72B7E5FC}" destId="{E8B05745-8664-4147-BCFD-A79FFC2A90FB}" srcOrd="0" destOrd="0" presId="urn:microsoft.com/office/officeart/2005/8/layout/orgChart1"/>
     <dgm:cxn modelId="{913F5D8F-371A-4362-8A73-A9BDA6BDB339}" srcId="{47D15A3B-015B-4298-94B1-5A0D5F1277B3}" destId="{2D83C807-52B0-4B7C-AC11-958AB89807B2}" srcOrd="3" destOrd="0" parTransId="{9F6270C7-7C42-4D3B-91DD-53D1181846E6}" sibTransId="{EFD7451E-00FB-4972-9B46-E960D9DBC4EE}"/>
+    <dgm:cxn modelId="{58C3FBCE-9812-4C20-80E7-1777552218A6}" type="presOf" srcId="{69737203-4230-4414-86D2-2D1B621E56BE}" destId="{EF6DA679-D5B1-469E-AE53-25E75F2EE1AB}" srcOrd="0" destOrd="0" presId="urn:microsoft.com/office/officeart/2005/8/layout/orgChart1"/>
     <dgm:cxn modelId="{B12E1AC2-1D4C-4479-AD21-B361E1D43808}" type="presOf" srcId="{CC8C51C8-59B6-4836-8EBB-ADB0565B8142}" destId="{D114B358-FCE9-4F1E-BFEA-733DC1AA9EC9}" srcOrd="0" destOrd="0" presId="urn:microsoft.com/office/officeart/2005/8/layout/orgChart1"/>
-    <dgm:cxn modelId="{58C3FBCE-9812-4C20-80E7-1777552218A6}" type="presOf" srcId="{69737203-4230-4414-86D2-2D1B621E56BE}" destId="{EF6DA679-D5B1-469E-AE53-25E75F2EE1AB}" srcOrd="0" destOrd="0" presId="urn:microsoft.com/office/officeart/2005/8/layout/orgChart1"/>
     <dgm:cxn modelId="{B153B640-B7F6-49E6-9D23-E8EC2F824E83}" srcId="{4E658A62-A463-4095-9A1B-7042A45FEB2D}" destId="{A225E7C5-63CC-4276-A5B6-DD652DA88402}" srcOrd="2" destOrd="0" parTransId="{EB5A5C4B-A0E6-4366-95D7-4303F1B0275C}" sibTransId="{84107488-E1FC-47A5-9B01-798564C63BB4}"/>
     <dgm:cxn modelId="{634CEF01-DB20-4FE0-A6B9-E02F9F50ABA5}" srcId="{E5BE78B4-39DA-49C8-8C98-41C6146C04C2}" destId="{97E49EDC-5F79-4581-87E5-F5DDDE6F833B}" srcOrd="1" destOrd="0" parTransId="{EA5B6C5F-8B0E-477F-A6DB-2FB5C8336572}" sibTransId="{8A8044E9-E6DB-425C-9A92-A2E8E22344D9}"/>
     <dgm:cxn modelId="{FF0AB6B4-46B6-4909-8656-D34AB3182A72}" type="presOf" srcId="{BE1F60DF-08B6-4903-8CF9-AF3604FAC5BE}" destId="{B2BF8FA2-7BD8-42C6-B5B3-430FF504CADC}" srcOrd="1" destOrd="0" presId="urn:microsoft.com/office/officeart/2005/8/layout/orgChart1"/>
@@ -4788,12 +4793,12 @@
     <dgm:cxn modelId="{42C6D128-A5E0-4F60-9800-FBFF03E86B93}" srcId="{CC8C51C8-59B6-4836-8EBB-ADB0565B8142}" destId="{1EA3DFCE-F078-461F-AD38-870C31CD827E}" srcOrd="2" destOrd="0" parTransId="{02F07DF3-FDF3-481C-9271-332A3D3D9583}" sibTransId="{3196E950-F560-46DE-9C64-269D99A050D4}"/>
     <dgm:cxn modelId="{C28424FC-A087-43BB-9D90-7BF35F452623}" type="presOf" srcId="{4E658A62-A463-4095-9A1B-7042A45FEB2D}" destId="{4C67AB49-7BF9-49C2-B6D8-859DA714DB40}" srcOrd="1" destOrd="0" presId="urn:microsoft.com/office/officeart/2005/8/layout/orgChart1"/>
     <dgm:cxn modelId="{19927DD3-90A1-4A32-812F-AB188530572A}" type="presOf" srcId="{32E013B5-8D8A-4A54-B956-50AAA4805ABA}" destId="{9E25D907-6708-4EC9-A89B-C894E433B844}" srcOrd="0" destOrd="0" presId="urn:microsoft.com/office/officeart/2005/8/layout/orgChart1"/>
+    <dgm:cxn modelId="{73DEFC73-CC95-40D8-B239-8201901DF8FF}" type="presOf" srcId="{CBD96B85-E42B-40F1-948E-F47E80846CA5}" destId="{8D77AFB5-5440-4121-9F15-3F020D4A1ED6}" srcOrd="0" destOrd="0" presId="urn:microsoft.com/office/officeart/2005/8/layout/orgChart1"/>
     <dgm:cxn modelId="{57CDDA07-A5A7-4894-9DC5-C7A3E79882C3}" type="presOf" srcId="{DD291901-64C8-4473-86A1-151514ECD8E2}" destId="{647D4A24-6FB6-402B-99AF-693287250655}" srcOrd="0" destOrd="0" presId="urn:microsoft.com/office/officeart/2005/8/layout/orgChart1"/>
-    <dgm:cxn modelId="{73DEFC73-CC95-40D8-B239-8201901DF8FF}" type="presOf" srcId="{CBD96B85-E42B-40F1-948E-F47E80846CA5}" destId="{8D77AFB5-5440-4121-9F15-3F020D4A1ED6}" srcOrd="0" destOrd="0" presId="urn:microsoft.com/office/officeart/2005/8/layout/orgChart1"/>
     <dgm:cxn modelId="{1FD1EB97-80F5-442D-B84C-9C2BF413DA87}" type="presOf" srcId="{5689E423-1F19-4F1C-814B-F130E643CE06}" destId="{FF826569-92D4-4830-8E95-0EE52CF3A9D4}" srcOrd="1" destOrd="0" presId="urn:microsoft.com/office/officeart/2005/8/layout/orgChart1"/>
     <dgm:cxn modelId="{E31CF58D-2FA4-4F15-875B-69ABEC10B37D}" type="presOf" srcId="{97E49EDC-5F79-4581-87E5-F5DDDE6F833B}" destId="{7F1811A6-67F9-45B8-8C60-A0F9456B1A52}" srcOrd="1" destOrd="0" presId="urn:microsoft.com/office/officeart/2005/8/layout/orgChart1"/>
+    <dgm:cxn modelId="{465BF0D2-554F-441A-8194-1D82CFE2ECE5}" type="presOf" srcId="{52004991-5C16-42A7-87F7-3B99EA77CBFC}" destId="{CB36BEE7-8645-4EC9-9BAB-BD08CD9BAED3}" srcOrd="0" destOrd="0" presId="urn:microsoft.com/office/officeart/2005/8/layout/orgChart1"/>
     <dgm:cxn modelId="{22FD7608-25F0-4F13-85A1-490D690A9654}" srcId="{65047AFD-9724-42E9-B25D-868999BF2402}" destId="{634C75F5-793E-45D3-A8E7-5BBB0D045A01}" srcOrd="1" destOrd="0" parTransId="{A07FF29D-88F5-4E02-B636-D05D4F9B72C4}" sibTransId="{1836E8FF-38CB-4220-B2A4-CB07A9748302}"/>
-    <dgm:cxn modelId="{465BF0D2-554F-441A-8194-1D82CFE2ECE5}" type="presOf" srcId="{52004991-5C16-42A7-87F7-3B99EA77CBFC}" destId="{CB36BEE7-8645-4EC9-9BAB-BD08CD9BAED3}" srcOrd="0" destOrd="0" presId="urn:microsoft.com/office/officeart/2005/8/layout/orgChart1"/>
     <dgm:cxn modelId="{23658A26-08C6-4EDA-96ED-F07AA531ED96}" srcId="{37323F90-2C53-4EE4-9A91-9E24762E9A8B}" destId="{E5BE78B4-39DA-49C8-8C98-41C6146C04C2}" srcOrd="1" destOrd="0" parTransId="{DD291901-64C8-4473-86A1-151514ECD8E2}" sibTransId="{E213EAB9-31C5-4B05-A6EB-42C8D999D2EE}"/>
     <dgm:cxn modelId="{CC6E988E-9CFD-499E-8469-A19EB7652EC8}" type="presOf" srcId="{A07FF29D-88F5-4E02-B636-D05D4F9B72C4}" destId="{67917FF9-CC23-4FF2-9CCD-D28D83276DA1}" srcOrd="0" destOrd="0" presId="urn:microsoft.com/office/officeart/2005/8/layout/orgChart1"/>
     <dgm:cxn modelId="{5D718A4A-2CC3-46E3-A52B-B4BCD58B902B}" type="presOf" srcId="{9F6270C7-7C42-4D3B-91DD-53D1181846E6}" destId="{73B50982-5D90-49BE-9344-D11B914FB06C}" srcOrd="0" destOrd="0" presId="urn:microsoft.com/office/officeart/2005/8/layout/orgChart1"/>
@@ -4838,20 +4843,20 @@
     <dgm:cxn modelId="{75BC4CF9-4FC6-4E7B-B813-167C486BAECE}" srcId="{47D15A3B-015B-4298-94B1-5A0D5F1277B3}" destId="{F30B86F5-41B1-46DD-89EA-360DB82D10E0}" srcOrd="2" destOrd="0" parTransId="{A874E486-E5B7-4320-9821-D309300CE006}" sibTransId="{0F5898C3-F250-4DC0-B683-B87A20E31D2F}"/>
     <dgm:cxn modelId="{D62D01F1-4011-40EF-A00B-377F164F55AE}" type="presOf" srcId="{5689E423-1F19-4F1C-814B-F130E643CE06}" destId="{60848912-4837-4B44-B4C9-E9E6F9ACD5A9}" srcOrd="0" destOrd="0" presId="urn:microsoft.com/office/officeart/2005/8/layout/orgChart1"/>
     <dgm:cxn modelId="{59385DB1-3906-489F-8B30-7198ED8A16E7}" type="presOf" srcId="{97E49EDC-5F79-4581-87E5-F5DDDE6F833B}" destId="{977CB5B6-A410-4AF8-AEC4-5EC5F1B27E63}" srcOrd="0" destOrd="0" presId="urn:microsoft.com/office/officeart/2005/8/layout/orgChart1"/>
+    <dgm:cxn modelId="{FD59F1FE-F5EE-40DA-AB33-58972AEE167A}" type="presOf" srcId="{47D15A3B-015B-4298-94B1-5A0D5F1277B3}" destId="{BEFFF6E6-E0B8-49E8-8A25-223219C0B430}" srcOrd="1" destOrd="0" presId="urn:microsoft.com/office/officeart/2005/8/layout/orgChart1"/>
     <dgm:cxn modelId="{70DA2F4A-7C97-4D26-806E-7B694469BEFA}" type="presOf" srcId="{45D630EE-6CDA-4D73-8D52-F2EF3CC6F4BB}" destId="{BBCEC99A-8DD4-4365-926E-F8D03698FD72}" srcOrd="1" destOrd="0" presId="urn:microsoft.com/office/officeart/2005/8/layout/orgChart1"/>
-    <dgm:cxn modelId="{FD59F1FE-F5EE-40DA-AB33-58972AEE167A}" type="presOf" srcId="{47D15A3B-015B-4298-94B1-5A0D5F1277B3}" destId="{BEFFF6E6-E0B8-49E8-8A25-223219C0B430}" srcOrd="1" destOrd="0" presId="urn:microsoft.com/office/officeart/2005/8/layout/orgChart1"/>
     <dgm:cxn modelId="{219653E7-1A1D-4BD0-8DD7-74327D7A1E91}" type="presOf" srcId="{2058B99E-9CD1-4574-AF46-E4E93EB1F913}" destId="{71598A6E-73FD-4B09-A928-80F94112B969}" srcOrd="1" destOrd="0" presId="urn:microsoft.com/office/officeart/2005/8/layout/orgChart1"/>
     <dgm:cxn modelId="{F738BF51-7D33-4A50-A140-21FDAF45E328}" type="presOf" srcId="{C5AED306-FCF2-404B-8632-E9D40A286779}" destId="{F9CC6191-43C1-4DE7-9A49-1CC733952DEC}" srcOrd="0" destOrd="0" presId="urn:microsoft.com/office/officeart/2005/8/layout/orgChart1"/>
+    <dgm:cxn modelId="{19530654-3B85-4AB0-AEA4-D1B01D374CE0}" type="presOf" srcId="{2058B99E-9CD1-4574-AF46-E4E93EB1F913}" destId="{CE0CF412-7C4B-4E7A-8552-33AF7BD8D3AB}" srcOrd="0" destOrd="0" presId="urn:microsoft.com/office/officeart/2005/8/layout/orgChart1"/>
     <dgm:cxn modelId="{BA77C840-22AF-4901-91B9-6FBA3EF4CEB3}" srcId="{37323F90-2C53-4EE4-9A91-9E24762E9A8B}" destId="{26D57F3B-8BF1-483E-9B54-2DA90D980966}" srcOrd="0" destOrd="0" parTransId="{A51B6112-2087-4A89-83B1-85E0EDB6B962}" sibTransId="{63025B3E-04FD-46AA-BAAF-35F701B3AD28}"/>
-    <dgm:cxn modelId="{19530654-3B85-4AB0-AEA4-D1B01D374CE0}" type="presOf" srcId="{2058B99E-9CD1-4574-AF46-E4E93EB1F913}" destId="{CE0CF412-7C4B-4E7A-8552-33AF7BD8D3AB}" srcOrd="0" destOrd="0" presId="urn:microsoft.com/office/officeart/2005/8/layout/orgChart1"/>
     <dgm:cxn modelId="{D022686F-6D1C-45B6-88C0-655312001C05}" type="presOf" srcId="{A281D517-3BFB-4143-A433-6F5545A5ADD5}" destId="{9E474FBE-CD8B-465B-8D14-7DEECDA72306}" srcOrd="1" destOrd="0" presId="urn:microsoft.com/office/officeart/2005/8/layout/orgChart1"/>
     <dgm:cxn modelId="{A9B591E1-8060-457D-AD67-9A1EDC9F1C40}" type="presOf" srcId="{BE1F60DF-08B6-4903-8CF9-AF3604FAC5BE}" destId="{76EFE485-5ADF-413C-B4C2-266176D5E3E3}" srcOrd="0" destOrd="0" presId="urn:microsoft.com/office/officeart/2005/8/layout/orgChart1"/>
+    <dgm:cxn modelId="{A57B61E7-64B2-4801-BB33-61D7B7D76F90}" type="presOf" srcId="{B1968216-5B0E-40EE-8AB7-4A029FA17E33}" destId="{B9A5FDB6-8991-45AE-B0F1-3B51F7A20B27}" srcOrd="0" destOrd="0" presId="urn:microsoft.com/office/officeart/2005/8/layout/orgChart1"/>
     <dgm:cxn modelId="{8C25AD9C-0496-4460-9D65-F03CDA4FE77D}" type="presOf" srcId="{B1968216-5B0E-40EE-8AB7-4A029FA17E33}" destId="{BDCEF6E2-AB8B-4E07-8E5D-22039E04CE0D}" srcOrd="1" destOrd="0" presId="urn:microsoft.com/office/officeart/2005/8/layout/orgChart1"/>
-    <dgm:cxn modelId="{A57B61E7-64B2-4801-BB33-61D7B7D76F90}" type="presOf" srcId="{B1968216-5B0E-40EE-8AB7-4A029FA17E33}" destId="{B9A5FDB6-8991-45AE-B0F1-3B51F7A20B27}" srcOrd="0" destOrd="0" presId="urn:microsoft.com/office/officeart/2005/8/layout/orgChart1"/>
     <dgm:cxn modelId="{F83CB8F5-B755-47E9-A736-1E722E8219DA}" type="presOf" srcId="{715522F2-BAE9-44E2-88EC-5BAF8D4BF820}" destId="{FD6FCB79-9C66-4361-B8D9-8BFF86DE8632}" srcOrd="0" destOrd="0" presId="urn:microsoft.com/office/officeart/2005/8/layout/orgChart1"/>
     <dgm:cxn modelId="{05FCCFDA-ECA3-48CC-A2E5-5484B24C40A9}" type="presOf" srcId="{D498F670-B169-4652-B205-F65CBFB5C371}" destId="{6FE8E3D7-6A56-45C3-AFA9-D9BD2A099271}" srcOrd="0" destOrd="0" presId="urn:microsoft.com/office/officeart/2005/8/layout/orgChart1"/>
+    <dgm:cxn modelId="{A1A08FBB-1D66-4C21-BCAF-60C277CC8C81}" type="presOf" srcId="{CC8C51C8-59B6-4836-8EBB-ADB0565B8142}" destId="{B2E8B6F8-BBBA-4EB6-B226-8652180BD656}" srcOrd="1" destOrd="0" presId="urn:microsoft.com/office/officeart/2005/8/layout/orgChart1"/>
     <dgm:cxn modelId="{D180C4E9-32C0-4BB6-A810-81F2EB4EFADE}" srcId="{CBD96B85-E42B-40F1-948E-F47E80846CA5}" destId="{66472EA2-D8BC-4299-AA11-29BCF79E2D26}" srcOrd="0" destOrd="0" parTransId="{B1BFED5D-B890-4C94-98FB-A0620AEB7E95}" sibTransId="{98A4F369-335C-49C7-94AE-147415F05BA3}"/>
-    <dgm:cxn modelId="{A1A08FBB-1D66-4C21-BCAF-60C277CC8C81}" type="presOf" srcId="{CC8C51C8-59B6-4836-8EBB-ADB0565B8142}" destId="{B2E8B6F8-BBBA-4EB6-B226-8652180BD656}" srcOrd="1" destOrd="0" presId="urn:microsoft.com/office/officeart/2005/8/layout/orgChart1"/>
     <dgm:cxn modelId="{DDCFE8B5-5EC3-4001-816C-801F605F0C5C}" type="presOf" srcId="{A281D517-3BFB-4143-A433-6F5545A5ADD5}" destId="{ABB9F83D-16AE-415F-B580-BFD2A369869D}" srcOrd="0" destOrd="0" presId="urn:microsoft.com/office/officeart/2005/8/layout/orgChart1"/>
     <dgm:cxn modelId="{5ED0C3E3-495D-4E8F-B399-07AE621DACBF}" type="presOf" srcId="{AC5485D6-2951-4524-A347-D826FC6E263C}" destId="{D1EB10E0-F9A9-477C-844F-B331EF877593}" srcOrd="0" destOrd="0" presId="urn:microsoft.com/office/officeart/2005/8/layout/orgChart1"/>
     <dgm:cxn modelId="{454C9AA9-00FE-47EE-BD9C-C5DED3C59FAE}" type="presOf" srcId="{EB5A5C4B-A0E6-4366-95D7-4303F1B0275C}" destId="{5D459F51-82D4-4F75-9FB5-4A1AC75E482F}" srcOrd="0" destOrd="0" presId="urn:microsoft.com/office/officeart/2005/8/layout/orgChart1"/>
@@ -4874,12 +4879,12 @@
     <dgm:cxn modelId="{D10F562D-737C-4AF9-9BB9-BD0B1BB4B75F}" srcId="{BB2987D1-EF25-4FA0-8266-FF467EFB74D1}" destId="{65047AFD-9724-42E9-B25D-868999BF2402}" srcOrd="0" destOrd="0" parTransId="{FFC8AD8B-0EF3-4A89-8CF7-A7BB64BC92B3}" sibTransId="{ABFFC83F-BC73-45DE-88F0-732716CC258C}"/>
     <dgm:cxn modelId="{08568629-A43F-4146-95FF-EFF780758ECD}" srcId="{BE1F60DF-08B6-4903-8CF9-AF3604FAC5BE}" destId="{5689E423-1F19-4F1C-814B-F130E643CE06}" srcOrd="1" destOrd="0" parTransId="{C076EB9F-8D13-432D-8021-14034330B990}" sibTransId="{5B20AC37-C8A9-413D-9333-3108389FA6AA}"/>
     <dgm:cxn modelId="{01B05A3C-780A-4CE0-8353-EDBF32E945E6}" type="presOf" srcId="{CBD96B85-E42B-40F1-948E-F47E80846CA5}" destId="{4482A24C-C24D-47B3-8161-F275439EA786}" srcOrd="1" destOrd="0" presId="urn:microsoft.com/office/officeart/2005/8/layout/orgChart1"/>
+    <dgm:cxn modelId="{A4E43B02-8E9B-4AF4-BBF6-E2AFEC379EA1}" type="presOf" srcId="{52004991-5C16-42A7-87F7-3B99EA77CBFC}" destId="{E0FA8F57-638C-441F-B8F9-ABAF30EDC704}" srcOrd="1" destOrd="0" presId="urn:microsoft.com/office/officeart/2005/8/layout/orgChart1"/>
     <dgm:cxn modelId="{1B43C291-94D5-435C-88A7-564F827DB4FD}" type="presOf" srcId="{4E658A62-A463-4095-9A1B-7042A45FEB2D}" destId="{A8167217-E024-4D9A-9FD2-7396681D973F}" srcOrd="0" destOrd="0" presId="urn:microsoft.com/office/officeart/2005/8/layout/orgChart1"/>
-    <dgm:cxn modelId="{A4E43B02-8E9B-4AF4-BBF6-E2AFEC379EA1}" type="presOf" srcId="{52004991-5C16-42A7-87F7-3B99EA77CBFC}" destId="{E0FA8F57-638C-441F-B8F9-ABAF30EDC704}" srcOrd="1" destOrd="0" presId="urn:microsoft.com/office/officeart/2005/8/layout/orgChart1"/>
     <dgm:cxn modelId="{9359C634-AAA9-4F0C-91F6-667873144596}" type="presOf" srcId="{B1BFED5D-B890-4C94-98FB-A0620AEB7E95}" destId="{A3CA7562-B361-4935-9081-252091E89951}" srcOrd="0" destOrd="0" presId="urn:microsoft.com/office/officeart/2005/8/layout/orgChart1"/>
     <dgm:cxn modelId="{B9FF7AA2-A8FA-47C1-9C59-17CCC90D6C0C}" type="presOf" srcId="{52A82C8A-4507-4F6E-9A06-672AA1005AD9}" destId="{FB27BC97-57FB-4F42-8894-FA03DBB8C481}" srcOrd="0" destOrd="0" presId="urn:microsoft.com/office/officeart/2005/8/layout/orgChart1"/>
+    <dgm:cxn modelId="{19357EA1-48FF-4611-B818-E3CFC7928E85}" type="presOf" srcId="{E7EC2321-2235-4D5A-921B-118C56502829}" destId="{45075B4E-A07C-4BF7-AF44-1D2BCE8B5627}" srcOrd="0" destOrd="0" presId="urn:microsoft.com/office/officeart/2005/8/layout/orgChart1"/>
     <dgm:cxn modelId="{70C3D021-6D6A-48ED-B0F0-B445C7150CC0}" type="presOf" srcId="{A874E486-E5B7-4320-9821-D309300CE006}" destId="{CE61AB01-D880-4DB1-9DC3-64E20B3CEA83}" srcOrd="0" destOrd="0" presId="urn:microsoft.com/office/officeart/2005/8/layout/orgChart1"/>
-    <dgm:cxn modelId="{19357EA1-48FF-4611-B818-E3CFC7928E85}" type="presOf" srcId="{E7EC2321-2235-4D5A-921B-118C56502829}" destId="{45075B4E-A07C-4BF7-AF44-1D2BCE8B5627}" srcOrd="0" destOrd="0" presId="urn:microsoft.com/office/officeart/2005/8/layout/orgChart1"/>
     <dgm:cxn modelId="{92E61813-484F-48E0-8433-CA4EB6D373CE}" type="presOf" srcId="{EA5B6C5F-8B0E-477F-A6DB-2FB5C8336572}" destId="{98FB9070-7BC2-477B-BC8D-513CB20A0E54}" srcOrd="0" destOrd="0" presId="urn:microsoft.com/office/officeart/2005/8/layout/orgChart1"/>
     <dgm:cxn modelId="{8028D81B-DC6A-45F5-9349-A81F5F77794F}" type="presOf" srcId="{B19806B6-A5A5-49E7-BF55-D4AE79BF9046}" destId="{5C249381-162C-4E78-9AA3-B0510A345796}" srcOrd="0" destOrd="0" presId="urn:microsoft.com/office/officeart/2005/8/layout/orgChart1"/>
     <dgm:cxn modelId="{65511CCE-AA98-44E0-8B24-59D3CE5ED3BD}" srcId="{BE1F60DF-08B6-4903-8CF9-AF3604FAC5BE}" destId="{AC5485D6-2951-4524-A347-D826FC6E263C}" srcOrd="0" destOrd="0" parTransId="{52A82C8A-4507-4F6E-9A06-672AA1005AD9}" sibTransId="{879E679E-89C7-476C-95F3-A517A00F4CA3}"/>
@@ -5124,8 +5129,8 @@
       </dsp:nvSpPr>
       <dsp:spPr>
         <a:xfrm>
-          <a:off x="3309636" y="950179"/>
-          <a:ext cx="885951" cy="158904"/>
+          <a:off x="3412559" y="846183"/>
+          <a:ext cx="913503" cy="163846"/>
         </a:xfrm>
         <a:custGeom>
           <a:avLst/>
@@ -5136,16 +5141,16 @@
           <a:pathLst>
             <a:path>
               <a:moveTo>
-                <a:pt x="885951" y="0"/>
+                <a:pt x="913503" y="0"/>
               </a:moveTo>
               <a:lnTo>
-                <a:pt x="885951" y="79452"/>
+                <a:pt x="913503" y="81923"/>
               </a:lnTo>
               <a:lnTo>
-                <a:pt x="0" y="79452"/>
+                <a:pt x="0" y="81923"/>
               </a:lnTo>
               <a:lnTo>
-                <a:pt x="0" y="158904"/>
+                <a:pt x="0" y="163846"/>
               </a:lnTo>
             </a:path>
           </a:pathLst>
@@ -5189,8 +5194,8 @@
       </dsp:nvSpPr>
       <dsp:spPr>
         <a:xfrm>
-          <a:off x="140773" y="2024679"/>
-          <a:ext cx="206378" cy="1959827"/>
+          <a:off x="145151" y="1954098"/>
+          <a:ext cx="212796" cy="2020774"/>
         </a:xfrm>
         <a:custGeom>
           <a:avLst/>
@@ -5204,10 +5209,10 @@
                 <a:pt x="0" y="0"/>
               </a:moveTo>
               <a:lnTo>
-                <a:pt x="0" y="1959827"/>
+                <a:pt x="0" y="2020774"/>
               </a:lnTo>
               <a:lnTo>
-                <a:pt x="206378" y="1959827"/>
+                <a:pt x="212796" y="2020774"/>
               </a:lnTo>
             </a:path>
           </a:pathLst>
@@ -5251,8 +5256,8 @@
       </dsp:nvSpPr>
       <dsp:spPr>
         <a:xfrm>
-          <a:off x="140773" y="2024679"/>
-          <a:ext cx="206378" cy="1422577"/>
+          <a:off x="145151" y="1954098"/>
+          <a:ext cx="212796" cy="1466817"/>
         </a:xfrm>
         <a:custGeom>
           <a:avLst/>
@@ -5266,10 +5271,10 @@
                 <a:pt x="0" y="0"/>
               </a:moveTo>
               <a:lnTo>
-                <a:pt x="0" y="1422577"/>
+                <a:pt x="0" y="1466817"/>
               </a:lnTo>
               <a:lnTo>
-                <a:pt x="206378" y="1422577"/>
+                <a:pt x="212796" y="1466817"/>
               </a:lnTo>
             </a:path>
           </a:pathLst>
@@ -5313,8 +5318,8 @@
       </dsp:nvSpPr>
       <dsp:spPr>
         <a:xfrm>
-          <a:off x="140773" y="2024679"/>
-          <a:ext cx="206378" cy="885327"/>
+          <a:off x="145151" y="1954098"/>
+          <a:ext cx="212796" cy="912859"/>
         </a:xfrm>
         <a:custGeom>
           <a:avLst/>
@@ -5328,10 +5333,10 @@
                 <a:pt x="0" y="0"/>
               </a:moveTo>
               <a:lnTo>
-                <a:pt x="0" y="885327"/>
+                <a:pt x="0" y="912859"/>
               </a:lnTo>
               <a:lnTo>
-                <a:pt x="206378" y="885327"/>
+                <a:pt x="212796" y="912859"/>
               </a:lnTo>
             </a:path>
           </a:pathLst>
@@ -5375,8 +5380,8 @@
       </dsp:nvSpPr>
       <dsp:spPr>
         <a:xfrm>
-          <a:off x="140773" y="2024679"/>
-          <a:ext cx="206378" cy="348077"/>
+          <a:off x="145151" y="1954098"/>
+          <a:ext cx="212796" cy="358902"/>
         </a:xfrm>
         <a:custGeom>
           <a:avLst/>
@@ -5390,10 +5395,10 @@
                 <a:pt x="0" y="0"/>
               </a:moveTo>
               <a:lnTo>
-                <a:pt x="0" y="348077"/>
+                <a:pt x="0" y="358902"/>
               </a:lnTo>
               <a:lnTo>
-                <a:pt x="206378" y="348077"/>
+                <a:pt x="212796" y="358902"/>
               </a:lnTo>
             </a:path>
           </a:pathLst>
@@ -5437,8 +5442,8 @@
       </dsp:nvSpPr>
       <dsp:spPr>
         <a:xfrm>
-          <a:off x="691117" y="1487429"/>
-          <a:ext cx="4405538" cy="158904"/>
+          <a:off x="712609" y="1400141"/>
+          <a:ext cx="4542541" cy="163846"/>
         </a:xfrm>
         <a:custGeom>
           <a:avLst/>
@@ -5449,16 +5454,16 @@
           <a:pathLst>
             <a:path>
               <a:moveTo>
-                <a:pt x="4405538" y="0"/>
+                <a:pt x="4542541" y="0"/>
               </a:moveTo>
               <a:lnTo>
-                <a:pt x="4405538" y="79452"/>
+                <a:pt x="4542541" y="81923"/>
               </a:lnTo>
               <a:lnTo>
-                <a:pt x="0" y="79452"/>
+                <a:pt x="0" y="81923"/>
               </a:lnTo>
               <a:lnTo>
-                <a:pt x="0" y="158904"/>
+                <a:pt x="0" y="163846"/>
               </a:lnTo>
             </a:path>
           </a:pathLst>
@@ -5502,8 +5507,8 @@
       </dsp:nvSpPr>
       <dsp:spPr>
         <a:xfrm>
-          <a:off x="1685789" y="2024679"/>
-          <a:ext cx="221756" cy="885327"/>
+          <a:off x="1738214" y="1954098"/>
+          <a:ext cx="228652" cy="912859"/>
         </a:xfrm>
         <a:custGeom>
           <a:avLst/>
@@ -5517,10 +5522,10 @@
                 <a:pt x="0" y="0"/>
               </a:moveTo>
               <a:lnTo>
-                <a:pt x="0" y="885327"/>
+                <a:pt x="0" y="912859"/>
               </a:lnTo>
               <a:lnTo>
-                <a:pt x="221756" y="885327"/>
+                <a:pt x="228652" y="912859"/>
               </a:lnTo>
             </a:path>
           </a:pathLst>
@@ -5564,8 +5569,8 @@
       </dsp:nvSpPr>
       <dsp:spPr>
         <a:xfrm>
-          <a:off x="1685789" y="2024679"/>
-          <a:ext cx="221756" cy="348077"/>
+          <a:off x="1738214" y="1954098"/>
+          <a:ext cx="228652" cy="358902"/>
         </a:xfrm>
         <a:custGeom>
           <a:avLst/>
@@ -5579,10 +5584,10 @@
                 <a:pt x="0" y="0"/>
               </a:moveTo>
               <a:lnTo>
-                <a:pt x="0" y="348077"/>
+                <a:pt x="0" y="358902"/>
               </a:lnTo>
               <a:lnTo>
-                <a:pt x="221756" y="348077"/>
+                <a:pt x="228652" y="358902"/>
               </a:lnTo>
             </a:path>
           </a:pathLst>
@@ -5626,8 +5631,8 @@
       </dsp:nvSpPr>
       <dsp:spPr>
         <a:xfrm>
-          <a:off x="2277140" y="1487429"/>
-          <a:ext cx="2819515" cy="158904"/>
+          <a:off x="2347954" y="1400141"/>
+          <a:ext cx="2907196" cy="163846"/>
         </a:xfrm>
         <a:custGeom>
           <a:avLst/>
@@ -5638,16 +5643,16 @@
           <a:pathLst>
             <a:path>
               <a:moveTo>
-                <a:pt x="2819515" y="0"/>
+                <a:pt x="2907196" y="0"/>
               </a:moveTo>
               <a:lnTo>
-                <a:pt x="2819515" y="79452"/>
+                <a:pt x="2907196" y="81923"/>
               </a:lnTo>
               <a:lnTo>
-                <a:pt x="0" y="79452"/>
+                <a:pt x="0" y="81923"/>
               </a:lnTo>
               <a:lnTo>
-                <a:pt x="0" y="158904"/>
+                <a:pt x="0" y="163846"/>
               </a:lnTo>
             </a:path>
           </a:pathLst>
@@ -5691,8 +5696,8 @@
       </dsp:nvSpPr>
       <dsp:spPr>
         <a:xfrm>
-          <a:off x="3320592" y="2561930"/>
-          <a:ext cx="171019" cy="1959827"/>
+          <a:off x="3423855" y="2508056"/>
+          <a:ext cx="176337" cy="2020774"/>
         </a:xfrm>
         <a:custGeom>
           <a:avLst/>
@@ -5706,10 +5711,10 @@
                 <a:pt x="0" y="0"/>
               </a:moveTo>
               <a:lnTo>
-                <a:pt x="0" y="1959827"/>
+                <a:pt x="0" y="2020774"/>
               </a:lnTo>
               <a:lnTo>
-                <a:pt x="171019" y="1959827"/>
+                <a:pt x="176337" y="2020774"/>
               </a:lnTo>
             </a:path>
           </a:pathLst>
@@ -5753,8 +5758,8 @@
       </dsp:nvSpPr>
       <dsp:spPr>
         <a:xfrm>
-          <a:off x="3320592" y="2561930"/>
-          <a:ext cx="171019" cy="1422577"/>
+          <a:off x="3423855" y="2508056"/>
+          <a:ext cx="176337" cy="1466817"/>
         </a:xfrm>
         <a:custGeom>
           <a:avLst/>
@@ -5768,10 +5773,10 @@
                 <a:pt x="0" y="0"/>
               </a:moveTo>
               <a:lnTo>
-                <a:pt x="0" y="1422577"/>
+                <a:pt x="0" y="1466817"/>
               </a:lnTo>
               <a:lnTo>
-                <a:pt x="171019" y="1422577"/>
+                <a:pt x="176337" y="1466817"/>
               </a:lnTo>
             </a:path>
           </a:pathLst>
@@ -5815,8 +5820,8 @@
       </dsp:nvSpPr>
       <dsp:spPr>
         <a:xfrm>
-          <a:off x="3320592" y="2561930"/>
-          <a:ext cx="171019" cy="885327"/>
+          <a:off x="3423855" y="2508056"/>
+          <a:ext cx="176337" cy="912859"/>
         </a:xfrm>
         <a:custGeom>
           <a:avLst/>
@@ -5830,10 +5835,10 @@
                 <a:pt x="0" y="0"/>
               </a:moveTo>
               <a:lnTo>
-                <a:pt x="0" y="885327"/>
+                <a:pt x="0" y="912859"/>
               </a:lnTo>
               <a:lnTo>
-                <a:pt x="171019" y="885327"/>
+                <a:pt x="176337" y="912859"/>
               </a:lnTo>
             </a:path>
           </a:pathLst>
@@ -5877,8 +5882,8 @@
       </dsp:nvSpPr>
       <dsp:spPr>
         <a:xfrm>
-          <a:off x="3320592" y="2561930"/>
-          <a:ext cx="171019" cy="348077"/>
+          <a:off x="3423855" y="2508056"/>
+          <a:ext cx="176337" cy="358902"/>
         </a:xfrm>
         <a:custGeom>
           <a:avLst/>
@@ -5892,10 +5897,10 @@
                 <a:pt x="0" y="0"/>
               </a:moveTo>
               <a:lnTo>
-                <a:pt x="0" y="348077"/>
+                <a:pt x="0" y="358902"/>
               </a:lnTo>
               <a:lnTo>
-                <a:pt x="171019" y="348077"/>
+                <a:pt x="176337" y="358902"/>
               </a:lnTo>
             </a:path>
           </a:pathLst>
@@ -5939,8 +5944,8 @@
       </dsp:nvSpPr>
       <dsp:spPr>
         <a:xfrm>
-          <a:off x="3776643" y="2024679"/>
-          <a:ext cx="987579" cy="158904"/>
+          <a:off x="3894089" y="1954098"/>
+          <a:ext cx="1018291" cy="163846"/>
         </a:xfrm>
         <a:custGeom>
           <a:avLst/>
@@ -5951,16 +5956,16 @@
           <a:pathLst>
             <a:path>
               <a:moveTo>
-                <a:pt x="987579" y="0"/>
+                <a:pt x="1018291" y="0"/>
               </a:moveTo>
               <a:lnTo>
-                <a:pt x="987579" y="79452"/>
+                <a:pt x="1018291" y="81923"/>
               </a:lnTo>
               <a:lnTo>
-                <a:pt x="0" y="79452"/>
+                <a:pt x="0" y="81923"/>
               </a:lnTo>
               <a:lnTo>
-                <a:pt x="0" y="158904"/>
+                <a:pt x="0" y="163846"/>
               </a:lnTo>
             </a:path>
           </a:pathLst>
@@ -6004,8 +6009,8 @@
       </dsp:nvSpPr>
       <dsp:spPr>
         <a:xfrm>
-          <a:off x="4687237" y="2561930"/>
-          <a:ext cx="272438" cy="1422577"/>
+          <a:off x="4833001" y="2508056"/>
+          <a:ext cx="280910" cy="1466817"/>
         </a:xfrm>
         <a:custGeom>
           <a:avLst/>
@@ -6019,10 +6024,10 @@
                 <a:pt x="0" y="0"/>
               </a:moveTo>
               <a:lnTo>
-                <a:pt x="0" y="1422577"/>
+                <a:pt x="0" y="1466817"/>
               </a:lnTo>
               <a:lnTo>
-                <a:pt x="272438" y="1422577"/>
+                <a:pt x="280910" y="1466817"/>
               </a:lnTo>
             </a:path>
           </a:pathLst>
@@ -6066,8 +6071,8 @@
       </dsp:nvSpPr>
       <dsp:spPr>
         <a:xfrm>
-          <a:off x="4687237" y="2561930"/>
-          <a:ext cx="272438" cy="885327"/>
+          <a:off x="4833001" y="2508056"/>
+          <a:ext cx="280910" cy="912859"/>
         </a:xfrm>
         <a:custGeom>
           <a:avLst/>
@@ -6081,10 +6086,10 @@
                 <a:pt x="0" y="0"/>
               </a:moveTo>
               <a:lnTo>
-                <a:pt x="0" y="885327"/>
+                <a:pt x="0" y="912859"/>
               </a:lnTo>
               <a:lnTo>
-                <a:pt x="272438" y="885327"/>
+                <a:pt x="280910" y="912859"/>
               </a:lnTo>
             </a:path>
           </a:pathLst>
@@ -6128,8 +6133,8 @@
       </dsp:nvSpPr>
       <dsp:spPr>
         <a:xfrm>
-          <a:off x="4687237" y="2561930"/>
-          <a:ext cx="272438" cy="348077"/>
+          <a:off x="4833001" y="2508056"/>
+          <a:ext cx="280910" cy="358902"/>
         </a:xfrm>
         <a:custGeom>
           <a:avLst/>
@@ -6143,10 +6148,10 @@
                 <a:pt x="0" y="0"/>
               </a:moveTo>
               <a:lnTo>
-                <a:pt x="0" y="348077"/>
+                <a:pt x="0" y="358902"/>
               </a:lnTo>
               <a:lnTo>
-                <a:pt x="272438" y="348077"/>
+                <a:pt x="280910" y="358902"/>
               </a:lnTo>
             </a:path>
           </a:pathLst>
@@ -6190,8 +6195,8 @@
       </dsp:nvSpPr>
       <dsp:spPr>
         <a:xfrm>
-          <a:off x="4764222" y="2024679"/>
-          <a:ext cx="649516" cy="158904"/>
+          <a:off x="4912380" y="1954098"/>
+          <a:ext cx="669715" cy="163846"/>
         </a:xfrm>
         <a:custGeom>
           <a:avLst/>
@@ -6205,13 +6210,13 @@
                 <a:pt x="0" y="0"/>
               </a:moveTo>
               <a:lnTo>
-                <a:pt x="0" y="79452"/>
+                <a:pt x="0" y="81923"/>
               </a:lnTo>
               <a:lnTo>
-                <a:pt x="649516" y="79452"/>
+                <a:pt x="669715" y="81923"/>
               </a:lnTo>
               <a:lnTo>
-                <a:pt x="649516" y="158904"/>
+                <a:pt x="669715" y="163846"/>
               </a:lnTo>
             </a:path>
           </a:pathLst>
@@ -6255,8 +6260,8 @@
       </dsp:nvSpPr>
       <dsp:spPr>
         <a:xfrm>
-          <a:off x="4764222" y="1487429"/>
-          <a:ext cx="332432" cy="158904"/>
+          <a:off x="4912380" y="1400141"/>
+          <a:ext cx="342770" cy="163846"/>
         </a:xfrm>
         <a:custGeom>
           <a:avLst/>
@@ -6267,16 +6272,16 @@
           <a:pathLst>
             <a:path>
               <a:moveTo>
-                <a:pt x="332432" y="0"/>
+                <a:pt x="342770" y="0"/>
               </a:moveTo>
               <a:lnTo>
-                <a:pt x="332432" y="79452"/>
+                <a:pt x="342770" y="81923"/>
               </a:lnTo>
               <a:lnTo>
-                <a:pt x="0" y="79452"/>
+                <a:pt x="0" y="81923"/>
               </a:lnTo>
               <a:lnTo>
-                <a:pt x="0" y="158904"/>
+                <a:pt x="0" y="163846"/>
               </a:lnTo>
             </a:path>
           </a:pathLst>
@@ -6320,8 +6325,8 @@
       </dsp:nvSpPr>
       <dsp:spPr>
         <a:xfrm>
-          <a:off x="6594783" y="2561930"/>
-          <a:ext cx="171019" cy="885327"/>
+          <a:off x="6799868" y="2508056"/>
+          <a:ext cx="176337" cy="912859"/>
         </a:xfrm>
         <a:custGeom>
           <a:avLst/>
@@ -6335,10 +6340,10 @@
                 <a:pt x="0" y="0"/>
               </a:moveTo>
               <a:lnTo>
-                <a:pt x="0" y="885327"/>
+                <a:pt x="0" y="912859"/>
               </a:lnTo>
               <a:lnTo>
-                <a:pt x="171019" y="885327"/>
+                <a:pt x="176337" y="912859"/>
               </a:lnTo>
             </a:path>
           </a:pathLst>
@@ -6382,8 +6387,8 @@
       </dsp:nvSpPr>
       <dsp:spPr>
         <a:xfrm>
-          <a:off x="6594783" y="2561930"/>
-          <a:ext cx="171019" cy="348077"/>
+          <a:off x="6799868" y="2508056"/>
+          <a:ext cx="176337" cy="358902"/>
         </a:xfrm>
         <a:custGeom>
           <a:avLst/>
@@ -6397,10 +6402,10 @@
                 <a:pt x="0" y="0"/>
               </a:moveTo>
               <a:lnTo>
-                <a:pt x="0" y="348077"/>
+                <a:pt x="0" y="358902"/>
               </a:lnTo>
               <a:lnTo>
-                <a:pt x="171019" y="348077"/>
+                <a:pt x="176337" y="358902"/>
               </a:lnTo>
             </a:path>
           </a:pathLst>
@@ -6444,8 +6449,8 @@
       </dsp:nvSpPr>
       <dsp:spPr>
         <a:xfrm>
-          <a:off x="7050834" y="2024679"/>
-          <a:ext cx="984291" cy="158904"/>
+          <a:off x="7270101" y="1954098"/>
+          <a:ext cx="1014900" cy="163846"/>
         </a:xfrm>
         <a:custGeom>
           <a:avLst/>
@@ -6456,16 +6461,16 @@
           <a:pathLst>
             <a:path>
               <a:moveTo>
-                <a:pt x="984291" y="0"/>
+                <a:pt x="1014900" y="0"/>
               </a:moveTo>
               <a:lnTo>
-                <a:pt x="984291" y="79452"/>
+                <a:pt x="1014900" y="81923"/>
               </a:lnTo>
               <a:lnTo>
-                <a:pt x="0" y="79452"/>
+                <a:pt x="0" y="81923"/>
               </a:lnTo>
               <a:lnTo>
-                <a:pt x="0" y="158904"/>
+                <a:pt x="0" y="163846"/>
               </a:lnTo>
             </a:path>
           </a:pathLst>
@@ -6509,8 +6514,8 @@
       </dsp:nvSpPr>
       <dsp:spPr>
         <a:xfrm>
-          <a:off x="7960771" y="2561930"/>
-          <a:ext cx="271451" cy="1422577"/>
+          <a:off x="8208335" y="2508056"/>
+          <a:ext cx="279893" cy="1466817"/>
         </a:xfrm>
         <a:custGeom>
           <a:avLst/>
@@ -6524,10 +6529,10 @@
                 <a:pt x="0" y="0"/>
               </a:moveTo>
               <a:lnTo>
-                <a:pt x="0" y="1422577"/>
+                <a:pt x="0" y="1466817"/>
               </a:lnTo>
               <a:lnTo>
-                <a:pt x="271451" y="1422577"/>
+                <a:pt x="279893" y="1466817"/>
               </a:lnTo>
             </a:path>
           </a:pathLst>
@@ -6571,8 +6576,8 @@
       </dsp:nvSpPr>
       <dsp:spPr>
         <a:xfrm>
-          <a:off x="7960771" y="2561930"/>
-          <a:ext cx="271451" cy="885327"/>
+          <a:off x="8208335" y="2508056"/>
+          <a:ext cx="279893" cy="912859"/>
         </a:xfrm>
         <a:custGeom>
           <a:avLst/>
@@ -6586,10 +6591,10 @@
                 <a:pt x="0" y="0"/>
               </a:moveTo>
               <a:lnTo>
-                <a:pt x="0" y="885327"/>
+                <a:pt x="0" y="912859"/>
               </a:lnTo>
               <a:lnTo>
-                <a:pt x="271451" y="885327"/>
+                <a:pt x="279893" y="912859"/>
               </a:lnTo>
             </a:path>
           </a:pathLst>
@@ -6633,8 +6638,8 @@
       </dsp:nvSpPr>
       <dsp:spPr>
         <a:xfrm>
-          <a:off x="7960771" y="2561930"/>
-          <a:ext cx="271451" cy="348077"/>
+          <a:off x="8208335" y="2508056"/>
+          <a:ext cx="279893" cy="358902"/>
         </a:xfrm>
         <a:custGeom>
           <a:avLst/>
@@ -6648,10 +6653,10 @@
                 <a:pt x="0" y="0"/>
               </a:moveTo>
               <a:lnTo>
-                <a:pt x="0" y="348077"/>
+                <a:pt x="0" y="358902"/>
               </a:lnTo>
               <a:lnTo>
-                <a:pt x="271451" y="348077"/>
+                <a:pt x="279893" y="358902"/>
               </a:lnTo>
             </a:path>
           </a:pathLst>
@@ -6695,8 +6700,8 @@
       </dsp:nvSpPr>
       <dsp:spPr>
         <a:xfrm>
-          <a:off x="8035126" y="2024679"/>
-          <a:ext cx="649516" cy="158904"/>
+          <a:off x="8285002" y="1954098"/>
+          <a:ext cx="669715" cy="163846"/>
         </a:xfrm>
         <a:custGeom>
           <a:avLst/>
@@ -6710,13 +6715,13 @@
                 <a:pt x="0" y="0"/>
               </a:moveTo>
               <a:lnTo>
-                <a:pt x="0" y="79452"/>
+                <a:pt x="0" y="81923"/>
               </a:lnTo>
               <a:lnTo>
-                <a:pt x="649516" y="79452"/>
+                <a:pt x="669715" y="81923"/>
               </a:lnTo>
               <a:lnTo>
-                <a:pt x="649516" y="158904"/>
+                <a:pt x="669715" y="163846"/>
               </a:lnTo>
             </a:path>
           </a:pathLst>
@@ -6760,8 +6765,8 @@
       </dsp:nvSpPr>
       <dsp:spPr>
         <a:xfrm>
-          <a:off x="5096655" y="1487429"/>
-          <a:ext cx="2938470" cy="158904"/>
+          <a:off x="5255151" y="1400141"/>
+          <a:ext cx="3029851" cy="163846"/>
         </a:xfrm>
         <a:custGeom>
           <a:avLst/>
@@ -6775,13 +6780,13 @@
                 <a:pt x="0" y="0"/>
               </a:moveTo>
               <a:lnTo>
-                <a:pt x="0" y="79452"/>
+                <a:pt x="0" y="81923"/>
               </a:lnTo>
               <a:lnTo>
-                <a:pt x="2938470" y="79452"/>
+                <a:pt x="3029851" y="81923"/>
               </a:lnTo>
               <a:lnTo>
-                <a:pt x="2938470" y="158904"/>
+                <a:pt x="3029851" y="163846"/>
               </a:lnTo>
             </a:path>
           </a:pathLst>
@@ -6825,8 +6830,8 @@
       </dsp:nvSpPr>
       <dsp:spPr>
         <a:xfrm>
-          <a:off x="5096655" y="1487429"/>
-          <a:ext cx="4452044" cy="158904"/>
+          <a:off x="5255151" y="1400141"/>
+          <a:ext cx="4590494" cy="163846"/>
         </a:xfrm>
         <a:custGeom>
           <a:avLst/>
@@ -6840,13 +6845,13 @@
                 <a:pt x="0" y="0"/>
               </a:moveTo>
               <a:lnTo>
-                <a:pt x="0" y="79452"/>
+                <a:pt x="0" y="81923"/>
               </a:lnTo>
               <a:lnTo>
-                <a:pt x="4452044" y="79452"/>
+                <a:pt x="4590494" y="81923"/>
               </a:lnTo>
               <a:lnTo>
-                <a:pt x="4452044" y="158904"/>
+                <a:pt x="4590494" y="163846"/>
               </a:lnTo>
             </a:path>
           </a:pathLst>
@@ -6890,8 +6895,8 @@
       </dsp:nvSpPr>
       <dsp:spPr>
         <a:xfrm>
-          <a:off x="4195588" y="950179"/>
-          <a:ext cx="901066" cy="158904"/>
+          <a:off x="4326063" y="846183"/>
+          <a:ext cx="929088" cy="163846"/>
         </a:xfrm>
         <a:custGeom>
           <a:avLst/>
@@ -6905,13 +6910,13 @@
                 <a:pt x="0" y="0"/>
               </a:moveTo>
               <a:lnTo>
-                <a:pt x="0" y="79452"/>
+                <a:pt x="0" y="81923"/>
               </a:lnTo>
               <a:lnTo>
-                <a:pt x="901066" y="79452"/>
+                <a:pt x="929088" y="81923"/>
               </a:lnTo>
               <a:lnTo>
-                <a:pt x="901066" y="158904"/>
+                <a:pt x="929088" y="163846"/>
               </a:lnTo>
             </a:path>
           </a:pathLst>
@@ -6955,8 +6960,8 @@
       </dsp:nvSpPr>
       <dsp:spPr>
         <a:xfrm>
-          <a:off x="3080949" y="571834"/>
-          <a:ext cx="2229277" cy="378345"/>
+          <a:off x="3176761" y="456072"/>
+          <a:ext cx="2298604" cy="390110"/>
         </a:xfrm>
         <a:prstGeom prst="rect">
           <a:avLst/>
@@ -7044,8 +7049,8 @@
         </a:p>
       </dsp:txBody>
       <dsp:txXfrm>
-        <a:off x="3080949" y="571834"/>
-        <a:ext cx="2229277" cy="378345"/>
+        <a:off x="3176761" y="456072"/>
+        <a:ext cx="2298604" cy="390110"/>
       </dsp:txXfrm>
     </dsp:sp>
     <dsp:sp modelId="{F95D6F93-B961-4F57-ACF6-516A5858871D}">
@@ -7055,8 +7060,8 @@
       </dsp:nvSpPr>
       <dsp:spPr>
         <a:xfrm>
-          <a:off x="4290156" y="1109084"/>
-          <a:ext cx="1612998" cy="378345"/>
+          <a:off x="4423571" y="1010030"/>
+          <a:ext cx="1663160" cy="390110"/>
         </a:xfrm>
         <a:prstGeom prst="rect">
           <a:avLst/>
@@ -7138,8 +7143,8 @@
         </a:p>
       </dsp:txBody>
       <dsp:txXfrm>
-        <a:off x="4290156" y="1109084"/>
-        <a:ext cx="1612998" cy="378345"/>
+        <a:off x="4423571" y="1010030"/>
+        <a:ext cx="1663160" cy="390110"/>
       </dsp:txXfrm>
     </dsp:sp>
     <dsp:sp modelId="{CABA08BD-5A80-43F8-ADFC-2928FF269B7F}">
@@ -7149,8 +7154,8 @@
       </dsp:nvSpPr>
       <dsp:spPr>
         <a:xfrm>
-          <a:off x="8907276" y="1646334"/>
-          <a:ext cx="1282847" cy="378345"/>
+          <a:off x="9184274" y="1563987"/>
+          <a:ext cx="1322741" cy="390110"/>
         </a:xfrm>
         <a:prstGeom prst="rect">
           <a:avLst/>
@@ -7232,8 +7237,8 @@
         </a:p>
       </dsp:txBody>
       <dsp:txXfrm>
-        <a:off x="8907276" y="1646334"/>
-        <a:ext cx="1282847" cy="378345"/>
+        <a:off x="9184274" y="1563987"/>
+        <a:ext cx="1322741" cy="390110"/>
       </dsp:txXfrm>
     </dsp:sp>
     <dsp:sp modelId="{E5D16283-5C1C-47C2-B91A-4AD64BF1CD62}">
@@ -7243,8 +7248,8 @@
       </dsp:nvSpPr>
       <dsp:spPr>
         <a:xfrm>
-          <a:off x="7321881" y="1646334"/>
-          <a:ext cx="1426489" cy="378345"/>
+          <a:off x="7549577" y="1563987"/>
+          <a:ext cx="1470850" cy="390110"/>
         </a:xfrm>
         <a:prstGeom prst="rect">
           <a:avLst/>
@@ -7326,8 +7331,8 @@
         </a:p>
       </dsp:txBody>
       <dsp:txXfrm>
-        <a:off x="7321881" y="1646334"/>
-        <a:ext cx="1426489" cy="378345"/>
+        <a:off x="7549577" y="1563987"/>
+        <a:ext cx="1470850" cy="390110"/>
       </dsp:txXfrm>
     </dsp:sp>
     <dsp:sp modelId="{A8167217-E024-4D9A-9FD2-7396681D973F}">
@@ -7337,8 +7342,8 @@
       </dsp:nvSpPr>
       <dsp:spPr>
         <a:xfrm>
-          <a:off x="7779803" y="2183584"/>
-          <a:ext cx="1809677" cy="378345"/>
+          <a:off x="8021740" y="2117945"/>
+          <a:ext cx="1865955" cy="390110"/>
         </a:xfrm>
         <a:prstGeom prst="rect">
           <a:avLst/>
@@ -7420,8 +7425,8 @@
         </a:p>
       </dsp:txBody>
       <dsp:txXfrm>
-        <a:off x="7779803" y="2183584"/>
-        <a:ext cx="1809677" cy="378345"/>
+        <a:off x="8021740" y="2117945"/>
+        <a:ext cx="1865955" cy="390110"/>
       </dsp:txXfrm>
     </dsp:sp>
     <dsp:sp modelId="{BC8CB5B3-43CC-4788-A232-4408F9AEBE26}">
@@ -7431,8 +7436,8 @@
       </dsp:nvSpPr>
       <dsp:spPr>
         <a:xfrm>
-          <a:off x="8232223" y="2720834"/>
-          <a:ext cx="756690" cy="378345"/>
+          <a:off x="8488229" y="2671902"/>
+          <a:ext cx="780221" cy="390110"/>
         </a:xfrm>
         <a:prstGeom prst="rect">
           <a:avLst/>
@@ -7492,8 +7497,8 @@
         </a:p>
       </dsp:txBody>
       <dsp:txXfrm>
-        <a:off x="8232223" y="2720834"/>
-        <a:ext cx="756690" cy="378345"/>
+        <a:off x="8488229" y="2671902"/>
+        <a:ext cx="780221" cy="390110"/>
       </dsp:txXfrm>
     </dsp:sp>
     <dsp:sp modelId="{E8B05745-8664-4147-BCFD-A79FFC2A90FB}">
@@ -7503,8 +7508,8 @@
       </dsp:nvSpPr>
       <dsp:spPr>
         <a:xfrm>
-          <a:off x="8232223" y="3258085"/>
-          <a:ext cx="756690" cy="378345"/>
+          <a:off x="8488229" y="3225860"/>
+          <a:ext cx="780221" cy="390110"/>
         </a:xfrm>
         <a:prstGeom prst="rect">
           <a:avLst/>
@@ -7564,8 +7569,8 @@
         </a:p>
       </dsp:txBody>
       <dsp:txXfrm>
-        <a:off x="8232223" y="3258085"/>
-        <a:ext cx="756690" cy="378345"/>
+        <a:off x="8488229" y="3225860"/>
+        <a:ext cx="780221" cy="390110"/>
       </dsp:txXfrm>
     </dsp:sp>
     <dsp:sp modelId="{FDC051C5-BF84-4494-AEEF-77275E1687EA}">
@@ -7575,8 +7580,8 @@
       </dsp:nvSpPr>
       <dsp:spPr>
         <a:xfrm>
-          <a:off x="8232223" y="3795335"/>
-          <a:ext cx="756690" cy="378345"/>
+          <a:off x="8488229" y="3779817"/>
+          <a:ext cx="780221" cy="390110"/>
         </a:xfrm>
         <a:prstGeom prst="rect">
           <a:avLst/>
@@ -7636,8 +7641,8 @@
         </a:p>
       </dsp:txBody>
       <dsp:txXfrm>
-        <a:off x="8232223" y="3795335"/>
-        <a:ext cx="756690" cy="378345"/>
+        <a:off x="8488229" y="3779817"/>
+        <a:ext cx="780221" cy="390110"/>
       </dsp:txXfrm>
     </dsp:sp>
     <dsp:sp modelId="{977CB5B6-A410-4AF8-AEC4-5EC5F1B27E63}">
@@ -7647,8 +7652,8 @@
       </dsp:nvSpPr>
       <dsp:spPr>
         <a:xfrm>
-          <a:off x="6480770" y="2183584"/>
-          <a:ext cx="1140128" cy="378345"/>
+          <a:off x="6682310" y="2117945"/>
+          <a:ext cx="1175583" cy="390110"/>
         </a:xfrm>
         <a:prstGeom prst="rect">
           <a:avLst/>
@@ -7730,8 +7735,8 @@
         </a:p>
       </dsp:txBody>
       <dsp:txXfrm>
-        <a:off x="6480770" y="2183584"/>
-        <a:ext cx="1140128" cy="378345"/>
+        <a:off x="6682310" y="2117945"/>
+        <a:ext cx="1175583" cy="390110"/>
       </dsp:txXfrm>
     </dsp:sp>
     <dsp:sp modelId="{ABB9F83D-16AE-415F-B580-BFD2A369869D}">
@@ -7741,8 +7746,8 @@
       </dsp:nvSpPr>
       <dsp:spPr>
         <a:xfrm>
-          <a:off x="6765802" y="2720834"/>
-          <a:ext cx="756690" cy="378345"/>
+          <a:off x="6976205" y="2671902"/>
+          <a:ext cx="780221" cy="390110"/>
         </a:xfrm>
         <a:prstGeom prst="rect">
           <a:avLst/>
@@ -7802,8 +7807,8 @@
         </a:p>
       </dsp:txBody>
       <dsp:txXfrm>
-        <a:off x="6765802" y="2720834"/>
-        <a:ext cx="756690" cy="378345"/>
+        <a:off x="6976205" y="2671902"/>
+        <a:ext cx="780221" cy="390110"/>
       </dsp:txXfrm>
     </dsp:sp>
     <dsp:sp modelId="{F9CC6191-43C1-4DE7-9A49-1CC733952DEC}">
@@ -7813,8 +7818,8 @@
       </dsp:nvSpPr>
       <dsp:spPr>
         <a:xfrm>
-          <a:off x="6765802" y="3258085"/>
-          <a:ext cx="756690" cy="378345"/>
+          <a:off x="6976205" y="3225860"/>
+          <a:ext cx="780221" cy="390110"/>
         </a:xfrm>
         <a:prstGeom prst="rect">
           <a:avLst/>
@@ -7874,8 +7879,8 @@
         </a:p>
       </dsp:txBody>
       <dsp:txXfrm>
-        <a:off x="6765802" y="3258085"/>
-        <a:ext cx="756690" cy="378345"/>
+        <a:off x="6976205" y="3225860"/>
+        <a:ext cx="780221" cy="390110"/>
       </dsp:txXfrm>
     </dsp:sp>
     <dsp:sp modelId="{45B20E81-1DDA-47A6-A035-BA921F9D5255}">
@@ -7885,8 +7890,8 @@
       </dsp:nvSpPr>
       <dsp:spPr>
         <a:xfrm>
-          <a:off x="4126472" y="1646334"/>
-          <a:ext cx="1275499" cy="378345"/>
+          <a:off x="4254797" y="1563987"/>
+          <a:ext cx="1315165" cy="390110"/>
         </a:xfrm>
         <a:prstGeom prst="rect">
           <a:avLst/>
@@ -7968,8 +7973,8 @@
         </a:p>
       </dsp:txBody>
       <dsp:txXfrm>
-        <a:off x="4126472" y="1646334"/>
-        <a:ext cx="1275499" cy="378345"/>
+        <a:off x="4254797" y="1563987"/>
+        <a:ext cx="1315165" cy="390110"/>
       </dsp:txXfrm>
     </dsp:sp>
     <dsp:sp modelId="{D114B358-FCE9-4F1E-BFEA-733DC1AA9EC9}">
@@ -7979,8 +7984,8 @@
       </dsp:nvSpPr>
       <dsp:spPr>
         <a:xfrm>
-          <a:off x="4505612" y="2183584"/>
-          <a:ext cx="1816253" cy="378345"/>
+          <a:off x="4645727" y="2117945"/>
+          <a:ext cx="1872735" cy="390110"/>
         </a:xfrm>
         <a:prstGeom prst="rect">
           <a:avLst/>
@@ -8062,8 +8067,8 @@
         </a:p>
       </dsp:txBody>
       <dsp:txXfrm>
-        <a:off x="4505612" y="2183584"/>
-        <a:ext cx="1816253" cy="378345"/>
+        <a:off x="4645727" y="2117945"/>
+        <a:ext cx="1872735" cy="390110"/>
       </dsp:txXfrm>
     </dsp:sp>
     <dsp:sp modelId="{CE0CF412-7C4B-4E7A-8552-33AF7BD8D3AB}">
@@ -8073,8 +8078,8 @@
       </dsp:nvSpPr>
       <dsp:spPr>
         <a:xfrm>
-          <a:off x="4959675" y="2720834"/>
-          <a:ext cx="756690" cy="378345"/>
+          <a:off x="5113911" y="2671902"/>
+          <a:ext cx="780221" cy="390110"/>
         </a:xfrm>
         <a:prstGeom prst="rect">
           <a:avLst/>
@@ -8134,8 +8139,8 @@
         </a:p>
       </dsp:txBody>
       <dsp:txXfrm>
-        <a:off x="4959675" y="2720834"/>
-        <a:ext cx="756690" cy="378345"/>
+        <a:off x="5113911" y="2671902"/>
+        <a:ext cx="780221" cy="390110"/>
       </dsp:txXfrm>
     </dsp:sp>
     <dsp:sp modelId="{CB36BEE7-8645-4EC9-9BAB-BD08CD9BAED3}">
@@ -8145,8 +8150,8 @@
       </dsp:nvSpPr>
       <dsp:spPr>
         <a:xfrm>
-          <a:off x="4959675" y="3258085"/>
-          <a:ext cx="756690" cy="378345"/>
+          <a:off x="5113911" y="3225860"/>
+          <a:ext cx="780221" cy="390110"/>
         </a:xfrm>
         <a:prstGeom prst="rect">
           <a:avLst/>
@@ -8206,8 +8211,8 @@
         </a:p>
       </dsp:txBody>
       <dsp:txXfrm>
-        <a:off x="4959675" y="3258085"/>
-        <a:ext cx="756690" cy="378345"/>
+        <a:off x="5113911" y="3225860"/>
+        <a:ext cx="780221" cy="390110"/>
       </dsp:txXfrm>
     </dsp:sp>
     <dsp:sp modelId="{C08FE145-D1F7-4754-A68B-D0240DF03518}">
@@ -8217,8 +8222,8 @@
       </dsp:nvSpPr>
       <dsp:spPr>
         <a:xfrm>
-          <a:off x="4959675" y="3795335"/>
-          <a:ext cx="756690" cy="378345"/>
+          <a:off x="5113911" y="3779817"/>
+          <a:ext cx="780221" cy="390110"/>
         </a:xfrm>
         <a:prstGeom prst="rect">
           <a:avLst/>
@@ -8278,8 +8283,8 @@
         </a:p>
       </dsp:txBody>
       <dsp:txXfrm>
-        <a:off x="4959675" y="3795335"/>
-        <a:ext cx="756690" cy="378345"/>
+        <a:off x="5113911" y="3779817"/>
+        <a:ext cx="780221" cy="390110"/>
       </dsp:txXfrm>
     </dsp:sp>
     <dsp:sp modelId="{F8A95921-67C4-4D71-98CB-0A353706C3A2}">
@@ -8289,8 +8294,8 @@
       </dsp:nvSpPr>
       <dsp:spPr>
         <a:xfrm>
-          <a:off x="3206579" y="2183584"/>
-          <a:ext cx="1140128" cy="378345"/>
+          <a:off x="3306297" y="2117945"/>
+          <a:ext cx="1175583" cy="390110"/>
         </a:xfrm>
         <a:prstGeom prst="rect">
           <a:avLst/>
@@ -8372,8 +8377,8 @@
         </a:p>
       </dsp:txBody>
       <dsp:txXfrm>
-        <a:off x="3206579" y="2183584"/>
-        <a:ext cx="1140128" cy="378345"/>
+        <a:off x="3306297" y="2117945"/>
+        <a:ext cx="1175583" cy="390110"/>
       </dsp:txXfrm>
     </dsp:sp>
     <dsp:sp modelId="{BDF01905-3E99-4B1C-85B5-A632772C6CCC}">
@@ -8383,8 +8388,8 @@
       </dsp:nvSpPr>
       <dsp:spPr>
         <a:xfrm>
-          <a:off x="3491611" y="2720834"/>
-          <a:ext cx="756690" cy="378345"/>
+          <a:off x="3600193" y="2671902"/>
+          <a:ext cx="780221" cy="390110"/>
         </a:xfrm>
         <a:prstGeom prst="rect">
           <a:avLst/>
@@ -8444,8 +8449,8 @@
         </a:p>
       </dsp:txBody>
       <dsp:txXfrm>
-        <a:off x="3491611" y="2720834"/>
-        <a:ext cx="756690" cy="378345"/>
+        <a:off x="3600193" y="2671902"/>
+        <a:ext cx="780221" cy="390110"/>
       </dsp:txXfrm>
     </dsp:sp>
     <dsp:sp modelId="{CD37D0F6-E65A-4109-8C9F-33A9ACB3CB06}">
@@ -8455,8 +8460,8 @@
       </dsp:nvSpPr>
       <dsp:spPr>
         <a:xfrm>
-          <a:off x="3491611" y="3258085"/>
-          <a:ext cx="756690" cy="378345"/>
+          <a:off x="3600193" y="3225860"/>
+          <a:ext cx="780221" cy="390110"/>
         </a:xfrm>
         <a:prstGeom prst="rect">
           <a:avLst/>
@@ -8516,8 +8521,8 @@
         </a:p>
       </dsp:txBody>
       <dsp:txXfrm>
-        <a:off x="3491611" y="3258085"/>
-        <a:ext cx="756690" cy="378345"/>
+        <a:off x="3600193" y="3225860"/>
+        <a:ext cx="780221" cy="390110"/>
       </dsp:txXfrm>
     </dsp:sp>
     <dsp:sp modelId="{AF75797D-B32C-495E-A7A7-97CBA4DAEEB8}">
@@ -8527,8 +8532,8 @@
       </dsp:nvSpPr>
       <dsp:spPr>
         <a:xfrm>
-          <a:off x="3491611" y="3795335"/>
-          <a:ext cx="756690" cy="378345"/>
+          <a:off x="3600193" y="3779817"/>
+          <a:ext cx="780221" cy="390110"/>
         </a:xfrm>
         <a:prstGeom prst="rect">
           <a:avLst/>
@@ -8588,8 +8593,8 @@
         </a:p>
       </dsp:txBody>
       <dsp:txXfrm>
-        <a:off x="3491611" y="3795335"/>
-        <a:ext cx="756690" cy="378345"/>
+        <a:off x="3600193" y="3779817"/>
+        <a:ext cx="780221" cy="390110"/>
       </dsp:txXfrm>
     </dsp:sp>
     <dsp:sp modelId="{1CE6C0B6-38BC-42D7-AA71-6BD7E2CBD521}">
@@ -8599,8 +8604,8 @@
       </dsp:nvSpPr>
       <dsp:spPr>
         <a:xfrm>
-          <a:off x="3491611" y="4332585"/>
-          <a:ext cx="756690" cy="378345"/>
+          <a:off x="3600193" y="4333775"/>
+          <a:ext cx="780221" cy="390110"/>
         </a:xfrm>
         <a:prstGeom prst="rect">
           <a:avLst/>
@@ -8660,8 +8665,8 @@
         </a:p>
       </dsp:txBody>
       <dsp:txXfrm>
-        <a:off x="3491611" y="4332585"/>
-        <a:ext cx="756690" cy="378345"/>
+        <a:off x="3600193" y="4333775"/>
+        <a:ext cx="780221" cy="390110"/>
       </dsp:txXfrm>
     </dsp:sp>
     <dsp:sp modelId="{8D77AFB5-5440-4121-9F15-3F020D4A1ED6}">
@@ -8671,8 +8676,8 @@
       </dsp:nvSpPr>
       <dsp:spPr>
         <a:xfrm>
-          <a:off x="1537952" y="1646334"/>
-          <a:ext cx="1478376" cy="378345"/>
+          <a:off x="1585779" y="1563987"/>
+          <a:ext cx="1524350" cy="390110"/>
         </a:xfrm>
         <a:prstGeom prst="rect">
           <a:avLst/>
@@ -8754,8 +8759,8 @@
         </a:p>
       </dsp:txBody>
       <dsp:txXfrm>
-        <a:off x="1537952" y="1646334"/>
-        <a:ext cx="1478376" cy="378345"/>
+        <a:off x="1585779" y="1563987"/>
+        <a:ext cx="1524350" cy="390110"/>
       </dsp:txXfrm>
     </dsp:sp>
     <dsp:sp modelId="{8265D282-B7F6-45EA-B504-167857A47C68}">
@@ -8765,8 +8770,8 @@
       </dsp:nvSpPr>
       <dsp:spPr>
         <a:xfrm>
-          <a:off x="1907546" y="2183584"/>
-          <a:ext cx="1140128" cy="378345"/>
+          <a:off x="1966867" y="2117945"/>
+          <a:ext cx="1175583" cy="390110"/>
         </a:xfrm>
         <a:prstGeom prst="rect">
           <a:avLst/>
@@ -8848,8 +8853,8 @@
         </a:p>
       </dsp:txBody>
       <dsp:txXfrm>
-        <a:off x="1907546" y="2183584"/>
-        <a:ext cx="1140128" cy="378345"/>
+        <a:off x="1966867" y="2117945"/>
+        <a:ext cx="1175583" cy="390110"/>
       </dsp:txXfrm>
     </dsp:sp>
     <dsp:sp modelId="{B9A5FDB6-8991-45AE-B0F1-3B51F7A20B27}">
@@ -8859,8 +8864,8 @@
       </dsp:nvSpPr>
       <dsp:spPr>
         <a:xfrm>
-          <a:off x="1907546" y="2720834"/>
-          <a:ext cx="1140128" cy="378345"/>
+          <a:off x="1966867" y="2671902"/>
+          <a:ext cx="1175583" cy="390110"/>
         </a:xfrm>
         <a:prstGeom prst="rect">
           <a:avLst/>
@@ -8942,8 +8947,8 @@
         </a:p>
       </dsp:txBody>
       <dsp:txXfrm>
-        <a:off x="1907546" y="2720834"/>
-        <a:ext cx="1140128" cy="378345"/>
+        <a:off x="1966867" y="2671902"/>
+        <a:ext cx="1175583" cy="390110"/>
       </dsp:txXfrm>
     </dsp:sp>
     <dsp:sp modelId="{76EFE485-5ADF-413C-B4C2-266176D5E3E3}">
@@ -8953,8 +8958,8 @@
       </dsp:nvSpPr>
       <dsp:spPr>
         <a:xfrm>
-          <a:off x="3187" y="1646334"/>
-          <a:ext cx="1375859" cy="378345"/>
+          <a:off x="3286" y="1563987"/>
+          <a:ext cx="1418646" cy="390110"/>
         </a:xfrm>
         <a:prstGeom prst="rect">
           <a:avLst/>
@@ -9036,8 +9041,8 @@
         </a:p>
       </dsp:txBody>
       <dsp:txXfrm>
-        <a:off x="3187" y="1646334"/>
-        <a:ext cx="1375859" cy="378345"/>
+        <a:off x="3286" y="1563987"/>
+        <a:ext cx="1418646" cy="390110"/>
       </dsp:txXfrm>
     </dsp:sp>
     <dsp:sp modelId="{D1EB10E0-F9A9-477C-844F-B331EF877593}">
@@ -9047,8 +9052,8 @@
       </dsp:nvSpPr>
       <dsp:spPr>
         <a:xfrm>
-          <a:off x="347152" y="2183584"/>
-          <a:ext cx="1140128" cy="378345"/>
+          <a:off x="357948" y="2117945"/>
+          <a:ext cx="1175583" cy="390110"/>
         </a:xfrm>
         <a:prstGeom prst="rect">
           <a:avLst/>
@@ -9130,8 +9135,8 @@
         </a:p>
       </dsp:txBody>
       <dsp:txXfrm>
-        <a:off x="347152" y="2183584"/>
-        <a:ext cx="1140128" cy="378345"/>
+        <a:off x="357948" y="2117945"/>
+        <a:ext cx="1175583" cy="390110"/>
       </dsp:txXfrm>
     </dsp:sp>
     <dsp:sp modelId="{60848912-4837-4B44-B4C9-E9E6F9ACD5A9}">
@@ -9141,8 +9146,8 @@
       </dsp:nvSpPr>
       <dsp:spPr>
         <a:xfrm>
-          <a:off x="347152" y="2720834"/>
-          <a:ext cx="1140128" cy="378345"/>
+          <a:off x="357948" y="2671902"/>
+          <a:ext cx="1175583" cy="390110"/>
         </a:xfrm>
         <a:prstGeom prst="rect">
           <a:avLst/>
@@ -9224,8 +9229,8 @@
         </a:p>
       </dsp:txBody>
       <dsp:txXfrm>
-        <a:off x="347152" y="2720834"/>
-        <a:ext cx="1140128" cy="378345"/>
+        <a:off x="357948" y="2671902"/>
+        <a:ext cx="1175583" cy="390110"/>
       </dsp:txXfrm>
     </dsp:sp>
     <dsp:sp modelId="{EF6DA679-D5B1-469E-AE53-25E75F2EE1AB}">
@@ -9235,8 +9240,8 @@
       </dsp:nvSpPr>
       <dsp:spPr>
         <a:xfrm>
-          <a:off x="347152" y="3258085"/>
-          <a:ext cx="1140128" cy="378345"/>
+          <a:off x="357948" y="3225860"/>
+          <a:ext cx="1175583" cy="390110"/>
         </a:xfrm>
         <a:prstGeom prst="rect">
           <a:avLst/>
@@ -9318,8 +9323,8 @@
         </a:p>
       </dsp:txBody>
       <dsp:txXfrm>
-        <a:off x="347152" y="3258085"/>
-        <a:ext cx="1140128" cy="378345"/>
+        <a:off x="357948" y="3225860"/>
+        <a:ext cx="1175583" cy="390110"/>
       </dsp:txXfrm>
     </dsp:sp>
     <dsp:sp modelId="{60560DCB-BC15-496C-B365-C583550476A1}">
@@ -9329,8 +9334,8 @@
       </dsp:nvSpPr>
       <dsp:spPr>
         <a:xfrm>
-          <a:off x="347152" y="3795335"/>
-          <a:ext cx="1140128" cy="378345"/>
+          <a:off x="357948" y="3779817"/>
+          <a:ext cx="1175583" cy="390110"/>
         </a:xfrm>
         <a:prstGeom prst="rect">
           <a:avLst/>
@@ -9412,8 +9417,8 @@
         </a:p>
       </dsp:txBody>
       <dsp:txXfrm>
-        <a:off x="347152" y="3795335"/>
-        <a:ext cx="1140128" cy="378345"/>
+        <a:off x="357948" y="3779817"/>
+        <a:ext cx="1175583" cy="390110"/>
       </dsp:txXfrm>
     </dsp:sp>
     <dsp:sp modelId="{B69BD753-277A-4E88-A741-39055B2B65D7}">
@@ -9423,8 +9428,8 @@
       </dsp:nvSpPr>
       <dsp:spPr>
         <a:xfrm>
-          <a:off x="2488022" y="1109084"/>
-          <a:ext cx="1643228" cy="378345"/>
+          <a:off x="2565394" y="1010030"/>
+          <a:ext cx="1694329" cy="390110"/>
         </a:xfrm>
         <a:prstGeom prst="rect">
           <a:avLst/>
@@ -9506,8 +9511,8 @@
         </a:p>
       </dsp:txBody>
       <dsp:txXfrm>
-        <a:off x="2488022" y="1109084"/>
-        <a:ext cx="1643228" cy="378345"/>
+        <a:off x="2565394" y="1010030"/>
+        <a:ext cx="1694329" cy="390110"/>
       </dsp:txXfrm>
     </dsp:sp>
   </dsp:spTree>
@@ -12109,7 +12114,7 @@
             <a:fld id="{08B9EBBA-996F-894A-B54A-D6246ED52CEA}" type="datetimeFigureOut">
               <a:rPr lang="en-US" smtClean="0"/>
               <a:pPr/>
-              <a:t>11/8/2016</a:t>
+              <a:t>11/9/2016</a:t>
             </a:fld>
             <a:endParaRPr lang="en-US" dirty="0"/>
           </a:p>
@@ -12435,7 +12440,7 @@
             <a:fld id="{18C79C5D-2A6F-F04D-97DA-BEF2467B64E4}" type="datetimeFigureOut">
               <a:rPr lang="en-US" smtClean="0"/>
               <a:pPr/>
-              <a:t>11/8/2016</a:t>
+              <a:t>11/9/2016</a:t>
             </a:fld>
             <a:endParaRPr lang="en-US" dirty="0"/>
           </a:p>
@@ -12685,7 +12690,7 @@
             <a:fld id="{09B482E8-6E0E-1B4F-B1FD-C69DB9E858D9}" type="datetimeFigureOut">
               <a:rPr lang="en-US" smtClean="0"/>
               <a:pPr/>
-              <a:t>11/8/2016</a:t>
+              <a:t>11/9/2016</a:t>
             </a:fld>
             <a:endParaRPr lang="en-US" dirty="0"/>
           </a:p>
@@ -13027,7 +13032,7 @@
             <a:fld id="{8DFA1846-DA80-1C48-A609-854EA85C59AD}" type="datetimeFigureOut">
               <a:rPr lang="en-US" smtClean="0"/>
               <a:pPr/>
-              <a:t>11/8/2016</a:t>
+              <a:t>11/9/2016</a:t>
             </a:fld>
             <a:endParaRPr lang="en-US" dirty="0"/>
           </a:p>
@@ -13376,7 +13381,7 @@
             <a:fld id="{FBF54567-0DE4-3F47-BF90-CB84690072F9}" type="datetimeFigureOut">
               <a:rPr lang="en-US" smtClean="0"/>
               <a:pPr/>
-              <a:t>11/8/2016</a:t>
+              <a:t>11/9/2016</a:t>
             </a:fld>
             <a:endParaRPr lang="en-US" dirty="0"/>
           </a:p>
@@ -13752,7 +13757,7 @@
             <a:fld id="{09B482E8-6E0E-1B4F-B1FD-C69DB9E858D9}" type="datetimeFigureOut">
               <a:rPr lang="en-US" smtClean="0"/>
               <a:pPr/>
-              <a:t>11/8/2016</a:t>
+              <a:t>11/9/2016</a:t>
             </a:fld>
             <a:endParaRPr lang="en-US" dirty="0"/>
           </a:p>
@@ -14225,7 +14230,7 @@
             <a:fld id="{09B482E8-6E0E-1B4F-B1FD-C69DB9E858D9}" type="datetimeFigureOut">
               <a:rPr lang="en-US" smtClean="0"/>
               <a:pPr/>
-              <a:t>11/8/2016</a:t>
+              <a:t>11/9/2016</a:t>
             </a:fld>
             <a:endParaRPr lang="en-US" dirty="0"/>
           </a:p>
@@ -14465,7 +14470,7 @@
             <a:fld id="{C6C52C72-DE31-F449-A4ED-4C594FD91407}" type="datetimeFigureOut">
               <a:rPr lang="en-US" smtClean="0"/>
               <a:pPr/>
-              <a:t>11/8/2016</a:t>
+              <a:t>11/9/2016</a:t>
             </a:fld>
             <a:endParaRPr lang="en-US" dirty="0"/>
           </a:p>
@@ -14710,7 +14715,7 @@
             <a:fld id="{ED62726E-379B-B349-9EED-81ED093FA806}" type="datetimeFigureOut">
               <a:rPr lang="en-US" smtClean="0"/>
               <a:pPr/>
-              <a:t>11/8/2016</a:t>
+              <a:t>11/9/2016</a:t>
             </a:fld>
             <a:endParaRPr lang="en-US" dirty="0"/>
           </a:p>
@@ -14976,7 +14981,7 @@
             <a:fld id="{9B3A1323-8D79-1946-B0D7-40001CF92E9D}" type="datetimeFigureOut">
               <a:rPr lang="en-US" smtClean="0"/>
               <a:pPr/>
-              <a:t>11/8/2016</a:t>
+              <a:t>11/9/2016</a:t>
             </a:fld>
             <a:endParaRPr lang="en-US" dirty="0"/>
           </a:p>
@@ -15226,7 +15231,7 @@
             <a:fld id="{8DFA1846-DA80-1C48-A609-854EA85C59AD}" type="datetimeFigureOut">
               <a:rPr lang="en-US" smtClean="0"/>
               <a:pPr/>
-              <a:t>11/8/2016</a:t>
+              <a:t>11/9/2016</a:t>
             </a:fld>
             <a:endParaRPr lang="en-US" dirty="0"/>
           </a:p>
@@ -15590,7 +15595,7 @@
             <a:fld id="{57302355-E14B-8545-A8F8-0FE83CC9D524}" type="datetimeFigureOut">
               <a:rPr lang="en-US" smtClean="0"/>
               <a:pPr/>
-              <a:t>11/8/2016</a:t>
+              <a:t>11/9/2016</a:t>
             </a:fld>
             <a:endParaRPr lang="en-US" dirty="0"/>
           </a:p>
@@ -16050,7 +16055,7 @@
             <a:fld id="{02640F58-564D-2B4F-AE67-E407BA4FCF45}" type="datetimeFigureOut">
               <a:rPr lang="en-US" smtClean="0"/>
               <a:pPr/>
-              <a:t>11/8/2016</a:t>
+              <a:t>11/9/2016</a:t>
             </a:fld>
             <a:endParaRPr lang="en-US" dirty="0"/>
           </a:p>
@@ -16201,7 +16206,7 @@
             <a:fld id="{F13A34C8-038E-2045-AF43-DF7DBB8E0E9E}" type="datetimeFigureOut">
               <a:rPr lang="en-US" smtClean="0"/>
               <a:pPr/>
-              <a:t>11/8/2016</a:t>
+              <a:t>11/9/2016</a:t>
             </a:fld>
             <a:endParaRPr lang="en-US" dirty="0"/>
           </a:p>
@@ -16329,7 +16334,7 @@
             <a:fld id="{8818C68F-D26B-8F47-958C-23B49CF8A634}" type="datetimeFigureOut">
               <a:rPr lang="en-US" smtClean="0"/>
               <a:pPr/>
-              <a:t>11/8/2016</a:t>
+              <a:t>11/9/2016</a:t>
             </a:fld>
             <a:endParaRPr lang="en-US" dirty="0"/>
           </a:p>
@@ -16618,7 +16623,7 @@
             <a:fld id="{D0DF5E60-9974-AC48-9591-99C2BB44B7CF}" type="datetimeFigureOut">
               <a:rPr lang="en-US" smtClean="0"/>
               <a:pPr/>
-              <a:t>11/8/2016</a:t>
+              <a:t>11/9/2016</a:t>
             </a:fld>
             <a:endParaRPr lang="en-US" dirty="0"/>
           </a:p>
@@ -16935,7 +16940,7 @@
             <a:fld id="{18C79C5D-2A6F-F04D-97DA-BEF2467B64E4}" type="datetimeFigureOut">
               <a:rPr lang="en-US" smtClean="0"/>
               <a:pPr/>
-              <a:t>11/8/2016</a:t>
+              <a:t>11/9/2016</a:t>
             </a:fld>
             <a:endParaRPr lang="en-US" dirty="0"/>
           </a:p>
@@ -17320,7 +17325,7 @@
             <a:fld id="{09B482E8-6E0E-1B4F-B1FD-C69DB9E858D9}" type="datetimeFigureOut">
               <a:rPr lang="en-US" smtClean="0"/>
               <a:pPr/>
-              <a:t>11/8/2016</a:t>
+              <a:t>11/9/2016</a:t>
             </a:fld>
             <a:endParaRPr lang="en-US" dirty="0"/>
           </a:p>
@@ -17881,7 +17886,7 @@
           <a:lstStyle/>
           <a:p>
             <a:r>
-              <a:rPr kumimoji="1" lang="en-US" altLang="ja-JP" sz="8000" b="1" dirty="0" err="1" smtClean="0"/>
+              <a:rPr kumimoji="1" lang="en-US" altLang="ja-JP" sz="8000" b="1" dirty="0" smtClean="0"/>
               <a:t>WeCalendar</a:t>
             </a:r>
             <a:endParaRPr kumimoji="1" lang="ja-JP" altLang="en-US" sz="8000" b="1" dirty="0"/>
@@ -17934,6 +17939,941 @@
   <p:clrMapOvr>
     <a:masterClrMapping/>
   </p:clrMapOvr>
+</p:sld>
+</file>
+
+<file path=ppt/slides/slide10.xml><?xml version="1.0" encoding="utf-8"?>
+<p:sld xmlns:a="http://schemas.openxmlformats.org/drawingml/2006/main" xmlns:r="http://schemas.openxmlformats.org/officeDocument/2006/relationships" xmlns:p="http://schemas.openxmlformats.org/presentationml/2006/main">
+  <p:cSld>
+    <p:spTree>
+      <p:nvGrpSpPr>
+        <p:cNvPr id="1" name=""/>
+        <p:cNvGrpSpPr/>
+        <p:nvPr/>
+      </p:nvGrpSpPr>
+      <p:grpSpPr>
+        <a:xfrm>
+          <a:off x="0" y="0"/>
+          <a:ext cx="0" cy="0"/>
+          <a:chOff x="0" y="0"/>
+          <a:chExt cx="0" cy="0"/>
+        </a:xfrm>
+      </p:grpSpPr>
+      <p:sp>
+        <p:nvSpPr>
+          <p:cNvPr id="3" name="コンテンツ プレースホルダー 2"/>
+          <p:cNvSpPr>
+            <a:spLocks noGrp="1"/>
+          </p:cNvSpPr>
+          <p:nvPr>
+            <p:ph idx="1"/>
+          </p:nvPr>
+        </p:nvSpPr>
+        <p:spPr>
+          <a:xfrm>
+            <a:off x="1295400" y="2010276"/>
+            <a:ext cx="3130294" cy="550837"/>
+          </a:xfrm>
+        </p:spPr>
+        <p:txBody>
+          <a:bodyPr>
+            <a:normAutofit/>
+          </a:bodyPr>
+          <a:lstStyle/>
+          <a:p>
+            <a:pPr marL="0" indent="0">
+              <a:buNone/>
+            </a:pPr>
+            <a:r>
+              <a:rPr lang="ja-JP" altLang="en-US" b="1" dirty="0"/>
+              <a:t>④</a:t>
+            </a:r>
+            <a:r>
+              <a:rPr lang="ja-JP" altLang="en-US" b="1" dirty="0" smtClean="0"/>
+              <a:t>　スケジュール機能</a:t>
+            </a:r>
+            <a:endParaRPr kumimoji="1" lang="en-US" altLang="ja-JP" b="1" dirty="0" smtClean="0"/>
+          </a:p>
+        </p:txBody>
+      </p:sp>
+      <p:sp>
+        <p:nvSpPr>
+          <p:cNvPr id="6" name="テキスト ボックス 5"/>
+          <p:cNvSpPr txBox="1"/>
+          <p:nvPr/>
+        </p:nvSpPr>
+        <p:spPr>
+          <a:xfrm>
+            <a:off x="10302018" y="5885339"/>
+            <a:ext cx="1189749" cy="369332"/>
+          </a:xfrm>
+          <a:prstGeom prst="rect">
+            <a:avLst/>
+          </a:prstGeom>
+          <a:noFill/>
+        </p:spPr>
+        <p:txBody>
+          <a:bodyPr wrap="none" rtlCol="0">
+            <a:spAutoFit/>
+          </a:bodyPr>
+          <a:lstStyle/>
+          <a:p>
+            <a:r>
+              <a:rPr kumimoji="1" lang="en-US" altLang="ja-JP" dirty="0"/>
+              <a:t>※</a:t>
+            </a:r>
+            <a:r>
+              <a:rPr kumimoji="1" lang="ja-JP" altLang="en-US" dirty="0" smtClean="0"/>
+              <a:t>イメージ</a:t>
+            </a:r>
+            <a:endParaRPr kumimoji="1" lang="ja-JP" altLang="en-US" dirty="0"/>
+          </a:p>
+        </p:txBody>
+      </p:sp>
+      <p:sp>
+        <p:nvSpPr>
+          <p:cNvPr id="18" name="タイトル 1"/>
+          <p:cNvSpPr txBox="1">
+            <a:spLocks/>
+          </p:cNvSpPr>
+          <p:nvPr/>
+        </p:nvSpPr>
+        <p:spPr>
+          <a:xfrm>
+            <a:off x="1295400" y="1269273"/>
+            <a:ext cx="5331445" cy="643467"/>
+          </a:xfrm>
+          <a:prstGeom prst="rect">
+            <a:avLst/>
+          </a:prstGeom>
+          <a:effectLst/>
+        </p:spPr>
+        <p:txBody>
+          <a:bodyPr vert="horz" lIns="91440" tIns="45720" rIns="91440" bIns="45720" rtlCol="0" anchor="ctr">
+            <a:noAutofit/>
+          </a:bodyPr>
+          <a:lstStyle>
+            <a:lvl1pPr algn="ctr" defTabSz="457200" rtl="0" eaLnBrk="1" latinLnBrk="0" hangingPunct="1">
+              <a:spcBef>
+                <a:spcPct val="0"/>
+              </a:spcBef>
+              <a:buNone/>
+              <a:defRPr kumimoji="1" sz="4400" kern="1200" cap="none">
+                <a:ln w="3175" cmpd="sng">
+                  <a:noFill/>
+                </a:ln>
+                <a:solidFill>
+                  <a:schemeClr val="tx1">
+                    <a:lumMod val="85000"/>
+                    <a:lumOff val="15000"/>
+                  </a:schemeClr>
+                </a:solidFill>
+                <a:effectLst/>
+                <a:latin typeface="+mj-lt"/>
+                <a:ea typeface="+mj-ea"/>
+                <a:cs typeface="+mj-cs"/>
+              </a:defRPr>
+            </a:lvl1pPr>
+            <a:lvl2pPr eaLnBrk="1" hangingPunct="1">
+              <a:defRPr kumimoji="1">
+                <a:solidFill>
+                  <a:schemeClr val="tx2"/>
+                </a:solidFill>
+              </a:defRPr>
+            </a:lvl2pPr>
+            <a:lvl3pPr eaLnBrk="1" hangingPunct="1">
+              <a:defRPr kumimoji="1">
+                <a:solidFill>
+                  <a:schemeClr val="tx2"/>
+                </a:solidFill>
+              </a:defRPr>
+            </a:lvl3pPr>
+            <a:lvl4pPr eaLnBrk="1" hangingPunct="1">
+              <a:defRPr kumimoji="1">
+                <a:solidFill>
+                  <a:schemeClr val="tx2"/>
+                </a:solidFill>
+              </a:defRPr>
+            </a:lvl4pPr>
+            <a:lvl5pPr eaLnBrk="1" hangingPunct="1">
+              <a:defRPr kumimoji="1">
+                <a:solidFill>
+                  <a:schemeClr val="tx2"/>
+                </a:solidFill>
+              </a:defRPr>
+            </a:lvl5pPr>
+            <a:lvl6pPr eaLnBrk="1" hangingPunct="1">
+              <a:defRPr kumimoji="1">
+                <a:solidFill>
+                  <a:schemeClr val="tx2"/>
+                </a:solidFill>
+              </a:defRPr>
+            </a:lvl6pPr>
+            <a:lvl7pPr eaLnBrk="1" hangingPunct="1">
+              <a:defRPr kumimoji="1">
+                <a:solidFill>
+                  <a:schemeClr val="tx2"/>
+                </a:solidFill>
+              </a:defRPr>
+            </a:lvl7pPr>
+            <a:lvl8pPr eaLnBrk="1" hangingPunct="1">
+              <a:defRPr kumimoji="1">
+                <a:solidFill>
+                  <a:schemeClr val="tx2"/>
+                </a:solidFill>
+              </a:defRPr>
+            </a:lvl8pPr>
+            <a:lvl9pPr eaLnBrk="1" hangingPunct="1">
+              <a:defRPr kumimoji="1">
+                <a:solidFill>
+                  <a:schemeClr val="tx2"/>
+                </a:solidFill>
+              </a:defRPr>
+            </a:lvl9pPr>
+          </a:lstStyle>
+          <a:p>
+            <a:pPr algn="l"/>
+            <a:r>
+              <a:rPr lang="ja-JP" altLang="en-US" sz="6000" b="1" dirty="0"/>
+              <a:t>５</a:t>
+            </a:r>
+            <a:r>
+              <a:rPr lang="ja-JP" altLang="en-US" sz="6000" b="1" dirty="0" smtClean="0"/>
+              <a:t>．機能一覧</a:t>
+            </a:r>
+            <a:endParaRPr lang="ja-JP" altLang="en-US" sz="6000" b="1" dirty="0"/>
+          </a:p>
+        </p:txBody>
+      </p:sp>
+      <p:sp>
+        <p:nvSpPr>
+          <p:cNvPr id="2" name="テキスト ボックス 1"/>
+          <p:cNvSpPr txBox="1"/>
+          <p:nvPr/>
+        </p:nvSpPr>
+        <p:spPr>
+          <a:xfrm>
+            <a:off x="804672" y="2561113"/>
+            <a:ext cx="8132354" cy="3662541"/>
+          </a:xfrm>
+          <a:prstGeom prst="rect">
+            <a:avLst/>
+          </a:prstGeom>
+          <a:noFill/>
+        </p:spPr>
+        <p:txBody>
+          <a:bodyPr wrap="none" rtlCol="0">
+            <a:spAutoFit/>
+          </a:bodyPr>
+          <a:lstStyle/>
+          <a:p>
+            <a:pPr marL="285750" indent="-285750">
+              <a:buFont typeface="Wingdings" panose="05000000000000000000" pitchFamily="2" charset="2"/>
+              <a:buChar char="Ø"/>
+            </a:pPr>
+            <a:r>
+              <a:rPr kumimoji="1" lang="ja-JP" altLang="en-US" sz="2400" b="1" u="sng" dirty="0" smtClean="0"/>
+              <a:t>スケジュール登録</a:t>
+            </a:r>
+            <a:endParaRPr kumimoji="1" lang="en-US" altLang="ja-JP" sz="2400" b="1" u="sng" dirty="0" smtClean="0"/>
+          </a:p>
+          <a:p>
+            <a:r>
+              <a:rPr kumimoji="1" lang="en-US" altLang="ja-JP" sz="2000" dirty="0" smtClean="0"/>
+              <a:t>	</a:t>
+            </a:r>
+            <a:r>
+              <a:rPr kumimoji="1" lang="ja-JP" altLang="en-US" sz="2000" dirty="0"/>
+              <a:t>スケジュール</a:t>
+            </a:r>
+            <a:r>
+              <a:rPr kumimoji="1" lang="ja-JP" altLang="en-US" sz="2000" dirty="0" smtClean="0"/>
+              <a:t>を</a:t>
+            </a:r>
+            <a:r>
+              <a:rPr kumimoji="1" lang="ja-JP" altLang="en-US" sz="2000" dirty="0"/>
+              <a:t>作成</a:t>
+            </a:r>
+            <a:r>
+              <a:rPr kumimoji="1" lang="ja-JP" altLang="en-US" sz="2000" dirty="0" smtClean="0"/>
+              <a:t>できる。</a:t>
+            </a:r>
+            <a:endParaRPr kumimoji="1" lang="en-US" altLang="ja-JP" sz="2000" dirty="0" smtClean="0"/>
+          </a:p>
+          <a:p>
+            <a:r>
+              <a:rPr kumimoji="1" lang="en-US" altLang="ja-JP" sz="2000" dirty="0"/>
+              <a:t>	</a:t>
+            </a:r>
+            <a:r>
+              <a:rPr kumimoji="1" lang="en-US" altLang="ja-JP" sz="2000" dirty="0" smtClean="0"/>
+              <a:t>『</a:t>
+            </a:r>
+            <a:r>
+              <a:rPr kumimoji="1" lang="ja-JP" altLang="en-US" sz="2000" dirty="0" smtClean="0"/>
+              <a:t>個人スケジュール</a:t>
+            </a:r>
+            <a:r>
+              <a:rPr kumimoji="1" lang="en-US" altLang="ja-JP" sz="2000" dirty="0" smtClean="0"/>
+              <a:t>』</a:t>
+            </a:r>
+            <a:r>
+              <a:rPr kumimoji="1" lang="ja-JP" altLang="en-US" sz="2000" dirty="0" smtClean="0"/>
+              <a:t>　</a:t>
+            </a:r>
+            <a:r>
+              <a:rPr kumimoji="1" lang="en-US" altLang="ja-JP" sz="2000" dirty="0" smtClean="0"/>
+              <a:t>『</a:t>
+            </a:r>
+            <a:r>
+              <a:rPr kumimoji="1" lang="ja-JP" altLang="en-US" sz="2000" dirty="0" smtClean="0"/>
+              <a:t>グループスケジュール</a:t>
+            </a:r>
+            <a:r>
+              <a:rPr kumimoji="1" lang="en-US" altLang="ja-JP" sz="2000" dirty="0" smtClean="0"/>
+              <a:t>』</a:t>
+            </a:r>
+            <a:r>
+              <a:rPr kumimoji="1" lang="ja-JP" altLang="en-US" sz="2000" dirty="0" smtClean="0"/>
+              <a:t>の作成ができる。</a:t>
+            </a:r>
+            <a:endParaRPr kumimoji="1" lang="en-US" altLang="ja-JP" sz="2000" dirty="0" smtClean="0"/>
+          </a:p>
+          <a:p>
+            <a:r>
+              <a:rPr kumimoji="1" lang="en-US" altLang="ja-JP" sz="2000" dirty="0"/>
+              <a:t>	</a:t>
+            </a:r>
+            <a:r>
+              <a:rPr kumimoji="1" lang="en-US" altLang="ja-JP" sz="2000" dirty="0" smtClean="0"/>
+              <a:t>『</a:t>
+            </a:r>
+            <a:r>
+              <a:rPr kumimoji="1" lang="ja-JP" altLang="en-US" sz="2000" dirty="0" smtClean="0"/>
+              <a:t>グループ</a:t>
+            </a:r>
+            <a:r>
+              <a:rPr kumimoji="1" lang="ja-JP" altLang="en-US" sz="2000" dirty="0"/>
+              <a:t>スケジュール</a:t>
+            </a:r>
+            <a:r>
+              <a:rPr kumimoji="1" lang="en-US" altLang="ja-JP" sz="2000" dirty="0" smtClean="0"/>
+              <a:t>』</a:t>
+            </a:r>
+            <a:r>
+              <a:rPr kumimoji="1" lang="ja-JP" altLang="en-US" sz="2000" dirty="0" smtClean="0"/>
+              <a:t>は、そのグループメンバしか作成できない。</a:t>
+            </a:r>
+            <a:endParaRPr kumimoji="1" lang="en-US" altLang="ja-JP" sz="2000" dirty="0" smtClean="0"/>
+          </a:p>
+          <a:p>
+            <a:pPr marL="457200" indent="-457200">
+              <a:buFont typeface="Wingdings" panose="05000000000000000000" pitchFamily="2" charset="2"/>
+              <a:buChar char="Ø"/>
+            </a:pPr>
+            <a:r>
+              <a:rPr kumimoji="1" lang="ja-JP" altLang="en-US" sz="2400" b="1" u="sng" dirty="0" smtClean="0"/>
+              <a:t>スケジュール情報変更</a:t>
+            </a:r>
+            <a:endParaRPr kumimoji="1" lang="en-US" altLang="ja-JP" sz="2400" b="1" u="sng" dirty="0" smtClean="0"/>
+          </a:p>
+          <a:p>
+            <a:r>
+              <a:rPr kumimoji="1" lang="en-US" altLang="ja-JP" sz="2000" b="1" dirty="0"/>
+              <a:t>	</a:t>
+            </a:r>
+            <a:r>
+              <a:rPr kumimoji="1" lang="ja-JP" altLang="en-US" sz="2000" dirty="0" smtClean="0"/>
+              <a:t>登録したスケジュール情報の変更ができる。</a:t>
+            </a:r>
+            <a:endParaRPr kumimoji="1" lang="en-US" altLang="ja-JP" sz="2000" dirty="0" smtClean="0"/>
+          </a:p>
+          <a:p>
+            <a:r>
+              <a:rPr kumimoji="1" lang="en-US" altLang="ja-JP" sz="2000" dirty="0"/>
+              <a:t>	</a:t>
+            </a:r>
+            <a:r>
+              <a:rPr kumimoji="1" lang="ja-JP" altLang="en-US" sz="2000" dirty="0"/>
+              <a:t>システム管理者・</a:t>
+            </a:r>
+            <a:r>
+              <a:rPr kumimoji="1" lang="ja-JP" altLang="en-US" sz="2000" dirty="0" smtClean="0"/>
+              <a:t>グループ管理者・作成者</a:t>
+            </a:r>
+            <a:r>
+              <a:rPr kumimoji="1" lang="ja-JP" altLang="en-US" sz="2000" dirty="0"/>
+              <a:t>のみ変更が可能</a:t>
+            </a:r>
+            <a:r>
+              <a:rPr kumimoji="1" lang="ja-JP" altLang="en-US" sz="2000" dirty="0" smtClean="0"/>
+              <a:t>。</a:t>
+            </a:r>
+            <a:endParaRPr kumimoji="1" lang="en-US" altLang="ja-JP" sz="2000" dirty="0" smtClean="0"/>
+          </a:p>
+          <a:p>
+            <a:pPr marL="285750" indent="-285750">
+              <a:buFont typeface="Wingdings" panose="05000000000000000000" pitchFamily="2" charset="2"/>
+              <a:buChar char="Ø"/>
+            </a:pPr>
+            <a:r>
+              <a:rPr kumimoji="1" lang="ja-JP" altLang="en-US" sz="2400" b="1" u="sng" dirty="0"/>
+              <a:t>スケジュール</a:t>
+            </a:r>
+            <a:r>
+              <a:rPr kumimoji="1" lang="ja-JP" altLang="en-US" sz="2400" b="1" u="sng" dirty="0" smtClean="0"/>
+              <a:t>情報削除</a:t>
+            </a:r>
+            <a:endParaRPr kumimoji="1" lang="en-US" altLang="ja-JP" sz="2400" b="1" u="sng" dirty="0" smtClean="0"/>
+          </a:p>
+          <a:p>
+            <a:r>
+              <a:rPr kumimoji="1" lang="en-US" altLang="ja-JP" sz="2000" dirty="0"/>
+              <a:t>	</a:t>
+            </a:r>
+            <a:r>
+              <a:rPr kumimoji="1" lang="ja-JP" altLang="en-US" sz="2000" dirty="0" smtClean="0"/>
+              <a:t>登録した</a:t>
+            </a:r>
+            <a:r>
+              <a:rPr kumimoji="1" lang="ja-JP" altLang="en-US" sz="2000" dirty="0"/>
+              <a:t>スケジュール</a:t>
+            </a:r>
+            <a:r>
+              <a:rPr kumimoji="1" lang="ja-JP" altLang="en-US" sz="2000" dirty="0" smtClean="0"/>
+              <a:t>情報の削除ができる。</a:t>
+            </a:r>
+            <a:endParaRPr kumimoji="1" lang="en-US" altLang="ja-JP" sz="2000" dirty="0" smtClean="0"/>
+          </a:p>
+          <a:p>
+            <a:r>
+              <a:rPr kumimoji="1" lang="en-US" altLang="ja-JP" sz="2000" dirty="0"/>
+              <a:t>	</a:t>
+            </a:r>
+            <a:r>
+              <a:rPr kumimoji="1" lang="ja-JP" altLang="en-US" sz="2000" dirty="0"/>
+              <a:t>システム管理者・</a:t>
+            </a:r>
+            <a:r>
+              <a:rPr kumimoji="1" lang="ja-JP" altLang="en-US" sz="2000" dirty="0" smtClean="0"/>
+              <a:t>グループ</a:t>
+            </a:r>
+            <a:r>
+              <a:rPr kumimoji="1" lang="ja-JP" altLang="en-US" sz="2000" dirty="0"/>
+              <a:t>管理者</a:t>
+            </a:r>
+            <a:r>
+              <a:rPr kumimoji="1" lang="ja-JP" altLang="en-US" sz="2000" dirty="0" smtClean="0"/>
+              <a:t>・作成者のみ削除が</a:t>
+            </a:r>
+            <a:r>
+              <a:rPr kumimoji="1" lang="ja-JP" altLang="en-US" sz="2000" dirty="0"/>
+              <a:t>可能</a:t>
+            </a:r>
+            <a:r>
+              <a:rPr kumimoji="1" lang="ja-JP" altLang="en-US" sz="2000" dirty="0" smtClean="0"/>
+              <a:t>。</a:t>
+            </a:r>
+            <a:endParaRPr kumimoji="1" lang="en-US" altLang="ja-JP" sz="2000" dirty="0"/>
+          </a:p>
+          <a:p>
+            <a:endParaRPr kumimoji="1" lang="ja-JP" altLang="en-US" sz="2000" dirty="0"/>
+          </a:p>
+        </p:txBody>
+      </p:sp>
+      <p:pic>
+        <p:nvPicPr>
+          <p:cNvPr id="4" name="図 3"/>
+          <p:cNvPicPr>
+            <a:picLocks noChangeAspect="1"/>
+          </p:cNvPicPr>
+          <p:nvPr/>
+        </p:nvPicPr>
+        <p:blipFill>
+          <a:blip r:embed="rId2">
+            <a:extLst>
+              <a:ext uri="{28A0092B-C50C-407E-A947-70E740481C1C}">
+                <a14:useLocalDpi xmlns:a14="http://schemas.microsoft.com/office/drawing/2010/main" val="0"/>
+              </a:ext>
+            </a:extLst>
+          </a:blip>
+          <a:stretch>
+            <a:fillRect/>
+          </a:stretch>
+        </p:blipFill>
+        <p:spPr>
+          <a:xfrm>
+            <a:off x="8497824" y="3354894"/>
+            <a:ext cx="2914069" cy="2530446"/>
+          </a:xfrm>
+          <a:prstGeom prst="rect">
+            <a:avLst/>
+          </a:prstGeom>
+        </p:spPr>
+      </p:pic>
+    </p:spTree>
+    <p:extLst>
+      <p:ext uri="{BB962C8B-B14F-4D97-AF65-F5344CB8AC3E}">
+        <p14:creationId xmlns:p14="http://schemas.microsoft.com/office/powerpoint/2010/main" val="1094155007"/>
+      </p:ext>
+    </p:extLst>
+  </p:cSld>
+  <p:clrMapOvr>
+    <a:masterClrMapping/>
+  </p:clrMapOvr>
+  <p:timing>
+    <p:tnLst>
+      <p:par>
+        <p:cTn id="1" dur="indefinite" restart="never" nodeType="tmRoot"/>
+      </p:par>
+    </p:tnLst>
+  </p:timing>
+</p:sld>
+</file>
+
+<file path=ppt/slides/slide11.xml><?xml version="1.0" encoding="utf-8"?>
+<p:sld xmlns:a="http://schemas.openxmlformats.org/drawingml/2006/main" xmlns:r="http://schemas.openxmlformats.org/officeDocument/2006/relationships" xmlns:p="http://schemas.openxmlformats.org/presentationml/2006/main">
+  <p:cSld>
+    <p:spTree>
+      <p:nvGrpSpPr>
+        <p:cNvPr id="1" name=""/>
+        <p:cNvGrpSpPr/>
+        <p:nvPr/>
+      </p:nvGrpSpPr>
+      <p:grpSpPr>
+        <a:xfrm>
+          <a:off x="0" y="0"/>
+          <a:ext cx="0" cy="0"/>
+          <a:chOff x="0" y="0"/>
+          <a:chExt cx="0" cy="0"/>
+        </a:xfrm>
+      </p:grpSpPr>
+      <p:sp>
+        <p:nvSpPr>
+          <p:cNvPr id="3" name="コンテンツ プレースホルダー 2"/>
+          <p:cNvSpPr>
+            <a:spLocks noGrp="1"/>
+          </p:cNvSpPr>
+          <p:nvPr>
+            <p:ph idx="1"/>
+          </p:nvPr>
+        </p:nvSpPr>
+        <p:spPr>
+          <a:xfrm>
+            <a:off x="1295400" y="2010276"/>
+            <a:ext cx="3130294" cy="550837"/>
+          </a:xfrm>
+        </p:spPr>
+        <p:txBody>
+          <a:bodyPr>
+            <a:normAutofit/>
+          </a:bodyPr>
+          <a:lstStyle/>
+          <a:p>
+            <a:pPr marL="0" indent="0">
+              <a:buNone/>
+            </a:pPr>
+            <a:r>
+              <a:rPr lang="ja-JP" altLang="en-US" b="1" dirty="0"/>
+              <a:t>④</a:t>
+            </a:r>
+            <a:r>
+              <a:rPr lang="ja-JP" altLang="en-US" b="1" dirty="0" smtClean="0"/>
+              <a:t>　カレンダー機能</a:t>
+            </a:r>
+            <a:endParaRPr kumimoji="1" lang="en-US" altLang="ja-JP" b="1" dirty="0" smtClean="0"/>
+          </a:p>
+        </p:txBody>
+      </p:sp>
+      <p:sp>
+        <p:nvSpPr>
+          <p:cNvPr id="6" name="テキスト ボックス 5"/>
+          <p:cNvSpPr txBox="1"/>
+          <p:nvPr/>
+        </p:nvSpPr>
+        <p:spPr>
+          <a:xfrm>
+            <a:off x="10302018" y="5885339"/>
+            <a:ext cx="1189749" cy="369332"/>
+          </a:xfrm>
+          <a:prstGeom prst="rect">
+            <a:avLst/>
+          </a:prstGeom>
+          <a:noFill/>
+        </p:spPr>
+        <p:txBody>
+          <a:bodyPr wrap="none" rtlCol="0">
+            <a:spAutoFit/>
+          </a:bodyPr>
+          <a:lstStyle/>
+          <a:p>
+            <a:r>
+              <a:rPr kumimoji="1" lang="en-US" altLang="ja-JP" dirty="0"/>
+              <a:t>※</a:t>
+            </a:r>
+            <a:r>
+              <a:rPr kumimoji="1" lang="ja-JP" altLang="en-US" dirty="0" smtClean="0"/>
+              <a:t>イメージ</a:t>
+            </a:r>
+            <a:endParaRPr kumimoji="1" lang="ja-JP" altLang="en-US" dirty="0"/>
+          </a:p>
+        </p:txBody>
+      </p:sp>
+      <p:sp>
+        <p:nvSpPr>
+          <p:cNvPr id="18" name="タイトル 1"/>
+          <p:cNvSpPr txBox="1">
+            <a:spLocks/>
+          </p:cNvSpPr>
+          <p:nvPr/>
+        </p:nvSpPr>
+        <p:spPr>
+          <a:xfrm>
+            <a:off x="1295400" y="1269273"/>
+            <a:ext cx="5331445" cy="643467"/>
+          </a:xfrm>
+          <a:prstGeom prst="rect">
+            <a:avLst/>
+          </a:prstGeom>
+          <a:effectLst/>
+        </p:spPr>
+        <p:txBody>
+          <a:bodyPr vert="horz" lIns="91440" tIns="45720" rIns="91440" bIns="45720" rtlCol="0" anchor="ctr">
+            <a:noAutofit/>
+          </a:bodyPr>
+          <a:lstStyle>
+            <a:lvl1pPr algn="ctr" defTabSz="457200" rtl="0" eaLnBrk="1" latinLnBrk="0" hangingPunct="1">
+              <a:spcBef>
+                <a:spcPct val="0"/>
+              </a:spcBef>
+              <a:buNone/>
+              <a:defRPr kumimoji="1" sz="4400" kern="1200" cap="none">
+                <a:ln w="3175" cmpd="sng">
+                  <a:noFill/>
+                </a:ln>
+                <a:solidFill>
+                  <a:schemeClr val="tx1">
+                    <a:lumMod val="85000"/>
+                    <a:lumOff val="15000"/>
+                  </a:schemeClr>
+                </a:solidFill>
+                <a:effectLst/>
+                <a:latin typeface="+mj-lt"/>
+                <a:ea typeface="+mj-ea"/>
+                <a:cs typeface="+mj-cs"/>
+              </a:defRPr>
+            </a:lvl1pPr>
+            <a:lvl2pPr eaLnBrk="1" hangingPunct="1">
+              <a:defRPr kumimoji="1">
+                <a:solidFill>
+                  <a:schemeClr val="tx2"/>
+                </a:solidFill>
+              </a:defRPr>
+            </a:lvl2pPr>
+            <a:lvl3pPr eaLnBrk="1" hangingPunct="1">
+              <a:defRPr kumimoji="1">
+                <a:solidFill>
+                  <a:schemeClr val="tx2"/>
+                </a:solidFill>
+              </a:defRPr>
+            </a:lvl3pPr>
+            <a:lvl4pPr eaLnBrk="1" hangingPunct="1">
+              <a:defRPr kumimoji="1">
+                <a:solidFill>
+                  <a:schemeClr val="tx2"/>
+                </a:solidFill>
+              </a:defRPr>
+            </a:lvl4pPr>
+            <a:lvl5pPr eaLnBrk="1" hangingPunct="1">
+              <a:defRPr kumimoji="1">
+                <a:solidFill>
+                  <a:schemeClr val="tx2"/>
+                </a:solidFill>
+              </a:defRPr>
+            </a:lvl5pPr>
+            <a:lvl6pPr eaLnBrk="1" hangingPunct="1">
+              <a:defRPr kumimoji="1">
+                <a:solidFill>
+                  <a:schemeClr val="tx2"/>
+                </a:solidFill>
+              </a:defRPr>
+            </a:lvl6pPr>
+            <a:lvl7pPr eaLnBrk="1" hangingPunct="1">
+              <a:defRPr kumimoji="1">
+                <a:solidFill>
+                  <a:schemeClr val="tx2"/>
+                </a:solidFill>
+              </a:defRPr>
+            </a:lvl7pPr>
+            <a:lvl8pPr eaLnBrk="1" hangingPunct="1">
+              <a:defRPr kumimoji="1">
+                <a:solidFill>
+                  <a:schemeClr val="tx2"/>
+                </a:solidFill>
+              </a:defRPr>
+            </a:lvl8pPr>
+            <a:lvl9pPr eaLnBrk="1" hangingPunct="1">
+              <a:defRPr kumimoji="1">
+                <a:solidFill>
+                  <a:schemeClr val="tx2"/>
+                </a:solidFill>
+              </a:defRPr>
+            </a:lvl9pPr>
+          </a:lstStyle>
+          <a:p>
+            <a:pPr algn="l"/>
+            <a:r>
+              <a:rPr lang="ja-JP" altLang="en-US" sz="6000" b="1" dirty="0"/>
+              <a:t>５</a:t>
+            </a:r>
+            <a:r>
+              <a:rPr lang="ja-JP" altLang="en-US" sz="6000" b="1" dirty="0" smtClean="0"/>
+              <a:t>．機能一覧</a:t>
+            </a:r>
+            <a:endParaRPr lang="ja-JP" altLang="en-US" sz="6000" b="1" dirty="0"/>
+          </a:p>
+        </p:txBody>
+      </p:sp>
+      <p:sp>
+        <p:nvSpPr>
+          <p:cNvPr id="2" name="テキスト ボックス 1"/>
+          <p:cNvSpPr txBox="1"/>
+          <p:nvPr/>
+        </p:nvSpPr>
+        <p:spPr>
+          <a:xfrm>
+            <a:off x="816864" y="2561113"/>
+            <a:ext cx="8574783" cy="2677656"/>
+          </a:xfrm>
+          <a:prstGeom prst="rect">
+            <a:avLst/>
+          </a:prstGeom>
+          <a:noFill/>
+        </p:spPr>
+        <p:txBody>
+          <a:bodyPr wrap="none" rtlCol="0">
+            <a:spAutoFit/>
+          </a:bodyPr>
+          <a:lstStyle/>
+          <a:p>
+            <a:pPr marL="342900" indent="-342900">
+              <a:buFont typeface="Wingdings" panose="05000000000000000000" pitchFamily="2" charset="2"/>
+              <a:buChar char="Ø"/>
+            </a:pPr>
+            <a:r>
+              <a:rPr kumimoji="1" lang="ja-JP" altLang="en-US" sz="2400" b="1" u="sng" dirty="0" smtClean="0">
+                <a:latin typeface="+mn-ea"/>
+              </a:rPr>
+              <a:t>カレンダー表示</a:t>
+            </a:r>
+            <a:endParaRPr kumimoji="1" lang="en-US" altLang="ja-JP" sz="2400" b="1" u="sng" dirty="0" smtClean="0">
+              <a:latin typeface="+mn-ea"/>
+            </a:endParaRPr>
+          </a:p>
+          <a:p>
+            <a:r>
+              <a:rPr kumimoji="1" lang="en-US" altLang="ja-JP" sz="2000" dirty="0" smtClean="0">
+                <a:latin typeface="+mn-ea"/>
+              </a:rPr>
+              <a:t>	</a:t>
+            </a:r>
+            <a:r>
+              <a:rPr kumimoji="1" lang="ja-JP" altLang="en-US" sz="2000" dirty="0" smtClean="0">
+                <a:latin typeface="+mn-ea"/>
+              </a:rPr>
+              <a:t>カレンダーを</a:t>
+            </a:r>
+            <a:r>
+              <a:rPr kumimoji="1" lang="ja-JP" altLang="en-US" sz="2000" dirty="0">
+                <a:latin typeface="+mn-ea"/>
+              </a:rPr>
+              <a:t>表示</a:t>
+            </a:r>
+            <a:r>
+              <a:rPr kumimoji="1" lang="ja-JP" altLang="en-US" sz="2000" dirty="0" smtClean="0">
+                <a:latin typeface="+mn-ea"/>
+              </a:rPr>
+              <a:t>する。</a:t>
+            </a:r>
+            <a:endParaRPr kumimoji="1" lang="en-US" altLang="ja-JP" sz="2000" dirty="0" smtClean="0">
+              <a:latin typeface="+mn-ea"/>
+            </a:endParaRPr>
+          </a:p>
+          <a:p>
+            <a:r>
+              <a:rPr kumimoji="1" lang="en-US" altLang="ja-JP" sz="2000" dirty="0">
+                <a:latin typeface="+mn-ea"/>
+              </a:rPr>
+              <a:t>	</a:t>
+            </a:r>
+            <a:r>
+              <a:rPr kumimoji="1" lang="ja-JP" altLang="en-US" sz="2000" dirty="0" smtClean="0">
+                <a:latin typeface="+mn-ea"/>
+              </a:rPr>
+              <a:t>スケジュールのある日付にマークがつく。</a:t>
+            </a:r>
+            <a:endParaRPr kumimoji="1" lang="en-US" altLang="ja-JP" sz="2000" dirty="0" smtClean="0">
+              <a:latin typeface="+mn-ea"/>
+            </a:endParaRPr>
+          </a:p>
+          <a:p>
+            <a:r>
+              <a:rPr kumimoji="1" lang="en-US" altLang="ja-JP" sz="2000" dirty="0">
+                <a:latin typeface="+mn-ea"/>
+              </a:rPr>
+              <a:t>	</a:t>
+            </a:r>
+            <a:r>
+              <a:rPr kumimoji="1" lang="ja-JP" altLang="en-US" sz="2000" dirty="0">
+                <a:latin typeface="+mn-ea"/>
+              </a:rPr>
+              <a:t>日付</a:t>
+            </a:r>
+            <a:r>
+              <a:rPr kumimoji="1" lang="ja-JP" altLang="en-US" sz="2000" dirty="0" smtClean="0">
+                <a:latin typeface="+mn-ea"/>
+              </a:rPr>
+              <a:t>をクリックするとその日のスケジュール一覧が表示される。</a:t>
+            </a:r>
+            <a:endParaRPr kumimoji="1" lang="en-US" altLang="ja-JP" sz="2000" dirty="0">
+              <a:latin typeface="+mn-ea"/>
+            </a:endParaRPr>
+          </a:p>
+          <a:p>
+            <a:pPr marL="342900" indent="-342900">
+              <a:buFont typeface="Wingdings" panose="05000000000000000000" pitchFamily="2" charset="2"/>
+              <a:buChar char="Ø"/>
+            </a:pPr>
+            <a:r>
+              <a:rPr kumimoji="1" lang="ja-JP" altLang="en-US" sz="2400" b="1" u="sng" dirty="0" smtClean="0">
+                <a:latin typeface="+mn-ea"/>
+              </a:rPr>
+              <a:t>一日スケジュール一覧</a:t>
+            </a:r>
+            <a:endParaRPr kumimoji="1" lang="en-US" altLang="ja-JP" sz="2400" b="1" u="sng" dirty="0" smtClean="0">
+              <a:latin typeface="+mn-ea"/>
+            </a:endParaRPr>
+          </a:p>
+          <a:p>
+            <a:r>
+              <a:rPr kumimoji="1" lang="en-US" altLang="ja-JP" sz="2000" b="1" dirty="0"/>
+              <a:t>	</a:t>
+            </a:r>
+            <a:r>
+              <a:rPr kumimoji="1" lang="ja-JP" altLang="en-US" sz="2000" dirty="0" smtClean="0">
+                <a:latin typeface="+mn-ea"/>
+              </a:rPr>
+              <a:t>一日のスケジュール一覧が表示される。</a:t>
+            </a:r>
+            <a:endParaRPr kumimoji="1" lang="en-US" altLang="ja-JP" sz="2000" dirty="0" smtClean="0">
+              <a:latin typeface="+mn-ea"/>
+            </a:endParaRPr>
+          </a:p>
+          <a:p>
+            <a:r>
+              <a:rPr kumimoji="1" lang="en-US" altLang="ja-JP" sz="2000" dirty="0" smtClean="0">
+                <a:latin typeface="+mn-ea"/>
+              </a:rPr>
+              <a:t>	</a:t>
+            </a:r>
+            <a:r>
+              <a:rPr kumimoji="1" lang="ja-JP" altLang="en-US" sz="2000" dirty="0" smtClean="0">
+                <a:latin typeface="+mn-ea"/>
+              </a:rPr>
+              <a:t>表示は</a:t>
+            </a:r>
+            <a:r>
+              <a:rPr kumimoji="1" lang="en-US" altLang="ja-JP" sz="2000" dirty="0" smtClean="0">
+                <a:latin typeface="+mn-ea"/>
+              </a:rPr>
+              <a:t>『</a:t>
+            </a:r>
+            <a:r>
+              <a:rPr kumimoji="1" lang="ja-JP" altLang="en-US" sz="2000" dirty="0" smtClean="0">
+                <a:latin typeface="+mn-ea"/>
+              </a:rPr>
+              <a:t>個人スケジュール</a:t>
+            </a:r>
+            <a:r>
+              <a:rPr kumimoji="1" lang="en-US" altLang="ja-JP" sz="2000" dirty="0" smtClean="0">
+                <a:latin typeface="+mn-ea"/>
+              </a:rPr>
+              <a:t>』『</a:t>
+            </a:r>
+            <a:r>
+              <a:rPr kumimoji="1" lang="ja-JP" altLang="en-US" sz="2000" dirty="0" smtClean="0">
+                <a:latin typeface="+mn-ea"/>
+              </a:rPr>
+              <a:t>グループスケジュール</a:t>
+            </a:r>
+            <a:r>
+              <a:rPr kumimoji="1" lang="en-US" altLang="ja-JP" sz="2000" dirty="0" smtClean="0">
+                <a:latin typeface="+mn-ea"/>
+              </a:rPr>
+              <a:t>』</a:t>
+            </a:r>
+            <a:r>
+              <a:rPr kumimoji="1" lang="ja-JP" altLang="en-US" sz="2000" dirty="0" smtClean="0">
+                <a:latin typeface="+mn-ea"/>
+              </a:rPr>
+              <a:t>の切替が可能。</a:t>
+            </a:r>
+            <a:endParaRPr kumimoji="1" lang="en-US" altLang="ja-JP" sz="2000" dirty="0" smtClean="0">
+              <a:latin typeface="+mn-ea"/>
+            </a:endParaRPr>
+          </a:p>
+          <a:p>
+            <a:r>
+              <a:rPr kumimoji="1" lang="en-US" altLang="ja-JP" sz="2000" dirty="0">
+                <a:latin typeface="+mn-ea"/>
+              </a:rPr>
+              <a:t>	</a:t>
+            </a:r>
+            <a:r>
+              <a:rPr kumimoji="1" lang="en-US" altLang="ja-JP" sz="2000" dirty="0" smtClean="0">
+                <a:latin typeface="+mn-ea"/>
+              </a:rPr>
+              <a:t>『</a:t>
+            </a:r>
+            <a:r>
+              <a:rPr kumimoji="1" lang="ja-JP" altLang="en-US" sz="2000" dirty="0" smtClean="0">
+                <a:latin typeface="+mn-ea"/>
+              </a:rPr>
+              <a:t>グループスケジュール</a:t>
+            </a:r>
+            <a:r>
+              <a:rPr kumimoji="1" lang="en-US" altLang="ja-JP" sz="2000" dirty="0" smtClean="0">
+                <a:latin typeface="+mn-ea"/>
+              </a:rPr>
+              <a:t>』</a:t>
+            </a:r>
+            <a:r>
+              <a:rPr kumimoji="1" lang="ja-JP" altLang="en-US" sz="2000" dirty="0" smtClean="0">
+                <a:latin typeface="+mn-ea"/>
+              </a:rPr>
+              <a:t>はログインしているグループのものが表示される。</a:t>
+            </a:r>
+            <a:endParaRPr kumimoji="1" lang="ja-JP" altLang="en-US" sz="2000" dirty="0"/>
+          </a:p>
+        </p:txBody>
+      </p:sp>
+    </p:spTree>
+    <p:extLst>
+      <p:ext uri="{BB962C8B-B14F-4D97-AF65-F5344CB8AC3E}">
+        <p14:creationId xmlns:p14="http://schemas.microsoft.com/office/powerpoint/2010/main" val="148719048"/>
+      </p:ext>
+    </p:extLst>
+  </p:cSld>
+  <p:clrMapOvr>
+    <a:masterClrMapping/>
+  </p:clrMapOvr>
+  <p:timing>
+    <p:tnLst>
+      <p:par>
+        <p:cTn id="1" dur="indefinite" restart="never" nodeType="tmRoot"/>
+      </p:par>
+    </p:tnLst>
+  </p:timing>
 </p:sld>
 </file>
 
@@ -18311,7 +19251,7 @@
         </p:nvSpPr>
         <p:spPr>
           <a:xfrm>
-            <a:off x="625931" y="622904"/>
+            <a:off x="1295401" y="1269273"/>
             <a:ext cx="3682998" cy="643467"/>
           </a:xfrm>
           <a:prstGeom prst="rect">
@@ -18321,7 +19261,7 @@
         </p:spPr>
         <p:txBody>
           <a:bodyPr vert="horz" lIns="91440" tIns="45720" rIns="91440" bIns="45720" rtlCol="0" anchor="ctr">
-            <a:normAutofit fontScale="90000" lnSpcReduction="10000"/>
+            <a:noAutofit/>
           </a:bodyPr>
           <a:lstStyle>
             <a:lvl1pPr algn="ctr" defTabSz="457200" rtl="0" eaLnBrk="1" latinLnBrk="0" hangingPunct="1">
@@ -18405,14 +19345,14 @@
           <a:p>
             <a:pPr algn="l"/>
             <a:r>
-              <a:rPr lang="ja-JP" altLang="en-US" b="1" dirty="0"/>
+              <a:rPr lang="ja-JP" altLang="en-US" sz="6000" b="1" dirty="0"/>
               <a:t>１</a:t>
             </a:r>
             <a:r>
-              <a:rPr lang="ja-JP" altLang="en-US" b="1" dirty="0" smtClean="0"/>
+              <a:rPr lang="ja-JP" altLang="en-US" sz="6000" b="1" dirty="0" smtClean="0"/>
               <a:t>．概要</a:t>
             </a:r>
-            <a:endParaRPr lang="ja-JP" altLang="en-US" b="1" dirty="0"/>
+            <a:endParaRPr lang="ja-JP" altLang="en-US" sz="6000" b="1" dirty="0"/>
           </a:p>
         </p:txBody>
       </p:sp>
@@ -18678,7 +19618,7 @@
       </p:pic>
       <p:sp>
         <p:nvSpPr>
-          <p:cNvPr id="5" name="タイトル 1"/>
+          <p:cNvPr id="6" name="タイトル 1"/>
           <p:cNvSpPr txBox="1">
             <a:spLocks/>
           </p:cNvSpPr>
@@ -18686,8 +19626,8 @@
         </p:nvSpPr>
         <p:spPr>
           <a:xfrm>
-            <a:off x="625931" y="622904"/>
-            <a:ext cx="3682998" cy="643467"/>
+            <a:off x="1295400" y="1269273"/>
+            <a:ext cx="4533899" cy="643467"/>
           </a:xfrm>
           <a:prstGeom prst="rect">
             <a:avLst/>
@@ -18696,7 +19636,7 @@
         </p:spPr>
         <p:txBody>
           <a:bodyPr vert="horz" lIns="91440" tIns="45720" rIns="91440" bIns="45720" rtlCol="0" anchor="ctr">
-            <a:normAutofit fontScale="90000" lnSpcReduction="10000"/>
+            <a:noAutofit/>
           </a:bodyPr>
           <a:lstStyle>
             <a:lvl1pPr algn="ctr" defTabSz="457200" rtl="0" eaLnBrk="1" latinLnBrk="0" hangingPunct="1">
@@ -18780,14 +19720,18 @@
           <a:p>
             <a:pPr algn="l"/>
             <a:r>
-              <a:rPr lang="ja-JP" altLang="en-US" b="1" dirty="0"/>
+              <a:rPr lang="ja-JP" altLang="en-US" sz="6000" b="1" dirty="0"/>
               <a:t>２</a:t>
             </a:r>
             <a:r>
-              <a:rPr lang="ja-JP" altLang="en-US" b="1" dirty="0" smtClean="0"/>
-              <a:t>．概略機能</a:t>
-            </a:r>
-            <a:endParaRPr lang="ja-JP" altLang="en-US" b="1" dirty="0"/>
+              <a:rPr lang="ja-JP" altLang="en-US" sz="6000" b="1" dirty="0" smtClean="0"/>
+              <a:t>．</a:t>
+            </a:r>
+            <a:r>
+              <a:rPr lang="ja-JP" altLang="en-US" sz="6000" b="1" dirty="0"/>
+              <a:t>概略機能</a:t>
+            </a:r>
+            <a:endParaRPr lang="ja-JP" altLang="en-US" sz="6000" b="1" dirty="0"/>
           </a:p>
         </p:txBody>
       </p:sp>
@@ -18863,41 +19807,6 @@
           <a:p>
             <a:pPr algn="ctr"/>
             <a:endParaRPr kumimoji="1" lang="ja-JP" altLang="en-US"/>
-          </a:p>
-        </p:txBody>
-      </p:sp>
-      <p:sp>
-        <p:nvSpPr>
-          <p:cNvPr id="2" name="タイトル 1"/>
-          <p:cNvSpPr>
-            <a:spLocks noGrp="1"/>
-          </p:cNvSpPr>
-          <p:nvPr>
-            <p:ph type="title"/>
-          </p:nvPr>
-        </p:nvSpPr>
-        <p:spPr>
-          <a:xfrm>
-            <a:off x="625931" y="622904"/>
-            <a:ext cx="3682998" cy="643467"/>
-          </a:xfrm>
-        </p:spPr>
-        <p:txBody>
-          <a:bodyPr>
-            <a:normAutofit fontScale="90000"/>
-          </a:bodyPr>
-          <a:lstStyle/>
-          <a:p>
-            <a:pPr algn="l"/>
-            <a:r>
-              <a:rPr lang="ja-JP" altLang="en-US" b="1" dirty="0" smtClean="0"/>
-              <a:t>３</a:t>
-            </a:r>
-            <a:r>
-              <a:rPr kumimoji="1" lang="ja-JP" altLang="en-US" b="1" dirty="0" smtClean="0"/>
-              <a:t>．対象ユーザ</a:t>
-            </a:r>
-            <a:endParaRPr kumimoji="1" lang="ja-JP" altLang="en-US" b="1" dirty="0"/>
           </a:p>
         </p:txBody>
       </p:sp>
@@ -19346,6 +20255,121 @@
           </a:prstGeom>
         </p:spPr>
       </p:pic>
+      <p:sp>
+        <p:nvSpPr>
+          <p:cNvPr id="18" name="タイトル 1"/>
+          <p:cNvSpPr txBox="1">
+            <a:spLocks/>
+          </p:cNvSpPr>
+          <p:nvPr/>
+        </p:nvSpPr>
+        <p:spPr>
+          <a:xfrm>
+            <a:off x="1295400" y="1269273"/>
+            <a:ext cx="5331445" cy="643467"/>
+          </a:xfrm>
+          <a:prstGeom prst="rect">
+            <a:avLst/>
+          </a:prstGeom>
+          <a:effectLst/>
+        </p:spPr>
+        <p:txBody>
+          <a:bodyPr vert="horz" lIns="91440" tIns="45720" rIns="91440" bIns="45720" rtlCol="0" anchor="ctr">
+            <a:noAutofit/>
+          </a:bodyPr>
+          <a:lstStyle>
+            <a:lvl1pPr algn="ctr" defTabSz="457200" rtl="0" eaLnBrk="1" latinLnBrk="0" hangingPunct="1">
+              <a:spcBef>
+                <a:spcPct val="0"/>
+              </a:spcBef>
+              <a:buNone/>
+              <a:defRPr kumimoji="1" sz="4400" kern="1200" cap="none">
+                <a:ln w="3175" cmpd="sng">
+                  <a:noFill/>
+                </a:ln>
+                <a:solidFill>
+                  <a:schemeClr val="tx1">
+                    <a:lumMod val="85000"/>
+                    <a:lumOff val="15000"/>
+                  </a:schemeClr>
+                </a:solidFill>
+                <a:effectLst/>
+                <a:latin typeface="+mj-lt"/>
+                <a:ea typeface="+mj-ea"/>
+                <a:cs typeface="+mj-cs"/>
+              </a:defRPr>
+            </a:lvl1pPr>
+            <a:lvl2pPr eaLnBrk="1" hangingPunct="1">
+              <a:defRPr kumimoji="1">
+                <a:solidFill>
+                  <a:schemeClr val="tx2"/>
+                </a:solidFill>
+              </a:defRPr>
+            </a:lvl2pPr>
+            <a:lvl3pPr eaLnBrk="1" hangingPunct="1">
+              <a:defRPr kumimoji="1">
+                <a:solidFill>
+                  <a:schemeClr val="tx2"/>
+                </a:solidFill>
+              </a:defRPr>
+            </a:lvl3pPr>
+            <a:lvl4pPr eaLnBrk="1" hangingPunct="1">
+              <a:defRPr kumimoji="1">
+                <a:solidFill>
+                  <a:schemeClr val="tx2"/>
+                </a:solidFill>
+              </a:defRPr>
+            </a:lvl4pPr>
+            <a:lvl5pPr eaLnBrk="1" hangingPunct="1">
+              <a:defRPr kumimoji="1">
+                <a:solidFill>
+                  <a:schemeClr val="tx2"/>
+                </a:solidFill>
+              </a:defRPr>
+            </a:lvl5pPr>
+            <a:lvl6pPr eaLnBrk="1" hangingPunct="1">
+              <a:defRPr kumimoji="1">
+                <a:solidFill>
+                  <a:schemeClr val="tx2"/>
+                </a:solidFill>
+              </a:defRPr>
+            </a:lvl6pPr>
+            <a:lvl7pPr eaLnBrk="1" hangingPunct="1">
+              <a:defRPr kumimoji="1">
+                <a:solidFill>
+                  <a:schemeClr val="tx2"/>
+                </a:solidFill>
+              </a:defRPr>
+            </a:lvl7pPr>
+            <a:lvl8pPr eaLnBrk="1" hangingPunct="1">
+              <a:defRPr kumimoji="1">
+                <a:solidFill>
+                  <a:schemeClr val="tx2"/>
+                </a:solidFill>
+              </a:defRPr>
+            </a:lvl8pPr>
+            <a:lvl9pPr eaLnBrk="1" hangingPunct="1">
+              <a:defRPr kumimoji="1">
+                <a:solidFill>
+                  <a:schemeClr val="tx2"/>
+                </a:solidFill>
+              </a:defRPr>
+            </a:lvl9pPr>
+          </a:lstStyle>
+          <a:p>
+            <a:pPr algn="l"/>
+            <a:r>
+              <a:rPr lang="ja-JP" altLang="en-US" sz="6000" b="1" dirty="0"/>
+              <a:t>３</a:t>
+            </a:r>
+            <a:r>
+              <a:rPr lang="ja-JP" altLang="en-US" sz="6000" b="1" dirty="0" smtClean="0"/>
+              <a:t>．対象ユーザ</a:t>
+            </a:r>
+            <a:endParaRPr lang="ja-JP" altLang="en-US" sz="6000" b="1" dirty="0"/>
+          </a:p>
+        </p:txBody>
+      </p:sp>
     </p:spTree>
     <p:extLst>
       <p:ext uri="{BB962C8B-B14F-4D97-AF65-F5344CB8AC3E}">
@@ -19425,14 +20449,14 @@
           <p:nvPr>
             <p:extLst>
               <p:ext uri="{D42A27DB-BD31-4B8C-83A1-F6EECF244321}">
-                <p14:modId xmlns:p14="http://schemas.microsoft.com/office/powerpoint/2010/main" val="636903173"/>
+                <p14:modId xmlns:p14="http://schemas.microsoft.com/office/powerpoint/2010/main" val="1866319163"/>
               </p:ext>
             </p:extLst>
           </p:nvPr>
         </p:nvGraphicFramePr>
         <p:xfrm>
-          <a:off x="1181825" y="928233"/>
-          <a:ext cx="10193311" cy="5282765"/>
+          <a:off x="840449" y="1013577"/>
+          <a:ext cx="10510303" cy="5179959"/>
         </p:xfrm>
         <a:graphic>
           <a:graphicData uri="http://schemas.openxmlformats.org/drawingml/2006/diagram">
@@ -19444,6 +20468,1211 @@
     <p:extLst>
       <p:ext uri="{BB962C8B-B14F-4D97-AF65-F5344CB8AC3E}">
         <p14:creationId xmlns:p14="http://schemas.microsoft.com/office/powerpoint/2010/main" val="2055556377"/>
+      </p:ext>
+    </p:extLst>
+  </p:cSld>
+  <p:clrMapOvr>
+    <a:masterClrMapping/>
+  </p:clrMapOvr>
+  <p:timing>
+    <p:tnLst>
+      <p:par>
+        <p:cTn id="1" dur="indefinite" restart="never" nodeType="tmRoot"/>
+      </p:par>
+    </p:tnLst>
+  </p:timing>
+</p:sld>
+</file>
+
+<file path=ppt/slides/slide7.xml><?xml version="1.0" encoding="utf-8"?>
+<p:sld xmlns:a="http://schemas.openxmlformats.org/drawingml/2006/main" xmlns:r="http://schemas.openxmlformats.org/officeDocument/2006/relationships" xmlns:p="http://schemas.openxmlformats.org/presentationml/2006/main">
+  <p:cSld>
+    <p:spTree>
+      <p:nvGrpSpPr>
+        <p:cNvPr id="1" name=""/>
+        <p:cNvGrpSpPr/>
+        <p:nvPr/>
+      </p:nvGrpSpPr>
+      <p:grpSpPr>
+        <a:xfrm>
+          <a:off x="0" y="0"/>
+          <a:ext cx="0" cy="0"/>
+          <a:chOff x="0" y="0"/>
+          <a:chExt cx="0" cy="0"/>
+        </a:xfrm>
+      </p:grpSpPr>
+      <p:sp>
+        <p:nvSpPr>
+          <p:cNvPr id="3" name="コンテンツ プレースホルダー 2"/>
+          <p:cNvSpPr>
+            <a:spLocks noGrp="1"/>
+          </p:cNvSpPr>
+          <p:nvPr>
+            <p:ph idx="1"/>
+          </p:nvPr>
+        </p:nvSpPr>
+        <p:spPr>
+          <a:xfrm>
+            <a:off x="1295400" y="2010276"/>
+            <a:ext cx="3130294" cy="550837"/>
+          </a:xfrm>
+        </p:spPr>
+        <p:txBody>
+          <a:bodyPr>
+            <a:normAutofit/>
+          </a:bodyPr>
+          <a:lstStyle/>
+          <a:p>
+            <a:pPr marL="0" indent="0">
+              <a:buNone/>
+            </a:pPr>
+            <a:r>
+              <a:rPr lang="ja-JP" altLang="en-US" b="1" dirty="0" smtClean="0"/>
+              <a:t>①　ログイン・ログアウト</a:t>
+            </a:r>
+            <a:endParaRPr kumimoji="1" lang="en-US" altLang="ja-JP" b="1" dirty="0" smtClean="0"/>
+          </a:p>
+        </p:txBody>
+      </p:sp>
+      <p:sp>
+        <p:nvSpPr>
+          <p:cNvPr id="6" name="テキスト ボックス 5"/>
+          <p:cNvSpPr txBox="1"/>
+          <p:nvPr/>
+        </p:nvSpPr>
+        <p:spPr>
+          <a:xfrm>
+            <a:off x="10302018" y="5885339"/>
+            <a:ext cx="1189749" cy="369332"/>
+          </a:xfrm>
+          <a:prstGeom prst="rect">
+            <a:avLst/>
+          </a:prstGeom>
+          <a:noFill/>
+        </p:spPr>
+        <p:txBody>
+          <a:bodyPr wrap="none" rtlCol="0">
+            <a:spAutoFit/>
+          </a:bodyPr>
+          <a:lstStyle/>
+          <a:p>
+            <a:r>
+              <a:rPr kumimoji="1" lang="en-US" altLang="ja-JP" dirty="0"/>
+              <a:t>※</a:t>
+            </a:r>
+            <a:r>
+              <a:rPr kumimoji="1" lang="ja-JP" altLang="en-US" dirty="0" smtClean="0"/>
+              <a:t>イメージ</a:t>
+            </a:r>
+            <a:endParaRPr kumimoji="1" lang="ja-JP" altLang="en-US" dirty="0"/>
+          </a:p>
+        </p:txBody>
+      </p:sp>
+      <p:sp>
+        <p:nvSpPr>
+          <p:cNvPr id="18" name="タイトル 1"/>
+          <p:cNvSpPr txBox="1">
+            <a:spLocks/>
+          </p:cNvSpPr>
+          <p:nvPr/>
+        </p:nvSpPr>
+        <p:spPr>
+          <a:xfrm>
+            <a:off x="1295400" y="1269273"/>
+            <a:ext cx="5331445" cy="643467"/>
+          </a:xfrm>
+          <a:prstGeom prst="rect">
+            <a:avLst/>
+          </a:prstGeom>
+          <a:effectLst/>
+        </p:spPr>
+        <p:txBody>
+          <a:bodyPr vert="horz" lIns="91440" tIns="45720" rIns="91440" bIns="45720" rtlCol="0" anchor="ctr">
+            <a:noAutofit/>
+          </a:bodyPr>
+          <a:lstStyle>
+            <a:lvl1pPr algn="ctr" defTabSz="457200" rtl="0" eaLnBrk="1" latinLnBrk="0" hangingPunct="1">
+              <a:spcBef>
+                <a:spcPct val="0"/>
+              </a:spcBef>
+              <a:buNone/>
+              <a:defRPr kumimoji="1" sz="4400" kern="1200" cap="none">
+                <a:ln w="3175" cmpd="sng">
+                  <a:noFill/>
+                </a:ln>
+                <a:solidFill>
+                  <a:schemeClr val="tx1">
+                    <a:lumMod val="85000"/>
+                    <a:lumOff val="15000"/>
+                  </a:schemeClr>
+                </a:solidFill>
+                <a:effectLst/>
+                <a:latin typeface="+mj-lt"/>
+                <a:ea typeface="+mj-ea"/>
+                <a:cs typeface="+mj-cs"/>
+              </a:defRPr>
+            </a:lvl1pPr>
+            <a:lvl2pPr eaLnBrk="1" hangingPunct="1">
+              <a:defRPr kumimoji="1">
+                <a:solidFill>
+                  <a:schemeClr val="tx2"/>
+                </a:solidFill>
+              </a:defRPr>
+            </a:lvl2pPr>
+            <a:lvl3pPr eaLnBrk="1" hangingPunct="1">
+              <a:defRPr kumimoji="1">
+                <a:solidFill>
+                  <a:schemeClr val="tx2"/>
+                </a:solidFill>
+              </a:defRPr>
+            </a:lvl3pPr>
+            <a:lvl4pPr eaLnBrk="1" hangingPunct="1">
+              <a:defRPr kumimoji="1">
+                <a:solidFill>
+                  <a:schemeClr val="tx2"/>
+                </a:solidFill>
+              </a:defRPr>
+            </a:lvl4pPr>
+            <a:lvl5pPr eaLnBrk="1" hangingPunct="1">
+              <a:defRPr kumimoji="1">
+                <a:solidFill>
+                  <a:schemeClr val="tx2"/>
+                </a:solidFill>
+              </a:defRPr>
+            </a:lvl5pPr>
+            <a:lvl6pPr eaLnBrk="1" hangingPunct="1">
+              <a:defRPr kumimoji="1">
+                <a:solidFill>
+                  <a:schemeClr val="tx2"/>
+                </a:solidFill>
+              </a:defRPr>
+            </a:lvl6pPr>
+            <a:lvl7pPr eaLnBrk="1" hangingPunct="1">
+              <a:defRPr kumimoji="1">
+                <a:solidFill>
+                  <a:schemeClr val="tx2"/>
+                </a:solidFill>
+              </a:defRPr>
+            </a:lvl7pPr>
+            <a:lvl8pPr eaLnBrk="1" hangingPunct="1">
+              <a:defRPr kumimoji="1">
+                <a:solidFill>
+                  <a:schemeClr val="tx2"/>
+                </a:solidFill>
+              </a:defRPr>
+            </a:lvl8pPr>
+            <a:lvl9pPr eaLnBrk="1" hangingPunct="1">
+              <a:defRPr kumimoji="1">
+                <a:solidFill>
+                  <a:schemeClr val="tx2"/>
+                </a:solidFill>
+              </a:defRPr>
+            </a:lvl9pPr>
+          </a:lstStyle>
+          <a:p>
+            <a:pPr algn="l"/>
+            <a:r>
+              <a:rPr lang="ja-JP" altLang="en-US" sz="6000" b="1" dirty="0"/>
+              <a:t>５</a:t>
+            </a:r>
+            <a:r>
+              <a:rPr lang="ja-JP" altLang="en-US" sz="6000" b="1" dirty="0" smtClean="0"/>
+              <a:t>．機能一覧</a:t>
+            </a:r>
+            <a:endParaRPr lang="ja-JP" altLang="en-US" sz="6000" b="1" dirty="0"/>
+          </a:p>
+        </p:txBody>
+      </p:sp>
+      <p:sp>
+        <p:nvSpPr>
+          <p:cNvPr id="2" name="テキスト ボックス 1"/>
+          <p:cNvSpPr txBox="1"/>
+          <p:nvPr/>
+        </p:nvSpPr>
+        <p:spPr>
+          <a:xfrm>
+            <a:off x="1536192" y="2561113"/>
+            <a:ext cx="6345007" cy="1446550"/>
+          </a:xfrm>
+          <a:prstGeom prst="rect">
+            <a:avLst/>
+          </a:prstGeom>
+          <a:noFill/>
+        </p:spPr>
+        <p:txBody>
+          <a:bodyPr wrap="none" rtlCol="0">
+            <a:spAutoFit/>
+          </a:bodyPr>
+          <a:lstStyle/>
+          <a:p>
+            <a:pPr marL="285750" indent="-285750">
+              <a:buFont typeface="Wingdings" panose="05000000000000000000" pitchFamily="2" charset="2"/>
+              <a:buChar char="Ø"/>
+            </a:pPr>
+            <a:r>
+              <a:rPr kumimoji="1" lang="ja-JP" altLang="en-US" sz="2400" b="1" u="sng" dirty="0" smtClean="0"/>
+              <a:t>ログイン</a:t>
+            </a:r>
+            <a:endParaRPr kumimoji="1" lang="en-US" altLang="ja-JP" sz="2400" b="1" u="sng" dirty="0" smtClean="0"/>
+          </a:p>
+          <a:p>
+            <a:r>
+              <a:rPr kumimoji="1" lang="en-US" altLang="ja-JP" sz="2000" dirty="0" smtClean="0"/>
+              <a:t>	ID</a:t>
+            </a:r>
+            <a:r>
+              <a:rPr kumimoji="1" lang="ja-JP" altLang="en-US" sz="2000" dirty="0" smtClean="0"/>
+              <a:t>・パスワードを入力するとシステムにログインできる。</a:t>
+            </a:r>
+            <a:endParaRPr kumimoji="1" lang="en-US" altLang="ja-JP" sz="2000" dirty="0"/>
+          </a:p>
+          <a:p>
+            <a:pPr marL="342900" indent="-342900">
+              <a:buFont typeface="Wingdings" panose="05000000000000000000" pitchFamily="2" charset="2"/>
+              <a:buChar char="Ø"/>
+            </a:pPr>
+            <a:r>
+              <a:rPr kumimoji="1" lang="ja-JP" altLang="en-US" sz="2400" b="1" u="sng" dirty="0" smtClean="0"/>
+              <a:t>ログアウト</a:t>
+            </a:r>
+            <a:endParaRPr kumimoji="1" lang="en-US" altLang="ja-JP" sz="2400" b="1" u="sng" dirty="0" smtClean="0"/>
+          </a:p>
+          <a:p>
+            <a:r>
+              <a:rPr kumimoji="1" lang="en-US" altLang="ja-JP" sz="2000" b="1" dirty="0"/>
+              <a:t>	</a:t>
+            </a:r>
+            <a:r>
+              <a:rPr kumimoji="1" lang="ja-JP" altLang="en-US" sz="2000" dirty="0" smtClean="0"/>
+              <a:t>システムからログアウトができる</a:t>
+            </a:r>
+            <a:r>
+              <a:rPr kumimoji="1" lang="ja-JP" altLang="en-US" sz="2000" b="1" dirty="0" smtClean="0"/>
+              <a:t>。</a:t>
+            </a:r>
+            <a:endParaRPr kumimoji="1" lang="en-US" altLang="ja-JP" sz="2000" dirty="0" smtClean="0"/>
+          </a:p>
+        </p:txBody>
+      </p:sp>
+      <p:pic>
+        <p:nvPicPr>
+          <p:cNvPr id="4" name="図 3"/>
+          <p:cNvPicPr>
+            <a:picLocks noChangeAspect="1"/>
+          </p:cNvPicPr>
+          <p:nvPr/>
+        </p:nvPicPr>
+        <p:blipFill>
+          <a:blip r:embed="rId2">
+            <a:extLst>
+              <a:ext uri="{28A0092B-C50C-407E-A947-70E740481C1C}">
+                <a14:useLocalDpi xmlns:a14="http://schemas.microsoft.com/office/drawing/2010/main" val="0"/>
+              </a:ext>
+            </a:extLst>
+          </a:blip>
+          <a:stretch>
+            <a:fillRect/>
+          </a:stretch>
+        </p:blipFill>
+        <p:spPr>
+          <a:xfrm>
+            <a:off x="7881199" y="3286418"/>
+            <a:ext cx="3263051" cy="2491784"/>
+          </a:xfrm>
+          <a:prstGeom prst="rect">
+            <a:avLst/>
+          </a:prstGeom>
+        </p:spPr>
+      </p:pic>
+    </p:spTree>
+    <p:extLst>
+      <p:ext uri="{BB962C8B-B14F-4D97-AF65-F5344CB8AC3E}">
+        <p14:creationId xmlns:p14="http://schemas.microsoft.com/office/powerpoint/2010/main" val="2534187137"/>
+      </p:ext>
+    </p:extLst>
+  </p:cSld>
+  <p:clrMapOvr>
+    <a:masterClrMapping/>
+  </p:clrMapOvr>
+  <p:timing>
+    <p:tnLst>
+      <p:par>
+        <p:cTn id="1" dur="indefinite" restart="never" nodeType="tmRoot"/>
+      </p:par>
+    </p:tnLst>
+  </p:timing>
+</p:sld>
+</file>
+
+<file path=ppt/slides/slide8.xml><?xml version="1.0" encoding="utf-8"?>
+<p:sld xmlns:a="http://schemas.openxmlformats.org/drawingml/2006/main" xmlns:r="http://schemas.openxmlformats.org/officeDocument/2006/relationships" xmlns:p="http://schemas.openxmlformats.org/presentationml/2006/main">
+  <p:cSld>
+    <p:spTree>
+      <p:nvGrpSpPr>
+        <p:cNvPr id="1" name=""/>
+        <p:cNvGrpSpPr/>
+        <p:nvPr/>
+      </p:nvGrpSpPr>
+      <p:grpSpPr>
+        <a:xfrm>
+          <a:off x="0" y="0"/>
+          <a:ext cx="0" cy="0"/>
+          <a:chOff x="0" y="0"/>
+          <a:chExt cx="0" cy="0"/>
+        </a:xfrm>
+      </p:grpSpPr>
+      <p:sp>
+        <p:nvSpPr>
+          <p:cNvPr id="3" name="コンテンツ プレースホルダー 2"/>
+          <p:cNvSpPr>
+            <a:spLocks noGrp="1"/>
+          </p:cNvSpPr>
+          <p:nvPr>
+            <p:ph idx="1"/>
+          </p:nvPr>
+        </p:nvSpPr>
+        <p:spPr>
+          <a:xfrm>
+            <a:off x="1295400" y="2010276"/>
+            <a:ext cx="3130294" cy="550837"/>
+          </a:xfrm>
+        </p:spPr>
+        <p:txBody>
+          <a:bodyPr>
+            <a:normAutofit/>
+          </a:bodyPr>
+          <a:lstStyle/>
+          <a:p>
+            <a:pPr marL="0" indent="0">
+              <a:buNone/>
+            </a:pPr>
+            <a:r>
+              <a:rPr lang="ja-JP" altLang="en-US" b="1" dirty="0"/>
+              <a:t>②</a:t>
+            </a:r>
+            <a:r>
+              <a:rPr lang="ja-JP" altLang="en-US" b="1" dirty="0" smtClean="0"/>
+              <a:t>　ユーザ管理機能</a:t>
+            </a:r>
+            <a:endParaRPr kumimoji="1" lang="en-US" altLang="ja-JP" b="1" dirty="0" smtClean="0"/>
+          </a:p>
+        </p:txBody>
+      </p:sp>
+      <p:sp>
+        <p:nvSpPr>
+          <p:cNvPr id="6" name="テキスト ボックス 5"/>
+          <p:cNvSpPr txBox="1"/>
+          <p:nvPr/>
+        </p:nvSpPr>
+        <p:spPr>
+          <a:xfrm>
+            <a:off x="10302018" y="5885339"/>
+            <a:ext cx="1189749" cy="369332"/>
+          </a:xfrm>
+          <a:prstGeom prst="rect">
+            <a:avLst/>
+          </a:prstGeom>
+          <a:noFill/>
+        </p:spPr>
+        <p:txBody>
+          <a:bodyPr wrap="none" rtlCol="0">
+            <a:spAutoFit/>
+          </a:bodyPr>
+          <a:lstStyle/>
+          <a:p>
+            <a:r>
+              <a:rPr kumimoji="1" lang="en-US" altLang="ja-JP" dirty="0"/>
+              <a:t>※</a:t>
+            </a:r>
+            <a:r>
+              <a:rPr kumimoji="1" lang="ja-JP" altLang="en-US" dirty="0" smtClean="0"/>
+              <a:t>イメージ</a:t>
+            </a:r>
+            <a:endParaRPr kumimoji="1" lang="ja-JP" altLang="en-US" dirty="0"/>
+          </a:p>
+        </p:txBody>
+      </p:sp>
+      <p:sp>
+        <p:nvSpPr>
+          <p:cNvPr id="18" name="タイトル 1"/>
+          <p:cNvSpPr txBox="1">
+            <a:spLocks/>
+          </p:cNvSpPr>
+          <p:nvPr/>
+        </p:nvSpPr>
+        <p:spPr>
+          <a:xfrm>
+            <a:off x="1295400" y="1269273"/>
+            <a:ext cx="5331445" cy="643467"/>
+          </a:xfrm>
+          <a:prstGeom prst="rect">
+            <a:avLst/>
+          </a:prstGeom>
+          <a:effectLst/>
+        </p:spPr>
+        <p:txBody>
+          <a:bodyPr vert="horz" lIns="91440" tIns="45720" rIns="91440" bIns="45720" rtlCol="0" anchor="ctr">
+            <a:noAutofit/>
+          </a:bodyPr>
+          <a:lstStyle>
+            <a:lvl1pPr algn="ctr" defTabSz="457200" rtl="0" eaLnBrk="1" latinLnBrk="0" hangingPunct="1">
+              <a:spcBef>
+                <a:spcPct val="0"/>
+              </a:spcBef>
+              <a:buNone/>
+              <a:defRPr kumimoji="1" sz="4400" kern="1200" cap="none">
+                <a:ln w="3175" cmpd="sng">
+                  <a:noFill/>
+                </a:ln>
+                <a:solidFill>
+                  <a:schemeClr val="tx1">
+                    <a:lumMod val="85000"/>
+                    <a:lumOff val="15000"/>
+                  </a:schemeClr>
+                </a:solidFill>
+                <a:effectLst/>
+                <a:latin typeface="+mj-lt"/>
+                <a:ea typeface="+mj-ea"/>
+                <a:cs typeface="+mj-cs"/>
+              </a:defRPr>
+            </a:lvl1pPr>
+            <a:lvl2pPr eaLnBrk="1" hangingPunct="1">
+              <a:defRPr kumimoji="1">
+                <a:solidFill>
+                  <a:schemeClr val="tx2"/>
+                </a:solidFill>
+              </a:defRPr>
+            </a:lvl2pPr>
+            <a:lvl3pPr eaLnBrk="1" hangingPunct="1">
+              <a:defRPr kumimoji="1">
+                <a:solidFill>
+                  <a:schemeClr val="tx2"/>
+                </a:solidFill>
+              </a:defRPr>
+            </a:lvl3pPr>
+            <a:lvl4pPr eaLnBrk="1" hangingPunct="1">
+              <a:defRPr kumimoji="1">
+                <a:solidFill>
+                  <a:schemeClr val="tx2"/>
+                </a:solidFill>
+              </a:defRPr>
+            </a:lvl4pPr>
+            <a:lvl5pPr eaLnBrk="1" hangingPunct="1">
+              <a:defRPr kumimoji="1">
+                <a:solidFill>
+                  <a:schemeClr val="tx2"/>
+                </a:solidFill>
+              </a:defRPr>
+            </a:lvl5pPr>
+            <a:lvl6pPr eaLnBrk="1" hangingPunct="1">
+              <a:defRPr kumimoji="1">
+                <a:solidFill>
+                  <a:schemeClr val="tx2"/>
+                </a:solidFill>
+              </a:defRPr>
+            </a:lvl6pPr>
+            <a:lvl7pPr eaLnBrk="1" hangingPunct="1">
+              <a:defRPr kumimoji="1">
+                <a:solidFill>
+                  <a:schemeClr val="tx2"/>
+                </a:solidFill>
+              </a:defRPr>
+            </a:lvl7pPr>
+            <a:lvl8pPr eaLnBrk="1" hangingPunct="1">
+              <a:defRPr kumimoji="1">
+                <a:solidFill>
+                  <a:schemeClr val="tx2"/>
+                </a:solidFill>
+              </a:defRPr>
+            </a:lvl8pPr>
+            <a:lvl9pPr eaLnBrk="1" hangingPunct="1">
+              <a:defRPr kumimoji="1">
+                <a:solidFill>
+                  <a:schemeClr val="tx2"/>
+                </a:solidFill>
+              </a:defRPr>
+            </a:lvl9pPr>
+          </a:lstStyle>
+          <a:p>
+            <a:pPr algn="l"/>
+            <a:r>
+              <a:rPr lang="ja-JP" altLang="en-US" sz="6000" b="1" dirty="0"/>
+              <a:t>５</a:t>
+            </a:r>
+            <a:r>
+              <a:rPr lang="ja-JP" altLang="en-US" sz="6000" b="1" dirty="0" smtClean="0"/>
+              <a:t>．機能一覧</a:t>
+            </a:r>
+            <a:endParaRPr lang="ja-JP" altLang="en-US" sz="6000" b="1" dirty="0"/>
+          </a:p>
+        </p:txBody>
+      </p:sp>
+      <p:sp>
+        <p:nvSpPr>
+          <p:cNvPr id="2" name="テキスト ボックス 1"/>
+          <p:cNvSpPr txBox="1"/>
+          <p:nvPr/>
+        </p:nvSpPr>
+        <p:spPr>
+          <a:xfrm>
+            <a:off x="804672" y="2561113"/>
+            <a:ext cx="7795724" cy="3662541"/>
+          </a:xfrm>
+          <a:prstGeom prst="rect">
+            <a:avLst/>
+          </a:prstGeom>
+          <a:noFill/>
+        </p:spPr>
+        <p:txBody>
+          <a:bodyPr wrap="none" rtlCol="0">
+            <a:spAutoFit/>
+          </a:bodyPr>
+          <a:lstStyle/>
+          <a:p>
+            <a:pPr marL="285750" indent="-285750">
+              <a:buFont typeface="Wingdings" panose="05000000000000000000" pitchFamily="2" charset="2"/>
+              <a:buChar char="Ø"/>
+            </a:pPr>
+            <a:r>
+              <a:rPr kumimoji="1" lang="ja-JP" altLang="en-US" sz="2400" b="1" u="sng" dirty="0" smtClean="0"/>
+              <a:t>ユーザ登録</a:t>
+            </a:r>
+            <a:endParaRPr kumimoji="1" lang="en-US" altLang="ja-JP" sz="2400" b="1" u="sng" dirty="0" smtClean="0"/>
+          </a:p>
+          <a:p>
+            <a:r>
+              <a:rPr kumimoji="1" lang="en-US" altLang="ja-JP" sz="2000" dirty="0" smtClean="0"/>
+              <a:t>	ID</a:t>
+            </a:r>
+            <a:r>
+              <a:rPr kumimoji="1" lang="ja-JP" altLang="en-US" sz="2000" dirty="0" smtClean="0"/>
+              <a:t>・名前・メール・パスワードを登録するとシステムにログインできる。</a:t>
+            </a:r>
+            <a:endParaRPr kumimoji="1" lang="en-US" altLang="ja-JP" sz="2000" dirty="0" smtClean="0"/>
+          </a:p>
+          <a:p>
+            <a:r>
+              <a:rPr kumimoji="1" lang="en-US" altLang="ja-JP" sz="2000" dirty="0" smtClean="0"/>
+              <a:t>	</a:t>
+            </a:r>
+            <a:r>
+              <a:rPr kumimoji="1" lang="ja-JP" altLang="en-US" sz="2000" dirty="0" smtClean="0"/>
+              <a:t>すでに登録のある</a:t>
+            </a:r>
+            <a:r>
+              <a:rPr kumimoji="1" lang="en-US" altLang="ja-JP" sz="2000" dirty="0" smtClean="0"/>
+              <a:t>ID</a:t>
+            </a:r>
+            <a:r>
+              <a:rPr kumimoji="1" lang="ja-JP" altLang="en-US" sz="2000" dirty="0" smtClean="0"/>
+              <a:t>・メールは登録できない。</a:t>
+            </a:r>
+            <a:endParaRPr kumimoji="1" lang="en-US" altLang="ja-JP" sz="2000" dirty="0" smtClean="0"/>
+          </a:p>
+          <a:p>
+            <a:r>
+              <a:rPr kumimoji="1" lang="en-US" altLang="ja-JP" sz="2000" dirty="0"/>
+              <a:t>	</a:t>
+            </a:r>
+            <a:r>
+              <a:rPr kumimoji="1" lang="ja-JP" altLang="en-US" sz="2000" dirty="0" smtClean="0"/>
+              <a:t>個人スケジュールが使用できる。</a:t>
+            </a:r>
+            <a:endParaRPr kumimoji="1" lang="en-US" altLang="ja-JP" sz="2000" dirty="0" smtClean="0"/>
+          </a:p>
+          <a:p>
+            <a:pPr marL="285750" indent="-285750">
+              <a:buFont typeface="Wingdings" panose="05000000000000000000" pitchFamily="2" charset="2"/>
+              <a:buChar char="Ø"/>
+            </a:pPr>
+            <a:r>
+              <a:rPr kumimoji="1" lang="ja-JP" altLang="en-US" sz="2400" b="1" u="sng" dirty="0" smtClean="0"/>
+              <a:t>ユーザ情報変更</a:t>
+            </a:r>
+            <a:endParaRPr kumimoji="1" lang="en-US" altLang="ja-JP" sz="2400" b="1" u="sng" dirty="0" smtClean="0"/>
+          </a:p>
+          <a:p>
+            <a:r>
+              <a:rPr kumimoji="1" lang="en-US" altLang="ja-JP" sz="2000" b="1" dirty="0"/>
+              <a:t>	</a:t>
+            </a:r>
+            <a:r>
+              <a:rPr kumimoji="1" lang="ja-JP" altLang="en-US" sz="2000" dirty="0" smtClean="0"/>
+              <a:t>登録したユーザ情報の変更ができる。</a:t>
+            </a:r>
+            <a:endParaRPr kumimoji="1" lang="en-US" altLang="ja-JP" sz="2000" dirty="0" smtClean="0"/>
+          </a:p>
+          <a:p>
+            <a:r>
+              <a:rPr kumimoji="1" lang="en-US" altLang="ja-JP" sz="2000" dirty="0"/>
+              <a:t>	</a:t>
+            </a:r>
+            <a:r>
+              <a:rPr kumimoji="1" lang="ja-JP" altLang="en-US" sz="2000" dirty="0" smtClean="0"/>
+              <a:t>システム管理者・登録者本のみ変更が可能。</a:t>
+            </a:r>
+            <a:endParaRPr kumimoji="1" lang="en-US" altLang="ja-JP" sz="2000" dirty="0" smtClean="0"/>
+          </a:p>
+          <a:p>
+            <a:pPr marL="285750" indent="-285750">
+              <a:buFont typeface="Wingdings" panose="05000000000000000000" pitchFamily="2" charset="2"/>
+              <a:buChar char="Ø"/>
+            </a:pPr>
+            <a:r>
+              <a:rPr kumimoji="1" lang="ja-JP" altLang="en-US" sz="2400" b="1" u="sng" dirty="0" smtClean="0"/>
+              <a:t>ユーザ情報削除</a:t>
+            </a:r>
+            <a:endParaRPr kumimoji="1" lang="en-US" altLang="ja-JP" sz="2400" b="1" u="sng" dirty="0" smtClean="0"/>
+          </a:p>
+          <a:p>
+            <a:r>
+              <a:rPr kumimoji="1" lang="en-US" altLang="ja-JP" sz="2000" dirty="0"/>
+              <a:t>	</a:t>
+            </a:r>
+            <a:r>
+              <a:rPr kumimoji="1" lang="ja-JP" altLang="en-US" sz="2000" dirty="0" smtClean="0"/>
+              <a:t>登録したユーザ情報の削除ができる。</a:t>
+            </a:r>
+            <a:endParaRPr kumimoji="1" lang="en-US" altLang="ja-JP" sz="2000" dirty="0" smtClean="0"/>
+          </a:p>
+          <a:p>
+            <a:r>
+              <a:rPr kumimoji="1" lang="en-US" altLang="ja-JP" sz="2000" dirty="0" smtClean="0"/>
+              <a:t>	</a:t>
+            </a:r>
+            <a:r>
+              <a:rPr kumimoji="1" lang="ja-JP" altLang="en-US" sz="2000" dirty="0" smtClean="0"/>
+              <a:t>システム</a:t>
+            </a:r>
+            <a:r>
+              <a:rPr kumimoji="1" lang="ja-JP" altLang="en-US" sz="2000" dirty="0"/>
+              <a:t>管理者・登録者</a:t>
+            </a:r>
+            <a:r>
+              <a:rPr kumimoji="1" lang="ja-JP" altLang="en-US" sz="2000" dirty="0" smtClean="0"/>
+              <a:t>本人のみ</a:t>
+            </a:r>
+            <a:r>
+              <a:rPr kumimoji="1" lang="ja-JP" altLang="en-US" sz="2000" dirty="0"/>
+              <a:t>削除</a:t>
+            </a:r>
+            <a:r>
+              <a:rPr kumimoji="1" lang="ja-JP" altLang="en-US" sz="2000" dirty="0" smtClean="0"/>
+              <a:t>が</a:t>
+            </a:r>
+            <a:r>
+              <a:rPr kumimoji="1" lang="ja-JP" altLang="en-US" sz="2000" dirty="0"/>
+              <a:t>可能</a:t>
+            </a:r>
+            <a:r>
+              <a:rPr kumimoji="1" lang="ja-JP" altLang="en-US" sz="2000" dirty="0" smtClean="0"/>
+              <a:t>。</a:t>
+            </a:r>
+            <a:endParaRPr kumimoji="1" lang="en-US" altLang="ja-JP" sz="2000" dirty="0"/>
+          </a:p>
+          <a:p>
+            <a:endParaRPr kumimoji="1" lang="ja-JP" altLang="en-US" sz="2000" dirty="0"/>
+          </a:p>
+        </p:txBody>
+      </p:sp>
+      <p:pic>
+        <p:nvPicPr>
+          <p:cNvPr id="19" name="図 18"/>
+          <p:cNvPicPr>
+            <a:picLocks noChangeAspect="1"/>
+          </p:cNvPicPr>
+          <p:nvPr/>
+        </p:nvPicPr>
+        <p:blipFill>
+          <a:blip r:embed="rId2">
+            <a:extLst>
+              <a:ext uri="{28A0092B-C50C-407E-A947-70E740481C1C}">
+                <a14:useLocalDpi xmlns:a14="http://schemas.microsoft.com/office/drawing/2010/main" val="0"/>
+              </a:ext>
+            </a:extLst>
+          </a:blip>
+          <a:stretch>
+            <a:fillRect/>
+          </a:stretch>
+        </p:blipFill>
+        <p:spPr>
+          <a:xfrm>
+            <a:off x="7973639" y="3336982"/>
+            <a:ext cx="3198137" cy="2548357"/>
+          </a:xfrm>
+          <a:prstGeom prst="rect">
+            <a:avLst/>
+          </a:prstGeom>
+        </p:spPr>
+      </p:pic>
+    </p:spTree>
+    <p:extLst>
+      <p:ext uri="{BB962C8B-B14F-4D97-AF65-F5344CB8AC3E}">
+        <p14:creationId xmlns:p14="http://schemas.microsoft.com/office/powerpoint/2010/main" val="2735919413"/>
+      </p:ext>
+    </p:extLst>
+  </p:cSld>
+  <p:clrMapOvr>
+    <a:masterClrMapping/>
+  </p:clrMapOvr>
+  <p:timing>
+    <p:tnLst>
+      <p:par>
+        <p:cTn id="1" dur="indefinite" restart="never" nodeType="tmRoot"/>
+      </p:par>
+    </p:tnLst>
+  </p:timing>
+</p:sld>
+</file>
+
+<file path=ppt/slides/slide9.xml><?xml version="1.0" encoding="utf-8"?>
+<p:sld xmlns:a="http://schemas.openxmlformats.org/drawingml/2006/main" xmlns:r="http://schemas.openxmlformats.org/officeDocument/2006/relationships" xmlns:p="http://schemas.openxmlformats.org/presentationml/2006/main">
+  <p:cSld>
+    <p:spTree>
+      <p:nvGrpSpPr>
+        <p:cNvPr id="1" name=""/>
+        <p:cNvGrpSpPr/>
+        <p:nvPr/>
+      </p:nvGrpSpPr>
+      <p:grpSpPr>
+        <a:xfrm>
+          <a:off x="0" y="0"/>
+          <a:ext cx="0" cy="0"/>
+          <a:chOff x="0" y="0"/>
+          <a:chExt cx="0" cy="0"/>
+        </a:xfrm>
+      </p:grpSpPr>
+      <p:sp>
+        <p:nvSpPr>
+          <p:cNvPr id="3" name="コンテンツ プレースホルダー 2"/>
+          <p:cNvSpPr>
+            <a:spLocks noGrp="1"/>
+          </p:cNvSpPr>
+          <p:nvPr>
+            <p:ph idx="1"/>
+          </p:nvPr>
+        </p:nvSpPr>
+        <p:spPr>
+          <a:xfrm>
+            <a:off x="1295400" y="2010276"/>
+            <a:ext cx="3130294" cy="550837"/>
+          </a:xfrm>
+        </p:spPr>
+        <p:txBody>
+          <a:bodyPr>
+            <a:normAutofit/>
+          </a:bodyPr>
+          <a:lstStyle/>
+          <a:p>
+            <a:pPr marL="0" indent="0">
+              <a:buNone/>
+            </a:pPr>
+            <a:r>
+              <a:rPr lang="ja-JP" altLang="en-US" b="1" dirty="0"/>
+              <a:t>③</a:t>
+            </a:r>
+            <a:r>
+              <a:rPr lang="ja-JP" altLang="en-US" b="1" dirty="0" smtClean="0"/>
+              <a:t>　グループ管理機能</a:t>
+            </a:r>
+            <a:endParaRPr kumimoji="1" lang="en-US" altLang="ja-JP" b="1" dirty="0" smtClean="0"/>
+          </a:p>
+        </p:txBody>
+      </p:sp>
+      <p:sp>
+        <p:nvSpPr>
+          <p:cNvPr id="6" name="テキスト ボックス 5"/>
+          <p:cNvSpPr txBox="1"/>
+          <p:nvPr/>
+        </p:nvSpPr>
+        <p:spPr>
+          <a:xfrm>
+            <a:off x="10302018" y="5885339"/>
+            <a:ext cx="1189749" cy="369332"/>
+          </a:xfrm>
+          <a:prstGeom prst="rect">
+            <a:avLst/>
+          </a:prstGeom>
+          <a:noFill/>
+        </p:spPr>
+        <p:txBody>
+          <a:bodyPr wrap="none" rtlCol="0">
+            <a:spAutoFit/>
+          </a:bodyPr>
+          <a:lstStyle/>
+          <a:p>
+            <a:r>
+              <a:rPr kumimoji="1" lang="en-US" altLang="ja-JP" dirty="0"/>
+              <a:t>※</a:t>
+            </a:r>
+            <a:r>
+              <a:rPr kumimoji="1" lang="ja-JP" altLang="en-US" dirty="0" smtClean="0"/>
+              <a:t>イメージ</a:t>
+            </a:r>
+            <a:endParaRPr kumimoji="1" lang="ja-JP" altLang="en-US" dirty="0"/>
+          </a:p>
+        </p:txBody>
+      </p:sp>
+      <p:sp>
+        <p:nvSpPr>
+          <p:cNvPr id="18" name="タイトル 1"/>
+          <p:cNvSpPr txBox="1">
+            <a:spLocks/>
+          </p:cNvSpPr>
+          <p:nvPr/>
+        </p:nvSpPr>
+        <p:spPr>
+          <a:xfrm>
+            <a:off x="1295400" y="1269273"/>
+            <a:ext cx="5331445" cy="643467"/>
+          </a:xfrm>
+          <a:prstGeom prst="rect">
+            <a:avLst/>
+          </a:prstGeom>
+          <a:effectLst/>
+        </p:spPr>
+        <p:txBody>
+          <a:bodyPr vert="horz" lIns="91440" tIns="45720" rIns="91440" bIns="45720" rtlCol="0" anchor="ctr">
+            <a:noAutofit/>
+          </a:bodyPr>
+          <a:lstStyle>
+            <a:lvl1pPr algn="ctr" defTabSz="457200" rtl="0" eaLnBrk="1" latinLnBrk="0" hangingPunct="1">
+              <a:spcBef>
+                <a:spcPct val="0"/>
+              </a:spcBef>
+              <a:buNone/>
+              <a:defRPr kumimoji="1" sz="4400" kern="1200" cap="none">
+                <a:ln w="3175" cmpd="sng">
+                  <a:noFill/>
+                </a:ln>
+                <a:solidFill>
+                  <a:schemeClr val="tx1">
+                    <a:lumMod val="85000"/>
+                    <a:lumOff val="15000"/>
+                  </a:schemeClr>
+                </a:solidFill>
+                <a:effectLst/>
+                <a:latin typeface="+mj-lt"/>
+                <a:ea typeface="+mj-ea"/>
+                <a:cs typeface="+mj-cs"/>
+              </a:defRPr>
+            </a:lvl1pPr>
+            <a:lvl2pPr eaLnBrk="1" hangingPunct="1">
+              <a:defRPr kumimoji="1">
+                <a:solidFill>
+                  <a:schemeClr val="tx2"/>
+                </a:solidFill>
+              </a:defRPr>
+            </a:lvl2pPr>
+            <a:lvl3pPr eaLnBrk="1" hangingPunct="1">
+              <a:defRPr kumimoji="1">
+                <a:solidFill>
+                  <a:schemeClr val="tx2"/>
+                </a:solidFill>
+              </a:defRPr>
+            </a:lvl3pPr>
+            <a:lvl4pPr eaLnBrk="1" hangingPunct="1">
+              <a:defRPr kumimoji="1">
+                <a:solidFill>
+                  <a:schemeClr val="tx2"/>
+                </a:solidFill>
+              </a:defRPr>
+            </a:lvl4pPr>
+            <a:lvl5pPr eaLnBrk="1" hangingPunct="1">
+              <a:defRPr kumimoji="1">
+                <a:solidFill>
+                  <a:schemeClr val="tx2"/>
+                </a:solidFill>
+              </a:defRPr>
+            </a:lvl5pPr>
+            <a:lvl6pPr eaLnBrk="1" hangingPunct="1">
+              <a:defRPr kumimoji="1">
+                <a:solidFill>
+                  <a:schemeClr val="tx2"/>
+                </a:solidFill>
+              </a:defRPr>
+            </a:lvl6pPr>
+            <a:lvl7pPr eaLnBrk="1" hangingPunct="1">
+              <a:defRPr kumimoji="1">
+                <a:solidFill>
+                  <a:schemeClr val="tx2"/>
+                </a:solidFill>
+              </a:defRPr>
+            </a:lvl7pPr>
+            <a:lvl8pPr eaLnBrk="1" hangingPunct="1">
+              <a:defRPr kumimoji="1">
+                <a:solidFill>
+                  <a:schemeClr val="tx2"/>
+                </a:solidFill>
+              </a:defRPr>
+            </a:lvl8pPr>
+            <a:lvl9pPr eaLnBrk="1" hangingPunct="1">
+              <a:defRPr kumimoji="1">
+                <a:solidFill>
+                  <a:schemeClr val="tx2"/>
+                </a:solidFill>
+              </a:defRPr>
+            </a:lvl9pPr>
+          </a:lstStyle>
+          <a:p>
+            <a:pPr algn="l"/>
+            <a:r>
+              <a:rPr lang="ja-JP" altLang="en-US" sz="6000" b="1" dirty="0"/>
+              <a:t>５</a:t>
+            </a:r>
+            <a:r>
+              <a:rPr lang="ja-JP" altLang="en-US" sz="6000" b="1" dirty="0" smtClean="0"/>
+              <a:t>．機能一覧</a:t>
+            </a:r>
+            <a:endParaRPr lang="ja-JP" altLang="en-US" sz="6000" b="1" dirty="0"/>
+          </a:p>
+        </p:txBody>
+      </p:sp>
+      <p:sp>
+        <p:nvSpPr>
+          <p:cNvPr id="2" name="テキスト ボックス 1"/>
+          <p:cNvSpPr txBox="1"/>
+          <p:nvPr/>
+        </p:nvSpPr>
+        <p:spPr>
+          <a:xfrm>
+            <a:off x="789420" y="2561113"/>
+            <a:ext cx="6343403" cy="3970318"/>
+          </a:xfrm>
+          <a:prstGeom prst="rect">
+            <a:avLst/>
+          </a:prstGeom>
+          <a:noFill/>
+        </p:spPr>
+        <p:txBody>
+          <a:bodyPr wrap="none" rtlCol="0">
+            <a:spAutoFit/>
+          </a:bodyPr>
+          <a:lstStyle/>
+          <a:p>
+            <a:pPr marL="285750" indent="-285750">
+              <a:buFont typeface="Wingdings" panose="05000000000000000000" pitchFamily="2" charset="2"/>
+              <a:buChar char="Ø"/>
+            </a:pPr>
+            <a:r>
+              <a:rPr kumimoji="1" lang="ja-JP" altLang="en-US" sz="2400" b="1" u="sng" dirty="0" smtClean="0"/>
+              <a:t>グループ作成</a:t>
+            </a:r>
+            <a:endParaRPr kumimoji="1" lang="en-US" altLang="ja-JP" sz="2400" b="1" u="sng" dirty="0" smtClean="0"/>
+          </a:p>
+          <a:p>
+            <a:r>
+              <a:rPr kumimoji="1" lang="en-US" altLang="ja-JP" sz="2000" dirty="0" smtClean="0"/>
+              <a:t>	ID</a:t>
+            </a:r>
+            <a:r>
+              <a:rPr kumimoji="1" lang="ja-JP" altLang="en-US" sz="2000" dirty="0" smtClean="0"/>
+              <a:t>・名前・パスワード・メンバを登録できる。</a:t>
+            </a:r>
+            <a:endParaRPr kumimoji="1" lang="en-US" altLang="ja-JP" sz="2000" dirty="0" smtClean="0"/>
+          </a:p>
+          <a:p>
+            <a:r>
+              <a:rPr kumimoji="1" lang="en-US" altLang="ja-JP" sz="2000" dirty="0" smtClean="0"/>
+              <a:t>	</a:t>
+            </a:r>
+            <a:r>
+              <a:rPr kumimoji="1" lang="ja-JP" altLang="en-US" sz="2000" dirty="0" smtClean="0"/>
+              <a:t>すでに登録のある</a:t>
+            </a:r>
+            <a:r>
+              <a:rPr kumimoji="1" lang="en-US" altLang="ja-JP" sz="2000" dirty="0" smtClean="0"/>
+              <a:t>ID</a:t>
+            </a:r>
+            <a:r>
+              <a:rPr kumimoji="1" lang="ja-JP" altLang="en-US" sz="2000" dirty="0" smtClean="0"/>
+              <a:t>は登録できない。</a:t>
+            </a:r>
+            <a:endParaRPr kumimoji="1" lang="en-US" altLang="ja-JP" sz="2000" dirty="0" smtClean="0"/>
+          </a:p>
+          <a:p>
+            <a:r>
+              <a:rPr kumimoji="1" lang="en-US" altLang="ja-JP" sz="2000" dirty="0"/>
+              <a:t>	</a:t>
+            </a:r>
+            <a:r>
+              <a:rPr kumimoji="1" lang="ja-JP" altLang="en-US" sz="2000" dirty="0" smtClean="0"/>
+              <a:t>グループスケジュール機能が使用できる。</a:t>
+            </a:r>
+            <a:endParaRPr kumimoji="1" lang="en-US" altLang="ja-JP" sz="2000" dirty="0" smtClean="0"/>
+          </a:p>
+          <a:p>
+            <a:r>
+              <a:rPr kumimoji="1" lang="en-US" altLang="ja-JP" sz="2000" dirty="0"/>
+              <a:t>	</a:t>
+            </a:r>
+            <a:r>
+              <a:rPr kumimoji="1" lang="ja-JP" altLang="en-US" sz="2000" dirty="0" smtClean="0"/>
+              <a:t>作成者がそのグループ管理者となる。</a:t>
+            </a:r>
+            <a:endParaRPr kumimoji="1" lang="en-US" altLang="ja-JP" sz="2000" dirty="0" smtClean="0"/>
+          </a:p>
+          <a:p>
+            <a:pPr marL="285750" indent="-285750">
+              <a:buFont typeface="Wingdings" panose="05000000000000000000" pitchFamily="2" charset="2"/>
+              <a:buChar char="Ø"/>
+            </a:pPr>
+            <a:r>
+              <a:rPr kumimoji="1" lang="ja-JP" altLang="en-US" sz="2400" b="1" u="sng" dirty="0" smtClean="0"/>
+              <a:t>グループ情報変更</a:t>
+            </a:r>
+            <a:endParaRPr kumimoji="1" lang="en-US" altLang="ja-JP" sz="2400" b="1" u="sng" dirty="0" smtClean="0"/>
+          </a:p>
+          <a:p>
+            <a:r>
+              <a:rPr kumimoji="1" lang="en-US" altLang="ja-JP" sz="2000" b="1" dirty="0"/>
+              <a:t>	</a:t>
+            </a:r>
+            <a:r>
+              <a:rPr kumimoji="1" lang="ja-JP" altLang="en-US" sz="2000" dirty="0" smtClean="0"/>
+              <a:t>登録した</a:t>
+            </a:r>
+            <a:r>
+              <a:rPr kumimoji="1" lang="ja-JP" altLang="en-US" sz="2000" dirty="0"/>
+              <a:t>グループ</a:t>
+            </a:r>
+            <a:r>
+              <a:rPr kumimoji="1" lang="ja-JP" altLang="en-US" sz="2000" dirty="0" smtClean="0"/>
+              <a:t>情報の変更ができる。</a:t>
+            </a:r>
+            <a:endParaRPr kumimoji="1" lang="en-US" altLang="ja-JP" sz="2000" dirty="0" smtClean="0"/>
+          </a:p>
+          <a:p>
+            <a:r>
+              <a:rPr kumimoji="1" lang="en-US" altLang="ja-JP" sz="2000" dirty="0"/>
+              <a:t>	</a:t>
+            </a:r>
+            <a:r>
+              <a:rPr kumimoji="1" lang="ja-JP" altLang="en-US" sz="2000" dirty="0"/>
+              <a:t>システム管理者</a:t>
+            </a:r>
+            <a:r>
+              <a:rPr kumimoji="1" lang="ja-JP" altLang="en-US" sz="2000" dirty="0" smtClean="0"/>
+              <a:t>・グループ管理者</a:t>
+            </a:r>
+            <a:r>
+              <a:rPr kumimoji="1" lang="ja-JP" altLang="en-US" sz="2000" dirty="0"/>
+              <a:t>のみ変更が可能</a:t>
+            </a:r>
+            <a:r>
+              <a:rPr kumimoji="1" lang="ja-JP" altLang="en-US" sz="2000" dirty="0" smtClean="0"/>
+              <a:t>。</a:t>
+            </a:r>
+            <a:endParaRPr kumimoji="1" lang="en-US" altLang="ja-JP" sz="2000" dirty="0" smtClean="0"/>
+          </a:p>
+          <a:p>
+            <a:pPr marL="285750" indent="-285750">
+              <a:buFont typeface="Wingdings" panose="05000000000000000000" pitchFamily="2" charset="2"/>
+              <a:buChar char="Ø"/>
+            </a:pPr>
+            <a:r>
+              <a:rPr kumimoji="1" lang="ja-JP" altLang="en-US" sz="2400" b="1" u="sng" dirty="0"/>
+              <a:t>グループ</a:t>
+            </a:r>
+            <a:r>
+              <a:rPr kumimoji="1" lang="ja-JP" altLang="en-US" sz="2400" b="1" u="sng" dirty="0" smtClean="0"/>
+              <a:t>情報削除</a:t>
+            </a:r>
+            <a:endParaRPr kumimoji="1" lang="en-US" altLang="ja-JP" sz="2400" b="1" u="sng" dirty="0" smtClean="0"/>
+          </a:p>
+          <a:p>
+            <a:r>
+              <a:rPr kumimoji="1" lang="en-US" altLang="ja-JP" sz="2000" dirty="0"/>
+              <a:t>	</a:t>
+            </a:r>
+            <a:r>
+              <a:rPr kumimoji="1" lang="ja-JP" altLang="en-US" sz="2000" dirty="0" smtClean="0"/>
+              <a:t>登録した</a:t>
+            </a:r>
+            <a:r>
+              <a:rPr kumimoji="1" lang="ja-JP" altLang="en-US" sz="2000" dirty="0"/>
+              <a:t>グループ</a:t>
+            </a:r>
+            <a:r>
+              <a:rPr kumimoji="1" lang="ja-JP" altLang="en-US" sz="2000" dirty="0" smtClean="0"/>
+              <a:t>情報の削除ができる。</a:t>
+            </a:r>
+            <a:endParaRPr kumimoji="1" lang="en-US" altLang="ja-JP" sz="2000" dirty="0" smtClean="0"/>
+          </a:p>
+          <a:p>
+            <a:r>
+              <a:rPr kumimoji="1" lang="en-US" altLang="ja-JP" sz="2000" dirty="0" smtClean="0"/>
+              <a:t>	</a:t>
+            </a:r>
+            <a:r>
+              <a:rPr kumimoji="1" lang="ja-JP" altLang="en-US" sz="2000" dirty="0" smtClean="0"/>
+              <a:t>システム</a:t>
+            </a:r>
+            <a:r>
+              <a:rPr kumimoji="1" lang="ja-JP" altLang="en-US" sz="2000" dirty="0"/>
+              <a:t>管理者・グループ</a:t>
+            </a:r>
+            <a:r>
+              <a:rPr kumimoji="1" lang="ja-JP" altLang="en-US" sz="2000" dirty="0" smtClean="0"/>
+              <a:t>管理者のみ</a:t>
+            </a:r>
+            <a:r>
+              <a:rPr kumimoji="1" lang="ja-JP" altLang="en-US" sz="2000" dirty="0"/>
+              <a:t>削除</a:t>
+            </a:r>
+            <a:r>
+              <a:rPr kumimoji="1" lang="ja-JP" altLang="en-US" sz="2000" dirty="0" smtClean="0"/>
+              <a:t>が</a:t>
+            </a:r>
+            <a:r>
+              <a:rPr kumimoji="1" lang="ja-JP" altLang="en-US" sz="2000" dirty="0"/>
+              <a:t>可能</a:t>
+            </a:r>
+            <a:r>
+              <a:rPr kumimoji="1" lang="ja-JP" altLang="en-US" sz="2000" dirty="0" smtClean="0"/>
+              <a:t>。</a:t>
+            </a:r>
+            <a:endParaRPr kumimoji="1" lang="en-US" altLang="ja-JP" sz="2000" dirty="0"/>
+          </a:p>
+          <a:p>
+            <a:endParaRPr kumimoji="1" lang="ja-JP" altLang="en-US" sz="2000" dirty="0"/>
+          </a:p>
+        </p:txBody>
+      </p:sp>
+      <p:pic>
+        <p:nvPicPr>
+          <p:cNvPr id="4" name="図 3"/>
+          <p:cNvPicPr>
+            <a:picLocks noChangeAspect="1"/>
+          </p:cNvPicPr>
+          <p:nvPr/>
+        </p:nvPicPr>
+        <p:blipFill>
+          <a:blip r:embed="rId2">
+            <a:extLst>
+              <a:ext uri="{28A0092B-C50C-407E-A947-70E740481C1C}">
+                <a14:useLocalDpi xmlns:a14="http://schemas.microsoft.com/office/drawing/2010/main" val="0"/>
+              </a:ext>
+            </a:extLst>
+          </a:blip>
+          <a:stretch>
+            <a:fillRect/>
+          </a:stretch>
+        </p:blipFill>
+        <p:spPr>
+          <a:xfrm>
+            <a:off x="7879595" y="2799522"/>
+            <a:ext cx="3270967" cy="3085817"/>
+          </a:xfrm>
+          <a:prstGeom prst="rect">
+            <a:avLst/>
+          </a:prstGeom>
+        </p:spPr>
+      </p:pic>
+    </p:spTree>
+    <p:extLst>
+      <p:ext uri="{BB962C8B-B14F-4D97-AF65-F5344CB8AC3E}">
+        <p14:creationId xmlns:p14="http://schemas.microsoft.com/office/powerpoint/2010/main" val="2456887001"/>
       </p:ext>
     </p:extLst>
   </p:cSld>

--- a/WeCalendar/WeCalendar概要書.pptx
+++ b/WeCalendar/WeCalendar概要書.pptx
@@ -12114,7 +12114,7 @@
             <a:fld id="{08B9EBBA-996F-894A-B54A-D6246ED52CEA}" type="datetimeFigureOut">
               <a:rPr lang="en-US" smtClean="0"/>
               <a:pPr/>
-              <a:t>11/9/2016</a:t>
+              <a:t>11/15/2016</a:t>
             </a:fld>
             <a:endParaRPr lang="en-US" dirty="0"/>
           </a:p>
@@ -12440,7 +12440,7 @@
             <a:fld id="{18C79C5D-2A6F-F04D-97DA-BEF2467B64E4}" type="datetimeFigureOut">
               <a:rPr lang="en-US" smtClean="0"/>
               <a:pPr/>
-              <a:t>11/9/2016</a:t>
+              <a:t>11/15/2016</a:t>
             </a:fld>
             <a:endParaRPr lang="en-US" dirty="0"/>
           </a:p>
@@ -12690,7 +12690,7 @@
             <a:fld id="{09B482E8-6E0E-1B4F-B1FD-C69DB9E858D9}" type="datetimeFigureOut">
               <a:rPr lang="en-US" smtClean="0"/>
               <a:pPr/>
-              <a:t>11/9/2016</a:t>
+              <a:t>11/15/2016</a:t>
             </a:fld>
             <a:endParaRPr lang="en-US" dirty="0"/>
           </a:p>
@@ -13032,7 +13032,7 @@
             <a:fld id="{8DFA1846-DA80-1C48-A609-854EA85C59AD}" type="datetimeFigureOut">
               <a:rPr lang="en-US" smtClean="0"/>
               <a:pPr/>
-              <a:t>11/9/2016</a:t>
+              <a:t>11/15/2016</a:t>
             </a:fld>
             <a:endParaRPr lang="en-US" dirty="0"/>
           </a:p>
@@ -13381,7 +13381,7 @@
             <a:fld id="{FBF54567-0DE4-3F47-BF90-CB84690072F9}" type="datetimeFigureOut">
               <a:rPr lang="en-US" smtClean="0"/>
               <a:pPr/>
-              <a:t>11/9/2016</a:t>
+              <a:t>11/15/2016</a:t>
             </a:fld>
             <a:endParaRPr lang="en-US" dirty="0"/>
           </a:p>
@@ -13757,7 +13757,7 @@
             <a:fld id="{09B482E8-6E0E-1B4F-B1FD-C69DB9E858D9}" type="datetimeFigureOut">
               <a:rPr lang="en-US" smtClean="0"/>
               <a:pPr/>
-              <a:t>11/9/2016</a:t>
+              <a:t>11/15/2016</a:t>
             </a:fld>
             <a:endParaRPr lang="en-US" dirty="0"/>
           </a:p>
@@ -14230,7 +14230,7 @@
             <a:fld id="{09B482E8-6E0E-1B4F-B1FD-C69DB9E858D9}" type="datetimeFigureOut">
               <a:rPr lang="en-US" smtClean="0"/>
               <a:pPr/>
-              <a:t>11/9/2016</a:t>
+              <a:t>11/15/2016</a:t>
             </a:fld>
             <a:endParaRPr lang="en-US" dirty="0"/>
           </a:p>
@@ -14470,7 +14470,7 @@
             <a:fld id="{C6C52C72-DE31-F449-A4ED-4C594FD91407}" type="datetimeFigureOut">
               <a:rPr lang="en-US" smtClean="0"/>
               <a:pPr/>
-              <a:t>11/9/2016</a:t>
+              <a:t>11/15/2016</a:t>
             </a:fld>
             <a:endParaRPr lang="en-US" dirty="0"/>
           </a:p>
@@ -14715,7 +14715,7 @@
             <a:fld id="{ED62726E-379B-B349-9EED-81ED093FA806}" type="datetimeFigureOut">
               <a:rPr lang="en-US" smtClean="0"/>
               <a:pPr/>
-              <a:t>11/9/2016</a:t>
+              <a:t>11/15/2016</a:t>
             </a:fld>
             <a:endParaRPr lang="en-US" dirty="0"/>
           </a:p>
@@ -14981,7 +14981,7 @@
             <a:fld id="{9B3A1323-8D79-1946-B0D7-40001CF92E9D}" type="datetimeFigureOut">
               <a:rPr lang="en-US" smtClean="0"/>
               <a:pPr/>
-              <a:t>11/9/2016</a:t>
+              <a:t>11/15/2016</a:t>
             </a:fld>
             <a:endParaRPr lang="en-US" dirty="0"/>
           </a:p>
@@ -15231,7 +15231,7 @@
             <a:fld id="{8DFA1846-DA80-1C48-A609-854EA85C59AD}" type="datetimeFigureOut">
               <a:rPr lang="en-US" smtClean="0"/>
               <a:pPr/>
-              <a:t>11/9/2016</a:t>
+              <a:t>11/15/2016</a:t>
             </a:fld>
             <a:endParaRPr lang="en-US" dirty="0"/>
           </a:p>
@@ -15595,7 +15595,7 @@
             <a:fld id="{57302355-E14B-8545-A8F8-0FE83CC9D524}" type="datetimeFigureOut">
               <a:rPr lang="en-US" smtClean="0"/>
               <a:pPr/>
-              <a:t>11/9/2016</a:t>
+              <a:t>11/15/2016</a:t>
             </a:fld>
             <a:endParaRPr lang="en-US" dirty="0"/>
           </a:p>
@@ -16055,7 +16055,7 @@
             <a:fld id="{02640F58-564D-2B4F-AE67-E407BA4FCF45}" type="datetimeFigureOut">
               <a:rPr lang="en-US" smtClean="0"/>
               <a:pPr/>
-              <a:t>11/9/2016</a:t>
+              <a:t>11/15/2016</a:t>
             </a:fld>
             <a:endParaRPr lang="en-US" dirty="0"/>
           </a:p>
@@ -16206,7 +16206,7 @@
             <a:fld id="{F13A34C8-038E-2045-AF43-DF7DBB8E0E9E}" type="datetimeFigureOut">
               <a:rPr lang="en-US" smtClean="0"/>
               <a:pPr/>
-              <a:t>11/9/2016</a:t>
+              <a:t>11/15/2016</a:t>
             </a:fld>
             <a:endParaRPr lang="en-US" dirty="0"/>
           </a:p>
@@ -16334,7 +16334,7 @@
             <a:fld id="{8818C68F-D26B-8F47-958C-23B49CF8A634}" type="datetimeFigureOut">
               <a:rPr lang="en-US" smtClean="0"/>
               <a:pPr/>
-              <a:t>11/9/2016</a:t>
+              <a:t>11/15/2016</a:t>
             </a:fld>
             <a:endParaRPr lang="en-US" dirty="0"/>
           </a:p>
@@ -16623,7 +16623,7 @@
             <a:fld id="{D0DF5E60-9974-AC48-9591-99C2BB44B7CF}" type="datetimeFigureOut">
               <a:rPr lang="en-US" smtClean="0"/>
               <a:pPr/>
-              <a:t>11/9/2016</a:t>
+              <a:t>11/15/2016</a:t>
             </a:fld>
             <a:endParaRPr lang="en-US" dirty="0"/>
           </a:p>
@@ -16940,7 +16940,7 @@
             <a:fld id="{18C79C5D-2A6F-F04D-97DA-BEF2467B64E4}" type="datetimeFigureOut">
               <a:rPr lang="en-US" smtClean="0"/>
               <a:pPr/>
-              <a:t>11/9/2016</a:t>
+              <a:t>11/15/2016</a:t>
             </a:fld>
             <a:endParaRPr lang="en-US" dirty="0"/>
           </a:p>
@@ -17325,7 +17325,7 @@
             <a:fld id="{09B482E8-6E0E-1B4F-B1FD-C69DB9E858D9}" type="datetimeFigureOut">
               <a:rPr lang="en-US" smtClean="0"/>
               <a:pPr/>
-              <a:t>11/9/2016</a:t>
+              <a:t>11/15/2016</a:t>
             </a:fld>
             <a:endParaRPr lang="en-US" dirty="0"/>
           </a:p>
@@ -18403,8 +18403,8 @@
         </p:blipFill>
         <p:spPr>
           <a:xfrm>
-            <a:off x="8497824" y="3354894"/>
-            <a:ext cx="2914069" cy="2530446"/>
+            <a:off x="8497825" y="3485609"/>
+            <a:ext cx="2763536" cy="2399730"/>
           </a:xfrm>
           <a:prstGeom prst="rect">
             <a:avLst/>
@@ -18643,7 +18643,7 @@
         <p:spPr>
           <a:xfrm>
             <a:off x="816864" y="2561113"/>
-            <a:ext cx="8574783" cy="2677656"/>
+            <a:ext cx="8467383" cy="2369880"/>
           </a:xfrm>
           <a:prstGeom prst="rect">
             <a:avLst/>
@@ -18707,10 +18707,105 @@
               <a:t>	</a:t>
             </a:r>
             <a:r>
+              <a:rPr kumimoji="1" lang="en-US" altLang="ja-JP" sz="2000" dirty="0" smtClean="0">
+                <a:latin typeface="+mn-ea"/>
+              </a:rPr>
+              <a:t>	</a:t>
+            </a:r>
+            <a:r>
               <a:rPr kumimoji="1" lang="ja-JP" altLang="en-US" sz="2000" dirty="0" smtClean="0">
                 <a:latin typeface="+mn-ea"/>
               </a:rPr>
-              <a:t>スケジュールのある日付にマークがつく。</a:t>
+              <a:t>日付</a:t>
+            </a:r>
+            <a:r>
+              <a:rPr kumimoji="1" lang="ja-JP" altLang="en-US" sz="2000" dirty="0" smtClean="0">
+                <a:latin typeface="+mn-ea"/>
+              </a:rPr>
+              <a:t>をクリックするとその日のスケジュール一覧が表示される。</a:t>
+            </a:r>
+            <a:endParaRPr kumimoji="1" lang="en-US" altLang="ja-JP" sz="2000" dirty="0">
+              <a:latin typeface="+mn-ea"/>
+            </a:endParaRPr>
+          </a:p>
+          <a:p>
+            <a:pPr marL="342900" indent="-342900">
+              <a:buFont typeface="Wingdings" panose="05000000000000000000" pitchFamily="2" charset="2"/>
+              <a:buChar char="Ø"/>
+            </a:pPr>
+            <a:r>
+              <a:rPr kumimoji="1" lang="ja-JP" altLang="en-US" sz="2400" b="1" u="sng" dirty="0" smtClean="0">
+                <a:latin typeface="+mn-ea"/>
+              </a:rPr>
+              <a:t>一日スケジュール一覧</a:t>
+            </a:r>
+            <a:endParaRPr kumimoji="1" lang="en-US" altLang="ja-JP" sz="2400" b="1" u="sng" dirty="0" smtClean="0">
+              <a:latin typeface="+mn-ea"/>
+            </a:endParaRPr>
+          </a:p>
+          <a:p>
+            <a:r>
+              <a:rPr kumimoji="1" lang="en-US" altLang="ja-JP" sz="2000" b="1" dirty="0"/>
+              <a:t>	</a:t>
+            </a:r>
+            <a:r>
+              <a:rPr kumimoji="1" lang="ja-JP" altLang="en-US" sz="2000" dirty="0" smtClean="0">
+                <a:latin typeface="+mn-ea"/>
+              </a:rPr>
+              <a:t>一日のスケジュール一覧が表示される。</a:t>
+            </a:r>
+            <a:endParaRPr kumimoji="1" lang="en-US" altLang="ja-JP" sz="2000" dirty="0" smtClean="0">
+              <a:latin typeface="+mn-ea"/>
+            </a:endParaRPr>
+          </a:p>
+          <a:p>
+            <a:r>
+              <a:rPr kumimoji="1" lang="en-US" altLang="ja-JP" sz="2000" dirty="0" smtClean="0">
+                <a:latin typeface="+mn-ea"/>
+              </a:rPr>
+              <a:t>	</a:t>
+            </a:r>
+            <a:r>
+              <a:rPr kumimoji="1" lang="ja-JP" altLang="en-US" sz="2000" dirty="0" smtClean="0">
+                <a:latin typeface="+mn-ea"/>
+              </a:rPr>
+              <a:t>表示は</a:t>
+            </a:r>
+            <a:r>
+              <a:rPr kumimoji="1" lang="en-US" altLang="ja-JP" sz="2000" dirty="0" smtClean="0">
+                <a:latin typeface="+mn-ea"/>
+              </a:rPr>
+              <a:t>『</a:t>
+            </a:r>
+            <a:r>
+              <a:rPr kumimoji="1" lang="ja-JP" altLang="en-US" sz="2000" dirty="0" smtClean="0">
+                <a:latin typeface="+mn-ea"/>
+              </a:rPr>
+              <a:t>個人スケジュール</a:t>
+            </a:r>
+            <a:r>
+              <a:rPr kumimoji="1" lang="en-US" altLang="ja-JP" sz="2000" dirty="0" smtClean="0">
+                <a:latin typeface="+mn-ea"/>
+              </a:rPr>
+              <a:t>』『</a:t>
+            </a:r>
+            <a:r>
+              <a:rPr kumimoji="1" lang="ja-JP" altLang="en-US" sz="2000" dirty="0" smtClean="0">
+                <a:latin typeface="+mn-ea"/>
+              </a:rPr>
+              <a:t>グループスケジュール</a:t>
+            </a:r>
+            <a:r>
+              <a:rPr kumimoji="1" lang="en-US" altLang="ja-JP" sz="2000" dirty="0" smtClean="0">
+                <a:latin typeface="+mn-ea"/>
+              </a:rPr>
+              <a:t>』</a:t>
+            </a:r>
+            <a:r>
+              <a:rPr kumimoji="1" lang="ja-JP" altLang="en-US" sz="2000" dirty="0" smtClean="0">
+                <a:latin typeface="+mn-ea"/>
+              </a:rPr>
+              <a:t>の切替が可能。</a:t>
             </a:r>
             <a:endParaRPr kumimoji="1" lang="en-US" altLang="ja-JP" sz="2000" dirty="0" smtClean="0">
               <a:latin typeface="+mn-ea"/>
@@ -18724,65 +18819,6 @@
               <a:t>	</a:t>
             </a:r>
             <a:r>
-              <a:rPr kumimoji="1" lang="ja-JP" altLang="en-US" sz="2000" dirty="0">
-                <a:latin typeface="+mn-ea"/>
-              </a:rPr>
-              <a:t>日付</a:t>
-            </a:r>
-            <a:r>
-              <a:rPr kumimoji="1" lang="ja-JP" altLang="en-US" sz="2000" dirty="0" smtClean="0">
-                <a:latin typeface="+mn-ea"/>
-              </a:rPr>
-              <a:t>をクリックするとその日のスケジュール一覧が表示される。</a:t>
-            </a:r>
-            <a:endParaRPr kumimoji="1" lang="en-US" altLang="ja-JP" sz="2000" dirty="0">
-              <a:latin typeface="+mn-ea"/>
-            </a:endParaRPr>
-          </a:p>
-          <a:p>
-            <a:pPr marL="342900" indent="-342900">
-              <a:buFont typeface="Wingdings" panose="05000000000000000000" pitchFamily="2" charset="2"/>
-              <a:buChar char="Ø"/>
-            </a:pPr>
-            <a:r>
-              <a:rPr kumimoji="1" lang="ja-JP" altLang="en-US" sz="2400" b="1" u="sng" dirty="0" smtClean="0">
-                <a:latin typeface="+mn-ea"/>
-              </a:rPr>
-              <a:t>一日スケジュール一覧</a:t>
-            </a:r>
-            <a:endParaRPr kumimoji="1" lang="en-US" altLang="ja-JP" sz="2400" b="1" u="sng" dirty="0" smtClean="0">
-              <a:latin typeface="+mn-ea"/>
-            </a:endParaRPr>
-          </a:p>
-          <a:p>
-            <a:r>
-              <a:rPr kumimoji="1" lang="en-US" altLang="ja-JP" sz="2000" b="1" dirty="0"/>
-              <a:t>	</a:t>
-            </a:r>
-            <a:r>
-              <a:rPr kumimoji="1" lang="ja-JP" altLang="en-US" sz="2000" dirty="0" smtClean="0">
-                <a:latin typeface="+mn-ea"/>
-              </a:rPr>
-              <a:t>一日のスケジュール一覧が表示される。</a:t>
-            </a:r>
-            <a:endParaRPr kumimoji="1" lang="en-US" altLang="ja-JP" sz="2000" dirty="0" smtClean="0">
-              <a:latin typeface="+mn-ea"/>
-            </a:endParaRPr>
-          </a:p>
-          <a:p>
-            <a:r>
-              <a:rPr kumimoji="1" lang="en-US" altLang="ja-JP" sz="2000" dirty="0" smtClean="0">
-                <a:latin typeface="+mn-ea"/>
-              </a:rPr>
-              <a:t>	</a:t>
-            </a:r>
-            <a:r>
-              <a:rPr kumimoji="1" lang="ja-JP" altLang="en-US" sz="2000" dirty="0" smtClean="0">
-                <a:latin typeface="+mn-ea"/>
-              </a:rPr>
-              <a:t>表示は</a:t>
-            </a:r>
-            <a:r>
               <a:rPr kumimoji="1" lang="en-US" altLang="ja-JP" sz="2000" dirty="0" smtClean="0">
                 <a:latin typeface="+mn-ea"/>
               </a:rPr>
@@ -18792,18 +18828,6 @@
               <a:rPr kumimoji="1" lang="ja-JP" altLang="en-US" sz="2000" dirty="0" smtClean="0">
                 <a:latin typeface="+mn-ea"/>
               </a:rPr>
-              <a:t>個人スケジュール</a:t>
-            </a:r>
-            <a:r>
-              <a:rPr kumimoji="1" lang="en-US" altLang="ja-JP" sz="2000" dirty="0" smtClean="0">
-                <a:latin typeface="+mn-ea"/>
-              </a:rPr>
-              <a:t>』『</a:t>
-            </a:r>
-            <a:r>
-              <a:rPr kumimoji="1" lang="ja-JP" altLang="en-US" sz="2000" dirty="0" smtClean="0">
-                <a:latin typeface="+mn-ea"/>
-              </a:rPr>
               <a:t>グループスケジュール</a:t>
             </a:r>
             <a:r>
@@ -18816,47 +18840,42 @@
               <a:rPr kumimoji="1" lang="ja-JP" altLang="en-US" sz="2000" dirty="0" smtClean="0">
                 <a:latin typeface="+mn-ea"/>
               </a:rPr>
-              <a:t>の切替が可能。</a:t>
-            </a:r>
-            <a:endParaRPr kumimoji="1" lang="en-US" altLang="ja-JP" sz="2000" dirty="0" smtClean="0">
-              <a:latin typeface="+mn-ea"/>
-            </a:endParaRPr>
-          </a:p>
-          <a:p>
-            <a:r>
-              <a:rPr kumimoji="1" lang="en-US" altLang="ja-JP" sz="2000" dirty="0">
-                <a:latin typeface="+mn-ea"/>
-              </a:rPr>
-              <a:t>	</a:t>
-            </a:r>
-            <a:r>
-              <a:rPr kumimoji="1" lang="en-US" altLang="ja-JP" sz="2000" dirty="0" smtClean="0">
-                <a:latin typeface="+mn-ea"/>
-              </a:rPr>
-              <a:t>『</a:t>
-            </a:r>
-            <a:r>
-              <a:rPr kumimoji="1" lang="ja-JP" altLang="en-US" sz="2000" dirty="0" smtClean="0">
-                <a:latin typeface="+mn-ea"/>
-              </a:rPr>
-              <a:t>グループスケジュール</a:t>
-            </a:r>
-            <a:r>
-              <a:rPr kumimoji="1" lang="en-US" altLang="ja-JP" sz="2000" dirty="0" smtClean="0">
-                <a:latin typeface="+mn-ea"/>
-              </a:rPr>
-              <a:t>』</a:t>
-            </a:r>
-            <a:r>
-              <a:rPr kumimoji="1" lang="ja-JP" altLang="en-US" sz="2000" dirty="0" smtClean="0">
-                <a:latin typeface="+mn-ea"/>
-              </a:rPr>
               <a:t>はログインしているグループのものが表示される。</a:t>
             </a:r>
             <a:endParaRPr kumimoji="1" lang="ja-JP" altLang="en-US" sz="2000" dirty="0"/>
           </a:p>
         </p:txBody>
       </p:sp>
+      <p:pic>
+        <p:nvPicPr>
+          <p:cNvPr id="4" name="図 3"/>
+          <p:cNvPicPr>
+            <a:picLocks noChangeAspect="1"/>
+          </p:cNvPicPr>
+          <p:nvPr/>
+        </p:nvPicPr>
+        <p:blipFill>
+          <a:blip r:embed="rId2">
+            <a:extLst>
+              <a:ext uri="{28A0092B-C50C-407E-A947-70E740481C1C}">
+                <a14:useLocalDpi xmlns:a14="http://schemas.microsoft.com/office/drawing/2010/main" val="0"/>
+              </a:ext>
+            </a:extLst>
+          </a:blip>
+          <a:stretch>
+            <a:fillRect/>
+          </a:stretch>
+        </p:blipFill>
+        <p:spPr>
+          <a:xfrm>
+            <a:off x="9228445" y="3746053"/>
+            <a:ext cx="2147145" cy="1997593"/>
+          </a:xfrm>
+          <a:prstGeom prst="rect">
+            <a:avLst/>
+          </a:prstGeom>
+        </p:spPr>
+      </p:pic>
     </p:spTree>
     <p:extLst>
       <p:ext uri="{BB962C8B-B14F-4D97-AF65-F5344CB8AC3E}">
@@ -19731,7 +19750,6 @@
               <a:rPr lang="ja-JP" altLang="en-US" sz="6000" b="1" dirty="0"/>
               <a:t>概略機能</a:t>
             </a:r>
-            <a:endParaRPr lang="ja-JP" altLang="en-US" sz="6000" b="1" dirty="0"/>
           </a:p>
         </p:txBody>
       </p:sp>

--- a/WeCalendar/WeCalendar概要書.pptx
+++ b/WeCalendar/WeCalendar概要書.pptx
@@ -12114,7 +12114,7 @@
             <a:fld id="{08B9EBBA-996F-894A-B54A-D6246ED52CEA}" type="datetimeFigureOut">
               <a:rPr lang="en-US" smtClean="0"/>
               <a:pPr/>
-              <a:t>11/15/2016</a:t>
+              <a:t>11/16/2016</a:t>
             </a:fld>
             <a:endParaRPr lang="en-US" dirty="0"/>
           </a:p>
@@ -12440,7 +12440,7 @@
             <a:fld id="{18C79C5D-2A6F-F04D-97DA-BEF2467B64E4}" type="datetimeFigureOut">
               <a:rPr lang="en-US" smtClean="0"/>
               <a:pPr/>
-              <a:t>11/15/2016</a:t>
+              <a:t>11/16/2016</a:t>
             </a:fld>
             <a:endParaRPr lang="en-US" dirty="0"/>
           </a:p>
@@ -12690,7 +12690,7 @@
             <a:fld id="{09B482E8-6E0E-1B4F-B1FD-C69DB9E858D9}" type="datetimeFigureOut">
               <a:rPr lang="en-US" smtClean="0"/>
               <a:pPr/>
-              <a:t>11/15/2016</a:t>
+              <a:t>11/16/2016</a:t>
             </a:fld>
             <a:endParaRPr lang="en-US" dirty="0"/>
           </a:p>
@@ -13032,7 +13032,7 @@
             <a:fld id="{8DFA1846-DA80-1C48-A609-854EA85C59AD}" type="datetimeFigureOut">
               <a:rPr lang="en-US" smtClean="0"/>
               <a:pPr/>
-              <a:t>11/15/2016</a:t>
+              <a:t>11/16/2016</a:t>
             </a:fld>
             <a:endParaRPr lang="en-US" dirty="0"/>
           </a:p>
@@ -13381,7 +13381,7 @@
             <a:fld id="{FBF54567-0DE4-3F47-BF90-CB84690072F9}" type="datetimeFigureOut">
               <a:rPr lang="en-US" smtClean="0"/>
               <a:pPr/>
-              <a:t>11/15/2016</a:t>
+              <a:t>11/16/2016</a:t>
             </a:fld>
             <a:endParaRPr lang="en-US" dirty="0"/>
           </a:p>
@@ -13757,7 +13757,7 @@
             <a:fld id="{09B482E8-6E0E-1B4F-B1FD-C69DB9E858D9}" type="datetimeFigureOut">
               <a:rPr lang="en-US" smtClean="0"/>
               <a:pPr/>
-              <a:t>11/15/2016</a:t>
+              <a:t>11/16/2016</a:t>
             </a:fld>
             <a:endParaRPr lang="en-US" dirty="0"/>
           </a:p>
@@ -14230,7 +14230,7 @@
             <a:fld id="{09B482E8-6E0E-1B4F-B1FD-C69DB9E858D9}" type="datetimeFigureOut">
               <a:rPr lang="en-US" smtClean="0"/>
               <a:pPr/>
-              <a:t>11/15/2016</a:t>
+              <a:t>11/16/2016</a:t>
             </a:fld>
             <a:endParaRPr lang="en-US" dirty="0"/>
           </a:p>
@@ -14470,7 +14470,7 @@
             <a:fld id="{C6C52C72-DE31-F449-A4ED-4C594FD91407}" type="datetimeFigureOut">
               <a:rPr lang="en-US" smtClean="0"/>
               <a:pPr/>
-              <a:t>11/15/2016</a:t>
+              <a:t>11/16/2016</a:t>
             </a:fld>
             <a:endParaRPr lang="en-US" dirty="0"/>
           </a:p>
@@ -14715,7 +14715,7 @@
             <a:fld id="{ED62726E-379B-B349-9EED-81ED093FA806}" type="datetimeFigureOut">
               <a:rPr lang="en-US" smtClean="0"/>
               <a:pPr/>
-              <a:t>11/15/2016</a:t>
+              <a:t>11/16/2016</a:t>
             </a:fld>
             <a:endParaRPr lang="en-US" dirty="0"/>
           </a:p>
@@ -14981,7 +14981,7 @@
             <a:fld id="{9B3A1323-8D79-1946-B0D7-40001CF92E9D}" type="datetimeFigureOut">
               <a:rPr lang="en-US" smtClean="0"/>
               <a:pPr/>
-              <a:t>11/15/2016</a:t>
+              <a:t>11/16/2016</a:t>
             </a:fld>
             <a:endParaRPr lang="en-US" dirty="0"/>
           </a:p>
@@ -15231,7 +15231,7 @@
             <a:fld id="{8DFA1846-DA80-1C48-A609-854EA85C59AD}" type="datetimeFigureOut">
               <a:rPr lang="en-US" smtClean="0"/>
               <a:pPr/>
-              <a:t>11/15/2016</a:t>
+              <a:t>11/16/2016</a:t>
             </a:fld>
             <a:endParaRPr lang="en-US" dirty="0"/>
           </a:p>
@@ -15595,7 +15595,7 @@
             <a:fld id="{57302355-E14B-8545-A8F8-0FE83CC9D524}" type="datetimeFigureOut">
               <a:rPr lang="en-US" smtClean="0"/>
               <a:pPr/>
-              <a:t>11/15/2016</a:t>
+              <a:t>11/16/2016</a:t>
             </a:fld>
             <a:endParaRPr lang="en-US" dirty="0"/>
           </a:p>
@@ -16055,7 +16055,7 @@
             <a:fld id="{02640F58-564D-2B4F-AE67-E407BA4FCF45}" type="datetimeFigureOut">
               <a:rPr lang="en-US" smtClean="0"/>
               <a:pPr/>
-              <a:t>11/15/2016</a:t>
+              <a:t>11/16/2016</a:t>
             </a:fld>
             <a:endParaRPr lang="en-US" dirty="0"/>
           </a:p>
@@ -16206,7 +16206,7 @@
             <a:fld id="{F13A34C8-038E-2045-AF43-DF7DBB8E0E9E}" type="datetimeFigureOut">
               <a:rPr lang="en-US" smtClean="0"/>
               <a:pPr/>
-              <a:t>11/15/2016</a:t>
+              <a:t>11/16/2016</a:t>
             </a:fld>
             <a:endParaRPr lang="en-US" dirty="0"/>
           </a:p>
@@ -16334,7 +16334,7 @@
             <a:fld id="{8818C68F-D26B-8F47-958C-23B49CF8A634}" type="datetimeFigureOut">
               <a:rPr lang="en-US" smtClean="0"/>
               <a:pPr/>
-              <a:t>11/15/2016</a:t>
+              <a:t>11/16/2016</a:t>
             </a:fld>
             <a:endParaRPr lang="en-US" dirty="0"/>
           </a:p>
@@ -16623,7 +16623,7 @@
             <a:fld id="{D0DF5E60-9974-AC48-9591-99C2BB44B7CF}" type="datetimeFigureOut">
               <a:rPr lang="en-US" smtClean="0"/>
               <a:pPr/>
-              <a:t>11/15/2016</a:t>
+              <a:t>11/16/2016</a:t>
             </a:fld>
             <a:endParaRPr lang="en-US" dirty="0"/>
           </a:p>
@@ -16940,7 +16940,7 @@
             <a:fld id="{18C79C5D-2A6F-F04D-97DA-BEF2467B64E4}" type="datetimeFigureOut">
               <a:rPr lang="en-US" smtClean="0"/>
               <a:pPr/>
-              <a:t>11/15/2016</a:t>
+              <a:t>11/16/2016</a:t>
             </a:fld>
             <a:endParaRPr lang="en-US" dirty="0"/>
           </a:p>
@@ -17325,7 +17325,7 @@
             <a:fld id="{09B482E8-6E0E-1B4F-B1FD-C69DB9E858D9}" type="datetimeFigureOut">
               <a:rPr lang="en-US" smtClean="0"/>
               <a:pPr/>
-              <a:t>11/15/2016</a:t>
+              <a:t>11/16/2016</a:t>
             </a:fld>
             <a:endParaRPr lang="en-US" dirty="0"/>
           </a:p>
@@ -18716,13 +18716,7 @@
               <a:rPr kumimoji="1" lang="ja-JP" altLang="en-US" sz="2000" dirty="0" smtClean="0">
                 <a:latin typeface="+mn-ea"/>
               </a:rPr>
-              <a:t>日付</a:t>
-            </a:r>
-            <a:r>
-              <a:rPr kumimoji="1" lang="ja-JP" altLang="en-US" sz="2000" dirty="0" smtClean="0">
-                <a:latin typeface="+mn-ea"/>
-              </a:rPr>
-              <a:t>をクリックするとその日のスケジュール一覧が表示される。</a:t>
+              <a:t>日付をクリックするとその日のスケジュール一覧が表示される。</a:t>
             </a:r>
             <a:endParaRPr kumimoji="1" lang="en-US" altLang="ja-JP" sz="2000" dirty="0">
               <a:latin typeface="+mn-ea"/>
@@ -18913,6 +18907,36 @@
           <a:chExt cx="0" cy="0"/>
         </a:xfrm>
       </p:grpSpPr>
+      <p:pic>
+        <p:nvPicPr>
+          <p:cNvPr id="10" name="図 9"/>
+          <p:cNvPicPr>
+            <a:picLocks noChangeAspect="1"/>
+          </p:cNvPicPr>
+          <p:nvPr/>
+        </p:nvPicPr>
+        <p:blipFill>
+          <a:blip r:embed="rId2">
+            <a:extLst>
+              <a:ext uri="{28A0092B-C50C-407E-A947-70E740481C1C}">
+                <a14:useLocalDpi xmlns:a14="http://schemas.microsoft.com/office/drawing/2010/main" val="0"/>
+              </a:ext>
+            </a:extLst>
+          </a:blip>
+          <a:stretch>
+            <a:fillRect/>
+          </a:stretch>
+        </p:blipFill>
+        <p:spPr>
+          <a:xfrm>
+            <a:off x="8328271" y="3905231"/>
+            <a:ext cx="3029566" cy="2035012"/>
+          </a:xfrm>
+          <a:prstGeom prst="rect">
+            <a:avLst/>
+          </a:prstGeom>
+        </p:spPr>
+      </p:pic>
       <p:sp>
         <p:nvSpPr>
           <p:cNvPr id="2" name="タイトル 1"/>
@@ -19061,36 +19085,6 @@
       </p:sp>
       <p:pic>
         <p:nvPicPr>
-          <p:cNvPr id="10" name="図 9"/>
-          <p:cNvPicPr>
-            <a:picLocks noChangeAspect="1"/>
-          </p:cNvPicPr>
-          <p:nvPr/>
-        </p:nvPicPr>
-        <p:blipFill>
-          <a:blip r:embed="rId2">
-            <a:extLst>
-              <a:ext uri="{28A0092B-C50C-407E-A947-70E740481C1C}">
-                <a14:useLocalDpi xmlns:a14="http://schemas.microsoft.com/office/drawing/2010/main" val="0"/>
-              </a:ext>
-            </a:extLst>
-          </a:blip>
-          <a:stretch>
-            <a:fillRect/>
-          </a:stretch>
-        </p:blipFill>
-        <p:spPr>
-          <a:xfrm>
-            <a:off x="8361018" y="3850327"/>
-            <a:ext cx="3029566" cy="2035012"/>
-          </a:xfrm>
-          <a:prstGeom prst="rect">
-            <a:avLst/>
-          </a:prstGeom>
-        </p:spPr>
-      </p:pic>
-      <p:pic>
-        <p:nvPicPr>
           <p:cNvPr id="9" name="図 8"/>
           <p:cNvPicPr>
             <a:picLocks noChangeAspect="1"/>
@@ -19112,7 +19106,67 @@
         <p:spPr>
           <a:xfrm>
             <a:off x="7445868" y="2567194"/>
-            <a:ext cx="2000988" cy="1720850"/>
+            <a:ext cx="2246772" cy="1932224"/>
+          </a:xfrm>
+          <a:prstGeom prst="rect">
+            <a:avLst/>
+          </a:prstGeom>
+        </p:spPr>
+      </p:pic>
+      <p:pic>
+        <p:nvPicPr>
+          <p:cNvPr id="5" name="図 4"/>
+          <p:cNvPicPr>
+            <a:picLocks noChangeAspect="1"/>
+          </p:cNvPicPr>
+          <p:nvPr/>
+        </p:nvPicPr>
+        <p:blipFill>
+          <a:blip r:embed="rId4">
+            <a:extLst>
+              <a:ext uri="{28A0092B-C50C-407E-A947-70E740481C1C}">
+                <a14:useLocalDpi xmlns:a14="http://schemas.microsoft.com/office/drawing/2010/main" val="0"/>
+              </a:ext>
+            </a:extLst>
+          </a:blip>
+          <a:stretch>
+            <a:fillRect/>
+          </a:stretch>
+        </p:blipFill>
+        <p:spPr>
+          <a:xfrm>
+            <a:off x="785298" y="4120793"/>
+            <a:ext cx="3314459" cy="1929119"/>
+          </a:xfrm>
+          <a:prstGeom prst="rect">
+            <a:avLst/>
+          </a:prstGeom>
+        </p:spPr>
+      </p:pic>
+      <p:pic>
+        <p:nvPicPr>
+          <p:cNvPr id="4" name="図 3"/>
+          <p:cNvPicPr>
+            <a:picLocks noChangeAspect="1"/>
+          </p:cNvPicPr>
+          <p:nvPr/>
+        </p:nvPicPr>
+        <p:blipFill>
+          <a:blip r:embed="rId5">
+            <a:extLst>
+              <a:ext uri="{28A0092B-C50C-407E-A947-70E740481C1C}">
+                <a14:useLocalDpi xmlns:a14="http://schemas.microsoft.com/office/drawing/2010/main" val="0"/>
+              </a:ext>
+            </a:extLst>
+          </a:blip>
+          <a:stretch>
+            <a:fillRect/>
+          </a:stretch>
+        </p:blipFill>
+        <p:spPr>
+          <a:xfrm>
+            <a:off x="936131" y="2567195"/>
+            <a:ext cx="2031627" cy="1553598"/>
           </a:xfrm>
           <a:prstGeom prst="rect">
             <a:avLst/>
@@ -20796,6 +20850,156 @@
           <a:xfrm>
             <a:off x="7881199" y="3286418"/>
             <a:ext cx="3263051" cy="2491784"/>
+          </a:xfrm>
+          <a:prstGeom prst="rect">
+            <a:avLst/>
+          </a:prstGeom>
+        </p:spPr>
+      </p:pic>
+      <p:pic>
+        <p:nvPicPr>
+          <p:cNvPr id="5" name="図 4"/>
+          <p:cNvPicPr>
+            <a:picLocks noChangeAspect="1"/>
+          </p:cNvPicPr>
+          <p:nvPr/>
+        </p:nvPicPr>
+        <p:blipFill>
+          <a:blip r:embed="rId3">
+            <a:extLst>
+              <a:ext uri="{28A0092B-C50C-407E-A947-70E740481C1C}">
+                <a14:useLocalDpi xmlns:a14="http://schemas.microsoft.com/office/drawing/2010/main" val="0"/>
+              </a:ext>
+            </a:extLst>
+          </a:blip>
+          <a:stretch>
+            <a:fillRect/>
+          </a:stretch>
+        </p:blipFill>
+        <p:spPr>
+          <a:xfrm>
+            <a:off x="5960747" y="4194048"/>
+            <a:ext cx="1584154" cy="1584154"/>
+          </a:xfrm>
+          <a:prstGeom prst="rect">
+            <a:avLst/>
+          </a:prstGeom>
+        </p:spPr>
+      </p:pic>
+      <p:pic>
+        <p:nvPicPr>
+          <p:cNvPr id="7" name="図 6"/>
+          <p:cNvPicPr>
+            <a:picLocks noChangeAspect="1"/>
+          </p:cNvPicPr>
+          <p:nvPr/>
+        </p:nvPicPr>
+        <p:blipFill>
+          <a:blip r:embed="rId4">
+            <a:extLst>
+              <a:ext uri="{28A0092B-C50C-407E-A947-70E740481C1C}">
+                <a14:useLocalDpi xmlns:a14="http://schemas.microsoft.com/office/drawing/2010/main" val="0"/>
+              </a:ext>
+            </a:extLst>
+          </a:blip>
+          <a:stretch>
+            <a:fillRect/>
+          </a:stretch>
+        </p:blipFill>
+        <p:spPr>
+          <a:xfrm>
+            <a:off x="161175" y="3980541"/>
+            <a:ext cx="3191625" cy="1941227"/>
+          </a:xfrm>
+          <a:prstGeom prst="rect">
+            <a:avLst/>
+          </a:prstGeom>
+        </p:spPr>
+      </p:pic>
+      <p:pic>
+        <p:nvPicPr>
+          <p:cNvPr id="9" name="図 8"/>
+          <p:cNvPicPr>
+            <a:picLocks noChangeAspect="1"/>
+          </p:cNvPicPr>
+          <p:nvPr/>
+        </p:nvPicPr>
+        <p:blipFill>
+          <a:blip r:embed="rId5">
+            <a:extLst>
+              <a:ext uri="{28A0092B-C50C-407E-A947-70E740481C1C}">
+                <a14:useLocalDpi xmlns:a14="http://schemas.microsoft.com/office/drawing/2010/main" val="0"/>
+              </a:ext>
+            </a:extLst>
+          </a:blip>
+          <a:stretch>
+            <a:fillRect/>
+          </a:stretch>
+        </p:blipFill>
+        <p:spPr>
+          <a:xfrm>
+            <a:off x="1756987" y="4324045"/>
+            <a:ext cx="1190791" cy="1324160"/>
+          </a:xfrm>
+          <a:prstGeom prst="rect">
+            <a:avLst/>
+          </a:prstGeom>
+        </p:spPr>
+      </p:pic>
+      <p:pic>
+        <p:nvPicPr>
+          <p:cNvPr id="10" name="図 9"/>
+          <p:cNvPicPr>
+            <a:picLocks noChangeAspect="1"/>
+          </p:cNvPicPr>
+          <p:nvPr/>
+        </p:nvPicPr>
+        <p:blipFill>
+          <a:blip r:embed="rId6">
+            <a:extLst>
+              <a:ext uri="{28A0092B-C50C-407E-A947-70E740481C1C}">
+                <a14:useLocalDpi xmlns:a14="http://schemas.microsoft.com/office/drawing/2010/main" val="0"/>
+              </a:ext>
+            </a:extLst>
+          </a:blip>
+          <a:stretch>
+            <a:fillRect/>
+          </a:stretch>
+        </p:blipFill>
+        <p:spPr>
+          <a:xfrm>
+            <a:off x="3543390" y="4194048"/>
+            <a:ext cx="1692110" cy="1454157"/>
+          </a:xfrm>
+          <a:prstGeom prst="rect">
+            <a:avLst/>
+          </a:prstGeom>
+        </p:spPr>
+      </p:pic>
+      <p:pic>
+        <p:nvPicPr>
+          <p:cNvPr id="8" name="図 7"/>
+          <p:cNvPicPr>
+            <a:picLocks noChangeAspect="1"/>
+          </p:cNvPicPr>
+          <p:nvPr/>
+        </p:nvPicPr>
+        <p:blipFill>
+          <a:blip r:embed="rId7">
+            <a:extLst>
+              <a:ext uri="{28A0092B-C50C-407E-A947-70E740481C1C}">
+                <a14:useLocalDpi xmlns:a14="http://schemas.microsoft.com/office/drawing/2010/main" val="0"/>
+              </a:ext>
+            </a:extLst>
+          </a:blip>
+          <a:stretch>
+            <a:fillRect/>
+          </a:stretch>
+        </p:blipFill>
+        <p:spPr>
+          <a:xfrm>
+            <a:off x="3689098" y="4558500"/>
+            <a:ext cx="1339007" cy="321015"/>
           </a:xfrm>
           <a:prstGeom prst="rect">
             <a:avLst/>
